--- a/121/NETCONF/draft-netana-netconf-yp-transport-capabilities-00.pptx
+++ b/121/NETCONF/draft-netana-netconf-yp-transport-capabilities-00.pptx
@@ -9,9 +9,9 @@
   </p:notesMasterIdLst>
   <p:sldIdLst>
     <p:sldId id="1041" r:id="rId2"/>
-    <p:sldId id="2145706256" r:id="rId3"/>
-    <p:sldId id="2145706269" r:id="rId4"/>
-    <p:sldId id="2145706270" r:id="rId5"/>
+    <p:sldId id="2145706270" r:id="rId3"/>
+    <p:sldId id="2145706256" r:id="rId4"/>
+    <p:sldId id="2145706269" r:id="rId5"/>
     <p:sldId id="2145706260" r:id="rId6"/>
   </p:sldIdLst>
   <p:sldSz cx="12192000" cy="6858000"/>
@@ -270,19 +270,19 @@
   </pc:docChgLst>
   <pc:docChgLst>
     <pc:chgData name="Graf Thomas, INI-NET-VNC-HCS" userId="487bc3e3-9ce7-4cdd-b7b4-8899ea88d289" providerId="ADAL" clId="{E32BD9A3-B4CF-4973-8106-CF6D9B4F8D4F}"/>
-    <pc:docChg chg="undo custSel addSld delSld modSld">
-      <pc:chgData name="Graf Thomas, INI-NET-VNC-HCS" userId="487bc3e3-9ce7-4cdd-b7b4-8899ea88d289" providerId="ADAL" clId="{E32BD9A3-B4CF-4973-8106-CF6D9B4F8D4F}" dt="2024-10-25T09:28:52.902" v="2326" actId="20577"/>
+    <pc:docChg chg="undo custSel addSld delSld modSld sldOrd">
+      <pc:chgData name="Graf Thomas, INI-NET-VNC-HCS" userId="487bc3e3-9ce7-4cdd-b7b4-8899ea88d289" providerId="ADAL" clId="{E32BD9A3-B4CF-4973-8106-CF6D9B4F8D4F}" dt="2024-10-29T11:48:49.652" v="2332" actId="20577"/>
       <pc:docMkLst>
         <pc:docMk/>
       </pc:docMkLst>
       <pc:sldChg chg="modSp mod">
-        <pc:chgData name="Graf Thomas, INI-NET-VNC-HCS" userId="487bc3e3-9ce7-4cdd-b7b4-8899ea88d289" providerId="ADAL" clId="{E32BD9A3-B4CF-4973-8106-CF6D9B4F8D4F}" dt="2024-10-25T09:12:50.833" v="1943" actId="20577"/>
+        <pc:chgData name="Graf Thomas, INI-NET-VNC-HCS" userId="487bc3e3-9ce7-4cdd-b7b4-8899ea88d289" providerId="ADAL" clId="{E32BD9A3-B4CF-4973-8106-CF6D9B4F8D4F}" dt="2024-10-29T11:48:46.011" v="2330" actId="20577"/>
         <pc:sldMkLst>
           <pc:docMk/>
           <pc:sldMk cId="3578665336" sldId="1041"/>
         </pc:sldMkLst>
         <pc:spChg chg="mod">
-          <ac:chgData name="Graf Thomas, INI-NET-VNC-HCS" userId="487bc3e3-9ce7-4cdd-b7b4-8899ea88d289" providerId="ADAL" clId="{E32BD9A3-B4CF-4973-8106-CF6D9B4F8D4F}" dt="2024-10-25T08:21:20.812" v="175" actId="20577"/>
+          <ac:chgData name="Graf Thomas, INI-NET-VNC-HCS" userId="487bc3e3-9ce7-4cdd-b7b4-8899ea88d289" providerId="ADAL" clId="{E32BD9A3-B4CF-4973-8106-CF6D9B4F8D4F}" dt="2024-10-29T11:48:46.011" v="2330" actId="20577"/>
           <ac:spMkLst>
             <pc:docMk/>
             <pc:sldMk cId="3578665336" sldId="1041"/>
@@ -353,7 +353,7 @@
         </pc:sldMkLst>
       </pc:sldChg>
       <pc:sldChg chg="addSp modSp add mod">
-        <pc:chgData name="Graf Thomas, INI-NET-VNC-HCS" userId="487bc3e3-9ce7-4cdd-b7b4-8899ea88d289" providerId="ADAL" clId="{E32BD9A3-B4CF-4973-8106-CF6D9B4F8D4F}" dt="2024-10-25T09:28:52.902" v="2326" actId="20577"/>
+        <pc:chgData name="Graf Thomas, INI-NET-VNC-HCS" userId="487bc3e3-9ce7-4cdd-b7b4-8899ea88d289" providerId="ADAL" clId="{E32BD9A3-B4CF-4973-8106-CF6D9B4F8D4F}" dt="2024-10-29T11:48:49.652" v="2332" actId="20577"/>
         <pc:sldMkLst>
           <pc:docMk/>
           <pc:sldMk cId="1767383836" sldId="2145706260"/>
@@ -375,7 +375,7 @@
           </ac:spMkLst>
         </pc:spChg>
         <pc:spChg chg="add mod">
-          <ac:chgData name="Graf Thomas, INI-NET-VNC-HCS" userId="487bc3e3-9ce7-4cdd-b7b4-8899ea88d289" providerId="ADAL" clId="{E32BD9A3-B4CF-4973-8106-CF6D9B4F8D4F}" dt="2024-10-25T09:20:59.518" v="2256"/>
+          <ac:chgData name="Graf Thomas, INI-NET-VNC-HCS" userId="487bc3e3-9ce7-4cdd-b7b4-8899ea88d289" providerId="ADAL" clId="{E32BD9A3-B4CF-4973-8106-CF6D9B4F8D4F}" dt="2024-10-29T11:48:49.652" v="2332" actId="20577"/>
           <ac:spMkLst>
             <pc:docMk/>
             <pc:sldMk cId="1767383836" sldId="2145706260"/>
@@ -466,8 +466,8 @@
           </ac:spMkLst>
         </pc:spChg>
       </pc:sldChg>
-      <pc:sldChg chg="addSp delSp modSp add mod">
-        <pc:chgData name="Graf Thomas, INI-NET-VNC-HCS" userId="487bc3e3-9ce7-4cdd-b7b4-8899ea88d289" providerId="ADAL" clId="{E32BD9A3-B4CF-4973-8106-CF6D9B4F8D4F}" dt="2024-10-25T09:22:04.590" v="2305" actId="108"/>
+      <pc:sldChg chg="addSp delSp modSp add mod ord">
+        <pc:chgData name="Graf Thomas, INI-NET-VNC-HCS" userId="487bc3e3-9ce7-4cdd-b7b4-8899ea88d289" providerId="ADAL" clId="{E32BD9A3-B4CF-4973-8106-CF6D9B4F8D4F}" dt="2024-10-29T11:48:17.671" v="2328"/>
         <pc:sldMkLst>
           <pc:docMk/>
           <pc:sldMk cId="2732367690" sldId="2145706270"/>
@@ -878,7 +878,7 @@
           <a:p>
             <a:fld id="{E5E705E9-673F-4AC4-B29E-A7B26F3B8523}" type="datetimeFigureOut">
               <a:rPr lang="de-CH" smtClean="0"/>
-              <a:t>25.10.2024</a:t>
+              <a:t>29.10.2024</a:t>
             </a:fld>
             <a:endParaRPr lang="de-CH"/>
           </a:p>
@@ -1211,7 +1211,7 @@
           <a:p>
             <a:fld id="{2BBC52A0-2F3F-497F-8536-39D60282E9C2}" type="slidenum">
               <a:rPr lang="de-CH" smtClean="0"/>
-              <a:t>4</a:t>
+              <a:t>2</a:t>
             </a:fld>
             <a:endParaRPr lang="de-CH"/>
           </a:p>
@@ -1463,7 +1463,7 @@
           <a:p>
             <a:fld id="{9E9B238C-2335-4007-98C9-471C02CC43B6}" type="datetimeFigureOut">
               <a:rPr lang="de-CH" smtClean="0"/>
-              <a:t>25.10.2024</a:t>
+              <a:t>29.10.2024</a:t>
             </a:fld>
             <a:endParaRPr lang="de-CH"/>
           </a:p>
@@ -1663,7 +1663,7 @@
           <a:p>
             <a:fld id="{9E9B238C-2335-4007-98C9-471C02CC43B6}" type="datetimeFigureOut">
               <a:rPr lang="de-CH" smtClean="0"/>
-              <a:t>25.10.2024</a:t>
+              <a:t>29.10.2024</a:t>
             </a:fld>
             <a:endParaRPr lang="de-CH"/>
           </a:p>
@@ -1873,7 +1873,7 @@
           <a:p>
             <a:fld id="{9E9B238C-2335-4007-98C9-471C02CC43B6}" type="datetimeFigureOut">
               <a:rPr lang="de-CH" smtClean="0"/>
-              <a:t>25.10.2024</a:t>
+              <a:t>29.10.2024</a:t>
             </a:fld>
             <a:endParaRPr lang="de-CH"/>
           </a:p>
@@ -2073,7 +2073,7 @@
           <a:p>
             <a:fld id="{9E9B238C-2335-4007-98C9-471C02CC43B6}" type="datetimeFigureOut">
               <a:rPr lang="de-CH" smtClean="0"/>
-              <a:t>25.10.2024</a:t>
+              <a:t>29.10.2024</a:t>
             </a:fld>
             <a:endParaRPr lang="de-CH"/>
           </a:p>
@@ -2349,7 +2349,7 @@
           <a:p>
             <a:fld id="{9E9B238C-2335-4007-98C9-471C02CC43B6}" type="datetimeFigureOut">
               <a:rPr lang="de-CH" smtClean="0"/>
-              <a:t>25.10.2024</a:t>
+              <a:t>29.10.2024</a:t>
             </a:fld>
             <a:endParaRPr lang="de-CH"/>
           </a:p>
@@ -2617,7 +2617,7 @@
           <a:p>
             <a:fld id="{9E9B238C-2335-4007-98C9-471C02CC43B6}" type="datetimeFigureOut">
               <a:rPr lang="de-CH" smtClean="0"/>
-              <a:t>25.10.2024</a:t>
+              <a:t>29.10.2024</a:t>
             </a:fld>
             <a:endParaRPr lang="de-CH"/>
           </a:p>
@@ -3032,7 +3032,7 @@
           <a:p>
             <a:fld id="{9E9B238C-2335-4007-98C9-471C02CC43B6}" type="datetimeFigureOut">
               <a:rPr lang="de-CH" smtClean="0"/>
-              <a:t>25.10.2024</a:t>
+              <a:t>29.10.2024</a:t>
             </a:fld>
             <a:endParaRPr lang="de-CH"/>
           </a:p>
@@ -3174,7 +3174,7 @@
           <a:p>
             <a:fld id="{9E9B238C-2335-4007-98C9-471C02CC43B6}" type="datetimeFigureOut">
               <a:rPr lang="de-CH" smtClean="0"/>
-              <a:t>25.10.2024</a:t>
+              <a:t>29.10.2024</a:t>
             </a:fld>
             <a:endParaRPr lang="de-CH"/>
           </a:p>
@@ -3287,7 +3287,7 @@
           <a:p>
             <a:fld id="{9E9B238C-2335-4007-98C9-471C02CC43B6}" type="datetimeFigureOut">
               <a:rPr lang="de-CH" smtClean="0"/>
-              <a:t>25.10.2024</a:t>
+              <a:t>29.10.2024</a:t>
             </a:fld>
             <a:endParaRPr lang="de-CH"/>
           </a:p>
@@ -3600,7 +3600,7 @@
           <a:p>
             <a:fld id="{9E9B238C-2335-4007-98C9-471C02CC43B6}" type="datetimeFigureOut">
               <a:rPr lang="de-CH" smtClean="0"/>
-              <a:t>25.10.2024</a:t>
+              <a:t>29.10.2024</a:t>
             </a:fld>
             <a:endParaRPr lang="de-CH"/>
           </a:p>
@@ -3889,7 +3889,7 @@
           <a:p>
             <a:fld id="{9E9B238C-2335-4007-98C9-471C02CC43B6}" type="datetimeFigureOut">
               <a:rPr lang="de-CH" smtClean="0"/>
-              <a:t>25.10.2024</a:t>
+              <a:t>29.10.2024</a:t>
             </a:fld>
             <a:endParaRPr lang="de-CH"/>
           </a:p>
@@ -4132,7 +4132,7 @@
           <a:p>
             <a:fld id="{9E9B238C-2335-4007-98C9-471C02CC43B6}" type="datetimeFigureOut">
               <a:rPr lang="de-CH" smtClean="0"/>
-              <a:t>25.10.2024</a:t>
+              <a:t>29.10.2024</a:t>
             </a:fld>
             <a:endParaRPr lang="de-CH"/>
           </a:p>
@@ -5239,7 +5239,7 @@
               <a:rPr lang="de-CH" sz="3800" dirty="0">
                 <a:latin typeface="+mj-lt"/>
               </a:rPr>
-              <a:t>25. </a:t>
+              <a:t>29. </a:t>
             </a:r>
             <a:r>
               <a:rPr lang="de-CH" sz="3800" dirty="0" err="1">
@@ -5336,2427 +5336,6 @@
               <a:rPr lang="en-US" sz="2800" b="1" dirty="0"/>
             </a:br>
             <a:r>
-              <a:rPr lang="en-US" sz="2400" b="1" dirty="0" err="1">
-                <a:solidFill>
-                  <a:schemeClr val="bg2">
-                    <a:lumMod val="75000"/>
-                  </a:schemeClr>
-                </a:solidFill>
-              </a:rPr>
-              <a:t>Capabilities</a:t>
-            </a:r>
-            <a:r>
-              <a:rPr lang="en-US" sz="2400" b="1" dirty="0">
-                <a:solidFill>
-                  <a:schemeClr val="bg2">
-                    <a:lumMod val="75000"/>
-                  </a:schemeClr>
-                </a:solidFill>
-              </a:rPr>
-              <a:t> for Systems and Datastore Update Notifications</a:t>
-            </a:r>
-            <a:br>
-              <a:rPr lang="en-US" sz="1050" b="1" dirty="0"/>
-            </a:br>
-            <a:endParaRPr lang="en-US" sz="2400" dirty="0">
-              <a:solidFill>
-                <a:schemeClr val="bg2">
-                  <a:lumMod val="75000"/>
-                </a:schemeClr>
-              </a:solidFill>
-            </a:endParaRPr>
-          </a:p>
-        </p:txBody>
-      </p:sp>
-      <p:sp>
-        <p:nvSpPr>
-          <p:cNvPr id="3" name="Content Placeholder 2">
-            <a:extLst>
-              <a:ext uri="{FF2B5EF4-FFF2-40B4-BE49-F238E27FC236}">
-                <a16:creationId xmlns:a16="http://schemas.microsoft.com/office/drawing/2014/main" id="{29C0DFD4-432D-4B0C-93DF-790441DCF5B9}"/>
-              </a:ext>
-            </a:extLst>
-          </p:cNvPr>
-          <p:cNvSpPr>
-            <a:spLocks noGrp="1"/>
-          </p:cNvSpPr>
-          <p:nvPr>
-            <p:ph idx="1"/>
-          </p:nvPr>
-        </p:nvSpPr>
-        <p:spPr>
-          <a:xfrm>
-            <a:off x="838201" y="1950098"/>
-            <a:ext cx="10846526" cy="4417453"/>
-          </a:xfrm>
-        </p:spPr>
-        <p:txBody>
-          <a:bodyPr>
-            <a:noAutofit/>
-          </a:bodyPr>
-          <a:lstStyle/>
-          <a:p>
-            <a:r>
-              <a:rPr lang="en-US" sz="1700" dirty="0">
-                <a:hlinkClick r:id="rId2"/>
-              </a:rPr>
-              <a:t>Section 7 of RFC 8639 </a:t>
-            </a:r>
-            <a:r>
-              <a:rPr lang="en-US" sz="1700" dirty="0"/>
-              <a:t>and </a:t>
-            </a:r>
-            <a:r>
-              <a:rPr lang="en-US" sz="1700" dirty="0">
-                <a:hlinkClick r:id="rId3"/>
-              </a:rPr>
-              <a:t>errata 6211 </a:t>
-            </a:r>
-            <a:r>
-              <a:rPr lang="en-US" sz="1700" dirty="0"/>
-              <a:t>describes that that supported YANG-Push transport encodings needs to be discoverable.</a:t>
-            </a:r>
-          </a:p>
-          <a:p>
-            <a:r>
-              <a:rPr lang="en-US" sz="1700" dirty="0">
-                <a:hlinkClick r:id="rId4"/>
-              </a:rPr>
-              <a:t>Section 2.5 of RFC 8639 </a:t>
-            </a:r>
-            <a:r>
-              <a:rPr lang="en-US" sz="1700" dirty="0"/>
-              <a:t>describes configured YANG-Push subscriptions. </a:t>
-            </a:r>
-            <a:r>
-              <a:rPr lang="en-US" sz="1700" dirty="0">
-                <a:hlinkClick r:id="rId5"/>
-              </a:rPr>
-              <a:t>draft-</a:t>
-            </a:r>
-            <a:r>
-              <a:rPr lang="en-US" sz="1700" dirty="0" err="1">
-                <a:hlinkClick r:id="rId5"/>
-              </a:rPr>
-              <a:t>ietf</a:t>
-            </a:r>
-            <a:r>
-              <a:rPr lang="en-US" sz="1700" dirty="0">
-                <a:hlinkClick r:id="rId5"/>
-              </a:rPr>
-              <a:t>-netconf-</a:t>
-            </a:r>
-            <a:r>
-              <a:rPr lang="en-US" sz="1700" dirty="0" err="1">
-                <a:hlinkClick r:id="rId5"/>
-              </a:rPr>
-              <a:t>udp</a:t>
-            </a:r>
-            <a:r>
-              <a:rPr lang="en-US" sz="1700" dirty="0">
-                <a:hlinkClick r:id="rId5"/>
-              </a:rPr>
-              <a:t>-</a:t>
-            </a:r>
-            <a:r>
-              <a:rPr lang="en-US" sz="1700" dirty="0" err="1">
-                <a:hlinkClick r:id="rId5"/>
-              </a:rPr>
-              <a:t>notif</a:t>
-            </a:r>
-            <a:r>
-              <a:rPr lang="en-US" sz="1700" dirty="0"/>
-              <a:t> and </a:t>
-            </a:r>
-            <a:r>
-              <a:rPr lang="en-US" sz="1700" dirty="0">
-                <a:hlinkClick r:id="rId6"/>
-              </a:rPr>
-              <a:t>draft-</a:t>
-            </a:r>
-            <a:r>
-              <a:rPr lang="en-US" sz="1700" dirty="0" err="1">
-                <a:hlinkClick r:id="rId6"/>
-              </a:rPr>
-              <a:t>ietf</a:t>
-            </a:r>
-            <a:r>
-              <a:rPr lang="en-US" sz="1700" dirty="0">
-                <a:hlinkClick r:id="rId6"/>
-              </a:rPr>
-              <a:t>-netconf-https-</a:t>
-            </a:r>
-            <a:r>
-              <a:rPr lang="en-US" sz="1700" dirty="0" err="1">
-                <a:hlinkClick r:id="rId6"/>
-              </a:rPr>
-              <a:t>notif</a:t>
-            </a:r>
-            <a:r>
-              <a:rPr lang="en-US" sz="1700" dirty="0"/>
-              <a:t> are two transport protocols for configured YANG-Push subscriptions.</a:t>
-            </a:r>
-          </a:p>
-          <a:p>
-            <a:r>
-              <a:rPr lang="en-US" sz="1700" dirty="0">
-                <a:hlinkClick r:id="rId7"/>
-              </a:rPr>
-              <a:t>RFC 9196 </a:t>
-            </a:r>
-            <a:r>
-              <a:rPr lang="en-US" sz="1700" dirty="0"/>
-              <a:t>defines two YANG modules, "</a:t>
-            </a:r>
-            <a:r>
-              <a:rPr lang="en-US" sz="1700" dirty="0" err="1"/>
-              <a:t>ietf</a:t>
-            </a:r>
-            <a:r>
-              <a:rPr lang="en-US" sz="1700" dirty="0"/>
-              <a:t>-system-capabilities" and "</a:t>
-            </a:r>
-            <a:r>
-              <a:rPr lang="en-US" sz="1700" dirty="0" err="1"/>
-              <a:t>ietf</a:t>
-            </a:r>
-            <a:r>
-              <a:rPr lang="en-US" sz="1700" dirty="0"/>
-              <a:t>-notification-capabilities". </a:t>
-            </a:r>
-          </a:p>
-          <a:p>
-            <a:r>
-              <a:rPr lang="en-US" sz="1700" dirty="0"/>
-              <a:t>The module "</a:t>
-            </a:r>
-            <a:r>
-              <a:rPr lang="en-US" sz="1700" dirty="0" err="1"/>
-              <a:t>ietf</a:t>
-            </a:r>
-            <a:r>
-              <a:rPr lang="en-US" sz="1700" dirty="0"/>
-              <a:t>-system-capabilities" provides a placeholder structure that can be used to discover YANG-related system capabilities for servers. </a:t>
-            </a:r>
-          </a:p>
-          <a:p>
-            <a:r>
-              <a:rPr lang="en-US" sz="1700" dirty="0"/>
-              <a:t>The module "</a:t>
-            </a:r>
-            <a:r>
-              <a:rPr lang="en-US" sz="1700" dirty="0" err="1"/>
-              <a:t>ietf</a:t>
-            </a:r>
-            <a:r>
-              <a:rPr lang="en-US" sz="1700" dirty="0"/>
-              <a:t>-notification-capabilities" augments "</a:t>
-            </a:r>
-            <a:r>
-              <a:rPr lang="en-US" sz="1700" dirty="0" err="1"/>
-              <a:t>ietf</a:t>
-            </a:r>
-            <a:r>
-              <a:rPr lang="en-US" sz="1700" dirty="0"/>
-              <a:t>-system-capabilities" to specify notification capabilities related to </a:t>
-            </a:r>
-            <a:r>
-              <a:rPr lang="en-US" sz="1700" dirty="0">
-                <a:hlinkClick r:id="rId8"/>
-              </a:rPr>
-              <a:t>RFC 8641</a:t>
-            </a:r>
-            <a:r>
-              <a:rPr lang="en-US" sz="1700" dirty="0"/>
-              <a:t>.</a:t>
-            </a:r>
-          </a:p>
-          <a:p>
-            <a:r>
-              <a:rPr lang="en-US" sz="1700" dirty="0">
-                <a:hlinkClick r:id="rId9"/>
-              </a:rPr>
-              <a:t>Section 3 of RFC 9196 </a:t>
-            </a:r>
-            <a:r>
-              <a:rPr lang="en-US" sz="1700" dirty="0"/>
-              <a:t>defines the following transport agnostic notification capabilities</a:t>
-            </a:r>
-          </a:p>
-          <a:p>
-            <a:pPr lvl="1"/>
-            <a:r>
-              <a:rPr lang="en-US" sz="1700" dirty="0"/>
-              <a:t>supported (reporting) periods for "periodic" subscriptions.</a:t>
-            </a:r>
-          </a:p>
-          <a:p>
-            <a:pPr lvl="1"/>
-            <a:r>
-              <a:rPr lang="en-US" sz="1700" dirty="0"/>
-              <a:t>the maximum number of objects that can be sent in an update.</a:t>
-            </a:r>
-          </a:p>
-          <a:p>
-            <a:pPr lvl="1"/>
-            <a:r>
-              <a:rPr lang="en-US" sz="1700" dirty="0"/>
-              <a:t>the set of datastores or data nodes for which "periodic" notification is supported.</a:t>
-            </a:r>
-          </a:p>
-          <a:p>
-            <a:pPr lvl="1"/>
-            <a:r>
-              <a:rPr lang="en-US" sz="1700" dirty="0"/>
-              <a:t>supported dampening periods for "on-change" subscriptions.</a:t>
-            </a:r>
-          </a:p>
-          <a:p>
-            <a:pPr lvl="1"/>
-            <a:r>
-              <a:rPr lang="en-US" sz="1700" dirty="0"/>
-              <a:t>the set of datastores or data nodes for which "on-change" notification is supported.</a:t>
-            </a:r>
-          </a:p>
-        </p:txBody>
-      </p:sp>
-      <p:sp>
-        <p:nvSpPr>
-          <p:cNvPr id="7" name="Slide Number Placeholder 1">
-            <a:extLst>
-              <a:ext uri="{FF2B5EF4-FFF2-40B4-BE49-F238E27FC236}">
-                <a16:creationId xmlns:a16="http://schemas.microsoft.com/office/drawing/2014/main" id="{7735C87E-721C-4A3D-8B4A-DFBB832FF94D}"/>
-              </a:ext>
-            </a:extLst>
-          </p:cNvPr>
-          <p:cNvSpPr>
-            <a:spLocks noGrp="1"/>
-          </p:cNvSpPr>
-          <p:nvPr>
-            <p:ph type="sldNum" sz="quarter" idx="12"/>
-          </p:nvPr>
-        </p:nvSpPr>
-        <p:spPr>
-          <a:xfrm>
-            <a:off x="11587892" y="6361637"/>
-            <a:ext cx="414251" cy="365125"/>
-          </a:xfrm>
-        </p:spPr>
-        <p:txBody>
-          <a:bodyPr/>
-          <a:lstStyle/>
-          <a:p>
-            <a:fld id="{FC4AC485-25DE-431E-B345-9C0A15BB7F8A}" type="slidenum">
-              <a:rPr lang="de-CH" sz="1400" smtClean="0"/>
-              <a:t>2</a:t>
-            </a:fld>
-            <a:endParaRPr lang="de-CH" sz="1400" dirty="0"/>
-          </a:p>
-        </p:txBody>
-      </p:sp>
-    </p:spTree>
-    <p:extLst>
-      <p:ext uri="{BB962C8B-B14F-4D97-AF65-F5344CB8AC3E}">
-        <p14:creationId xmlns:p14="http://schemas.microsoft.com/office/powerpoint/2010/main" val="2701002203"/>
-      </p:ext>
-    </p:extLst>
-  </p:cSld>
-  <p:clrMapOvr>
-    <a:masterClrMapping/>
-  </p:clrMapOvr>
-</p:sld>
-</file>
-
-<file path=ppt/slides/slide3.xml><?xml version="1.0" encoding="utf-8"?>
-<p:sld xmlns:a="http://schemas.openxmlformats.org/drawingml/2006/main" xmlns:r="http://schemas.openxmlformats.org/officeDocument/2006/relationships" xmlns:p="http://schemas.openxmlformats.org/presentationml/2006/main">
-  <p:cSld>
-    <p:spTree>
-      <p:nvGrpSpPr>
-        <p:cNvPr id="1" name=""/>
-        <p:cNvGrpSpPr/>
-        <p:nvPr/>
-      </p:nvGrpSpPr>
-      <p:grpSpPr>
-        <a:xfrm>
-          <a:off x="0" y="0"/>
-          <a:ext cx="0" cy="0"/>
-          <a:chOff x="0" y="0"/>
-          <a:chExt cx="0" cy="0"/>
-        </a:xfrm>
-      </p:grpSpPr>
-      <p:sp>
-        <p:nvSpPr>
-          <p:cNvPr id="2" name="Title 1">
-            <a:extLst>
-              <a:ext uri="{FF2B5EF4-FFF2-40B4-BE49-F238E27FC236}">
-                <a16:creationId xmlns:a16="http://schemas.microsoft.com/office/drawing/2014/main" id="{FF20F271-6F0D-4AC0-BB1D-F5C338165C13}"/>
-              </a:ext>
-            </a:extLst>
-          </p:cNvPr>
-          <p:cNvSpPr>
-            <a:spLocks noGrp="1"/>
-          </p:cNvSpPr>
-          <p:nvPr>
-            <p:ph type="title"/>
-          </p:nvPr>
-        </p:nvSpPr>
-        <p:spPr/>
-        <p:txBody>
-          <a:bodyPr>
-            <a:normAutofit/>
-          </a:bodyPr>
-          <a:lstStyle/>
-          <a:p>
-            <a:r>
-              <a:rPr lang="en-US" sz="2800" b="1" dirty="0"/>
-              <a:t>YANG Notification </a:t>
-            </a:r>
-            <a:r>
-              <a:rPr lang="en-US" sz="2800" b="1" dirty="0">
-                <a:solidFill>
-                  <a:srgbClr val="FF0000"/>
-                </a:solidFill>
-              </a:rPr>
-              <a:t>Transport Capabilities</a:t>
-            </a:r>
-            <a:br>
-              <a:rPr lang="en-US" sz="2800" b="1" dirty="0"/>
-            </a:br>
-            <a:r>
-              <a:rPr lang="en-US" sz="2400" b="1" dirty="0">
-                <a:solidFill>
-                  <a:schemeClr val="bg2">
-                    <a:lumMod val="75000"/>
-                  </a:schemeClr>
-                </a:solidFill>
-              </a:rPr>
-              <a:t>Extending System Capabilities for YANG-Push Configured Subscription Transport</a:t>
-            </a:r>
-            <a:endParaRPr lang="en-US" sz="2400" dirty="0">
-              <a:solidFill>
-                <a:schemeClr val="bg2">
-                  <a:lumMod val="75000"/>
-                </a:schemeClr>
-              </a:solidFill>
-            </a:endParaRPr>
-          </a:p>
-        </p:txBody>
-      </p:sp>
-      <p:sp>
-        <p:nvSpPr>
-          <p:cNvPr id="3" name="Content Placeholder 2">
-            <a:extLst>
-              <a:ext uri="{FF2B5EF4-FFF2-40B4-BE49-F238E27FC236}">
-                <a16:creationId xmlns:a16="http://schemas.microsoft.com/office/drawing/2014/main" id="{29C0DFD4-432D-4B0C-93DF-790441DCF5B9}"/>
-              </a:ext>
-            </a:extLst>
-          </p:cNvPr>
-          <p:cNvSpPr>
-            <a:spLocks noGrp="1"/>
-          </p:cNvSpPr>
-          <p:nvPr>
-            <p:ph idx="1"/>
-          </p:nvPr>
-        </p:nvSpPr>
-        <p:spPr>
-          <a:xfrm>
-            <a:off x="6711821" y="1950098"/>
-            <a:ext cx="4892040" cy="4417453"/>
-          </a:xfrm>
-        </p:spPr>
-        <p:txBody>
-          <a:bodyPr>
-            <a:noAutofit/>
-          </a:bodyPr>
-          <a:lstStyle/>
-          <a:p>
-            <a:r>
-              <a:rPr lang="en-US" sz="1700" dirty="0">
-                <a:hlinkClick r:id="rId2"/>
-              </a:rPr>
-              <a:t>draft-</a:t>
-            </a:r>
-            <a:r>
-              <a:rPr lang="en-US" sz="1700" dirty="0" err="1">
-                <a:hlinkClick r:id="rId2"/>
-              </a:rPr>
-              <a:t>netana</a:t>
-            </a:r>
-            <a:r>
-              <a:rPr lang="en-US" sz="1700" dirty="0">
-                <a:hlinkClick r:id="rId2"/>
-              </a:rPr>
-              <a:t>-netconf-</a:t>
-            </a:r>
-            <a:r>
-              <a:rPr lang="en-US" sz="1700" dirty="0" err="1">
-                <a:hlinkClick r:id="rId2"/>
-              </a:rPr>
-              <a:t>yp</a:t>
-            </a:r>
-            <a:r>
-              <a:rPr lang="en-US" sz="1700" dirty="0">
-                <a:hlinkClick r:id="rId2"/>
-              </a:rPr>
-              <a:t>-transport-capabilities</a:t>
-            </a:r>
-            <a:r>
-              <a:rPr lang="en-US" sz="1700" dirty="0"/>
-              <a:t> augments System Capabilities model and provides additional transport related attributes associated with system capabilities:</a:t>
-            </a:r>
-            <a:br>
-              <a:rPr lang="en-US" sz="1700" dirty="0"/>
-            </a:br>
-            <a:endParaRPr lang="en-US" sz="1700" dirty="0"/>
-          </a:p>
-          <a:p>
-            <a:pPr lvl="1"/>
-            <a:r>
-              <a:rPr lang="en-US" sz="1700" dirty="0"/>
-              <a:t>Specification of transport protocols the client can request to establish a </a:t>
-            </a:r>
-            <a:r>
-              <a:rPr lang="en-US" sz="1700" dirty="0">
-                <a:hlinkClick r:id="rId3"/>
-              </a:rPr>
-              <a:t>draft-</a:t>
-            </a:r>
-            <a:r>
-              <a:rPr lang="en-US" sz="1700" dirty="0" err="1">
-                <a:hlinkClick r:id="rId3"/>
-              </a:rPr>
-              <a:t>ietf</a:t>
-            </a:r>
-            <a:r>
-              <a:rPr lang="en-US" sz="1700" dirty="0">
-                <a:hlinkClick r:id="rId3"/>
-              </a:rPr>
-              <a:t>-netconf-</a:t>
-            </a:r>
-            <a:r>
-              <a:rPr lang="en-US" sz="1700" dirty="0" err="1">
-                <a:hlinkClick r:id="rId3"/>
-              </a:rPr>
-              <a:t>udp</a:t>
-            </a:r>
-            <a:r>
-              <a:rPr lang="en-US" sz="1700" dirty="0">
-                <a:hlinkClick r:id="rId3"/>
-              </a:rPr>
-              <a:t>-</a:t>
-            </a:r>
-            <a:r>
-              <a:rPr lang="en-US" sz="1700" dirty="0" err="1">
-                <a:hlinkClick r:id="rId3"/>
-              </a:rPr>
-              <a:t>notif</a:t>
-            </a:r>
-            <a:r>
-              <a:rPr lang="en-US" sz="1700" dirty="0"/>
-              <a:t> or </a:t>
-            </a:r>
-            <a:r>
-              <a:rPr lang="en-US" sz="1700" dirty="0">
-                <a:hlinkClick r:id="rId4"/>
-              </a:rPr>
-              <a:t>draft-</a:t>
-            </a:r>
-            <a:r>
-              <a:rPr lang="en-US" sz="1700" dirty="0" err="1">
-                <a:hlinkClick r:id="rId4"/>
-              </a:rPr>
-              <a:t>ietf</a:t>
-            </a:r>
-            <a:r>
-              <a:rPr lang="en-US" sz="1700" dirty="0">
-                <a:hlinkClick r:id="rId4"/>
-              </a:rPr>
-              <a:t>-netconf-https-</a:t>
-            </a:r>
-            <a:r>
-              <a:rPr lang="en-US" sz="1700" dirty="0" err="1">
-                <a:hlinkClick r:id="rId4"/>
-              </a:rPr>
-              <a:t>notif</a:t>
-            </a:r>
-            <a:r>
-              <a:rPr lang="en-US" sz="1700" dirty="0"/>
-              <a:t> configured transport connection;</a:t>
-            </a:r>
-          </a:p>
-          <a:p>
-            <a:pPr lvl="1"/>
-            <a:r>
-              <a:rPr lang="en-US" sz="1700" dirty="0"/>
-              <a:t>Specification of transport encoding, such as JSON or XML as defined in </a:t>
-            </a:r>
-            <a:r>
-              <a:rPr lang="en-US" sz="1700" dirty="0">
-                <a:hlinkClick r:id="rId5"/>
-              </a:rPr>
-              <a:t>RFC 8040 </a:t>
-            </a:r>
-            <a:r>
-              <a:rPr lang="en-US" sz="1700" dirty="0"/>
-              <a:t>or CBOR as defined in </a:t>
-            </a:r>
-            <a:r>
-              <a:rPr lang="en-US" sz="1700" dirty="0">
-                <a:hlinkClick r:id="rId6"/>
-              </a:rPr>
-              <a:t>RFC 9254 </a:t>
-            </a:r>
-            <a:r>
-              <a:rPr lang="en-US" sz="1700" dirty="0"/>
-              <a:t>the client can request to encode YANG notifications;</a:t>
-            </a:r>
-          </a:p>
-          <a:p>
-            <a:pPr lvl="1"/>
-            <a:r>
-              <a:rPr lang="en-US" sz="1700" dirty="0"/>
-              <a:t>Specification of secure transport mechanisms that are needed by the client to communicate with the server such as DTLS as defined in </a:t>
-            </a:r>
-            <a:r>
-              <a:rPr lang="en-US" sz="1700" dirty="0">
-                <a:hlinkClick r:id="rId7"/>
-              </a:rPr>
-              <a:t>RFC 9147 </a:t>
-            </a:r>
-            <a:r>
-              <a:rPr lang="en-US" sz="1700" dirty="0"/>
-              <a:t>TLS as defined in </a:t>
-            </a:r>
-            <a:r>
-              <a:rPr lang="en-US" sz="1700" dirty="0">
-                <a:hlinkClick r:id="rId8"/>
-              </a:rPr>
-              <a:t>RFC 8446 </a:t>
-            </a:r>
-            <a:r>
-              <a:rPr lang="en-US" sz="1700" dirty="0"/>
-              <a:t>or SSH as defined in </a:t>
-            </a:r>
-            <a:r>
-              <a:rPr lang="en-US" sz="1700" dirty="0">
-                <a:hlinkClick r:id="rId9"/>
-              </a:rPr>
-              <a:t>RFC 4254</a:t>
-            </a:r>
-            <a:r>
-              <a:rPr lang="en-US" sz="1700" dirty="0"/>
-              <a:t>;</a:t>
-            </a:r>
-          </a:p>
-        </p:txBody>
-      </p:sp>
-      <p:sp>
-        <p:nvSpPr>
-          <p:cNvPr id="7" name="Slide Number Placeholder 1">
-            <a:extLst>
-              <a:ext uri="{FF2B5EF4-FFF2-40B4-BE49-F238E27FC236}">
-                <a16:creationId xmlns:a16="http://schemas.microsoft.com/office/drawing/2014/main" id="{7735C87E-721C-4A3D-8B4A-DFBB832FF94D}"/>
-              </a:ext>
-            </a:extLst>
-          </p:cNvPr>
-          <p:cNvSpPr>
-            <a:spLocks noGrp="1"/>
-          </p:cNvSpPr>
-          <p:nvPr>
-            <p:ph type="sldNum" sz="quarter" idx="12"/>
-          </p:nvPr>
-        </p:nvSpPr>
-        <p:spPr>
-          <a:xfrm>
-            <a:off x="11587892" y="6361637"/>
-            <a:ext cx="414251" cy="365125"/>
-          </a:xfrm>
-        </p:spPr>
-        <p:txBody>
-          <a:bodyPr/>
-          <a:lstStyle/>
-          <a:p>
-            <a:fld id="{FC4AC485-25DE-431E-B345-9C0A15BB7F8A}" type="slidenum">
-              <a:rPr lang="de-CH" sz="1400" smtClean="0"/>
-              <a:t>3</a:t>
-            </a:fld>
-            <a:endParaRPr lang="de-CH" sz="1400" dirty="0"/>
-          </a:p>
-        </p:txBody>
-      </p:sp>
-      <p:sp>
-        <p:nvSpPr>
-          <p:cNvPr id="5" name="TextBox 4">
-            <a:extLst>
-              <a:ext uri="{FF2B5EF4-FFF2-40B4-BE49-F238E27FC236}">
-                <a16:creationId xmlns:a16="http://schemas.microsoft.com/office/drawing/2014/main" id="{3862CE99-40A4-2D41-AF3F-FC31FC0B2BDD}"/>
-              </a:ext>
-            </a:extLst>
-          </p:cNvPr>
-          <p:cNvSpPr txBox="1"/>
-          <p:nvPr/>
-        </p:nvSpPr>
-        <p:spPr>
-          <a:xfrm>
-            <a:off x="838200" y="1690688"/>
-            <a:ext cx="5873621" cy="5129161"/>
-          </a:xfrm>
-          <a:prstGeom prst="rect">
-            <a:avLst/>
-          </a:prstGeom>
-          <a:noFill/>
-        </p:spPr>
-        <p:txBody>
-          <a:bodyPr wrap="square">
-            <a:spAutoFit/>
-          </a:bodyPr>
-          <a:lstStyle/>
-          <a:p>
-            <a:pPr marL="0" marR="0">
-              <a:lnSpc>
-                <a:spcPct val="107000"/>
-              </a:lnSpc>
-              <a:spcBef>
-                <a:spcPts val="0"/>
-              </a:spcBef>
-              <a:spcAft>
-                <a:spcPts val="0"/>
-              </a:spcAft>
-            </a:pPr>
-            <a:r>
-              <a:rPr lang="en-US" sz="850" dirty="0">
-                <a:effectLst/>
-                <a:latin typeface="Courier New" panose="02070309020205020404" pitchFamily="49" charset="0"/>
-                <a:ea typeface="Calibri" panose="020F0502020204030204" pitchFamily="34" charset="0"/>
-                <a:cs typeface="Courier New" panose="02070309020205020404" pitchFamily="49" charset="0"/>
-              </a:rPr>
-              <a:t>module: </a:t>
-            </a:r>
-            <a:r>
-              <a:rPr lang="en-US" sz="850" dirty="0" err="1">
-                <a:effectLst/>
-                <a:latin typeface="Courier New" panose="02070309020205020404" pitchFamily="49" charset="0"/>
-                <a:ea typeface="Calibri" panose="020F0502020204030204" pitchFamily="34" charset="0"/>
-                <a:cs typeface="Courier New" panose="02070309020205020404" pitchFamily="49" charset="0"/>
-              </a:rPr>
-              <a:t>ietf</a:t>
-            </a:r>
-            <a:r>
-              <a:rPr lang="en-US" sz="850" dirty="0">
-                <a:effectLst/>
-                <a:latin typeface="Courier New" panose="02070309020205020404" pitchFamily="49" charset="0"/>
-                <a:ea typeface="Calibri" panose="020F0502020204030204" pitchFamily="34" charset="0"/>
-                <a:cs typeface="Courier New" panose="02070309020205020404" pitchFamily="49" charset="0"/>
-              </a:rPr>
-              <a:t>-notification-transport-capabilities</a:t>
-            </a:r>
-          </a:p>
-          <a:p>
-            <a:pPr marL="0" marR="0">
-              <a:lnSpc>
-                <a:spcPct val="107000"/>
-              </a:lnSpc>
-              <a:spcBef>
-                <a:spcPts val="0"/>
-              </a:spcBef>
-              <a:spcAft>
-                <a:spcPts val="0"/>
-              </a:spcAft>
-            </a:pPr>
-            <a:endParaRPr lang="en-US" sz="850" dirty="0">
-              <a:effectLst/>
-              <a:latin typeface="Courier New" panose="02070309020205020404" pitchFamily="49" charset="0"/>
-              <a:ea typeface="Calibri" panose="020F0502020204030204" pitchFamily="34" charset="0"/>
-              <a:cs typeface="Courier New" panose="02070309020205020404" pitchFamily="49" charset="0"/>
-            </a:endParaRPr>
-          </a:p>
-          <a:p>
-            <a:pPr marL="0" marR="0">
-              <a:lnSpc>
-                <a:spcPct val="107000"/>
-              </a:lnSpc>
-              <a:spcBef>
-                <a:spcPts val="0"/>
-              </a:spcBef>
-              <a:spcAft>
-                <a:spcPts val="0"/>
-              </a:spcAft>
-            </a:pPr>
-            <a:r>
-              <a:rPr lang="en-US" sz="850" dirty="0">
-                <a:effectLst/>
-                <a:latin typeface="Courier New" panose="02070309020205020404" pitchFamily="49" charset="0"/>
-                <a:ea typeface="Calibri" panose="020F0502020204030204" pitchFamily="34" charset="0"/>
-                <a:cs typeface="Courier New" panose="02070309020205020404" pitchFamily="49" charset="0"/>
-              </a:rPr>
-              <a:t>  augment /</a:t>
-            </a:r>
-            <a:r>
-              <a:rPr lang="en-US" sz="850" dirty="0" err="1">
-                <a:effectLst/>
-                <a:latin typeface="Courier New" panose="02070309020205020404" pitchFamily="49" charset="0"/>
-                <a:ea typeface="Calibri" panose="020F0502020204030204" pitchFamily="34" charset="0"/>
-                <a:cs typeface="Courier New" panose="02070309020205020404" pitchFamily="49" charset="0"/>
-              </a:rPr>
-              <a:t>sysc:system-capabilities</a:t>
-            </a:r>
-            <a:r>
-              <a:rPr lang="en-US" sz="850" dirty="0">
-                <a:effectLst/>
-                <a:latin typeface="Courier New" panose="02070309020205020404" pitchFamily="49" charset="0"/>
-                <a:ea typeface="Calibri" panose="020F0502020204030204" pitchFamily="34" charset="0"/>
-                <a:cs typeface="Courier New" panose="02070309020205020404" pitchFamily="49" charset="0"/>
-              </a:rPr>
-              <a:t>/</a:t>
-            </a:r>
-            <a:r>
-              <a:rPr lang="en-US" sz="850" dirty="0" err="1">
-                <a:effectLst/>
-                <a:latin typeface="Courier New" panose="02070309020205020404" pitchFamily="49" charset="0"/>
-                <a:ea typeface="Calibri" panose="020F0502020204030204" pitchFamily="34" charset="0"/>
-                <a:cs typeface="Courier New" panose="02070309020205020404" pitchFamily="49" charset="0"/>
-              </a:rPr>
-              <a:t>notc:subscription-capabilities</a:t>
-            </a:r>
-            <a:r>
-              <a:rPr lang="en-US" sz="850" dirty="0">
-                <a:effectLst/>
-                <a:latin typeface="Courier New" panose="02070309020205020404" pitchFamily="49" charset="0"/>
-                <a:ea typeface="Calibri" panose="020F0502020204030204" pitchFamily="34" charset="0"/>
-                <a:cs typeface="Courier New" panose="02070309020205020404" pitchFamily="49" charset="0"/>
-              </a:rPr>
-              <a:t>:</a:t>
-            </a:r>
-          </a:p>
-          <a:p>
-            <a:pPr marL="0" marR="0">
-              <a:lnSpc>
-                <a:spcPct val="107000"/>
-              </a:lnSpc>
-              <a:spcBef>
-                <a:spcPts val="0"/>
-              </a:spcBef>
-              <a:spcAft>
-                <a:spcPts val="0"/>
-              </a:spcAft>
-            </a:pPr>
-            <a:r>
-              <a:rPr lang="en-US" sz="850" dirty="0">
-                <a:effectLst/>
-                <a:latin typeface="Courier New" panose="02070309020205020404" pitchFamily="49" charset="0"/>
-                <a:ea typeface="Calibri" panose="020F0502020204030204" pitchFamily="34" charset="0"/>
-                <a:cs typeface="Courier New" panose="02070309020205020404" pitchFamily="49" charset="0"/>
-              </a:rPr>
-              <a:t>    +--</a:t>
-            </a:r>
-            <a:r>
-              <a:rPr lang="en-US" sz="850" dirty="0" err="1">
-                <a:effectLst/>
-                <a:latin typeface="Courier New" panose="02070309020205020404" pitchFamily="49" charset="0"/>
-                <a:ea typeface="Calibri" panose="020F0502020204030204" pitchFamily="34" charset="0"/>
-                <a:cs typeface="Courier New" panose="02070309020205020404" pitchFamily="49" charset="0"/>
-              </a:rPr>
-              <a:t>ro</a:t>
-            </a:r>
-            <a:r>
-              <a:rPr lang="en-US" sz="850" dirty="0">
-                <a:effectLst/>
-                <a:latin typeface="Courier New" panose="02070309020205020404" pitchFamily="49" charset="0"/>
-                <a:ea typeface="Calibri" panose="020F0502020204030204" pitchFamily="34" charset="0"/>
-                <a:cs typeface="Courier New" panose="02070309020205020404" pitchFamily="49" charset="0"/>
-              </a:rPr>
-              <a:t> transport-capabilities</a:t>
-            </a:r>
-          </a:p>
-          <a:p>
-            <a:pPr marL="0" marR="0">
-              <a:lnSpc>
-                <a:spcPct val="107000"/>
-              </a:lnSpc>
-              <a:spcBef>
-                <a:spcPts val="0"/>
-              </a:spcBef>
-              <a:spcAft>
-                <a:spcPts val="0"/>
-              </a:spcAft>
-            </a:pPr>
-            <a:r>
-              <a:rPr lang="en-US" sz="850" dirty="0">
-                <a:effectLst/>
-                <a:latin typeface="Courier New" panose="02070309020205020404" pitchFamily="49" charset="0"/>
-                <a:ea typeface="Calibri" panose="020F0502020204030204" pitchFamily="34" charset="0"/>
-                <a:cs typeface="Courier New" panose="02070309020205020404" pitchFamily="49" charset="0"/>
-              </a:rPr>
-              <a:t>       +--</a:t>
-            </a:r>
-            <a:r>
-              <a:rPr lang="en-US" sz="850" dirty="0" err="1">
-                <a:effectLst/>
-                <a:latin typeface="Courier New" panose="02070309020205020404" pitchFamily="49" charset="0"/>
-                <a:ea typeface="Calibri" panose="020F0502020204030204" pitchFamily="34" charset="0"/>
-                <a:cs typeface="Courier New" panose="02070309020205020404" pitchFamily="49" charset="0"/>
-              </a:rPr>
-              <a:t>ro</a:t>
-            </a:r>
-            <a:r>
-              <a:rPr lang="en-US" sz="850" dirty="0">
-                <a:effectLst/>
-                <a:latin typeface="Courier New" panose="02070309020205020404" pitchFamily="49" charset="0"/>
-                <a:ea typeface="Calibri" panose="020F0502020204030204" pitchFamily="34" charset="0"/>
-                <a:cs typeface="Courier New" panose="02070309020205020404" pitchFamily="49" charset="0"/>
-              </a:rPr>
-              <a:t> transport-capability* [transport-protocol]</a:t>
-            </a:r>
-          </a:p>
-          <a:p>
-            <a:pPr marL="0" marR="0">
-              <a:lnSpc>
-                <a:spcPct val="107000"/>
-              </a:lnSpc>
-              <a:spcBef>
-                <a:spcPts val="0"/>
-              </a:spcBef>
-              <a:spcAft>
-                <a:spcPts val="0"/>
-              </a:spcAft>
-            </a:pPr>
-            <a:r>
-              <a:rPr lang="en-US" sz="850" dirty="0">
-                <a:effectLst/>
-                <a:highlight>
-                  <a:srgbClr val="FFFF00"/>
-                </a:highlight>
-                <a:latin typeface="Courier New" panose="02070309020205020404" pitchFamily="49" charset="0"/>
-                <a:ea typeface="Calibri" panose="020F0502020204030204" pitchFamily="34" charset="0"/>
-                <a:cs typeface="Courier New" panose="02070309020205020404" pitchFamily="49" charset="0"/>
-              </a:rPr>
-              <a:t>          +--</a:t>
-            </a:r>
-            <a:r>
-              <a:rPr lang="en-US" sz="850" dirty="0" err="1">
-                <a:effectLst/>
-                <a:highlight>
-                  <a:srgbClr val="FFFF00"/>
-                </a:highlight>
-                <a:latin typeface="Courier New" panose="02070309020205020404" pitchFamily="49" charset="0"/>
-                <a:ea typeface="Calibri" panose="020F0502020204030204" pitchFamily="34" charset="0"/>
-                <a:cs typeface="Courier New" panose="02070309020205020404" pitchFamily="49" charset="0"/>
-              </a:rPr>
-              <a:t>ro</a:t>
-            </a:r>
-            <a:r>
-              <a:rPr lang="en-US" sz="850" dirty="0">
-                <a:effectLst/>
-                <a:highlight>
-                  <a:srgbClr val="FFFF00"/>
-                </a:highlight>
-                <a:latin typeface="Courier New" panose="02070309020205020404" pitchFamily="49" charset="0"/>
-                <a:ea typeface="Calibri" panose="020F0502020204030204" pitchFamily="34" charset="0"/>
-                <a:cs typeface="Courier New" panose="02070309020205020404" pitchFamily="49" charset="0"/>
-              </a:rPr>
-              <a:t> transport-protocol    </a:t>
-            </a:r>
-            <a:r>
-              <a:rPr lang="en-US" sz="850" dirty="0" err="1">
-                <a:effectLst/>
-                <a:highlight>
-                  <a:srgbClr val="FFFF00"/>
-                </a:highlight>
-                <a:latin typeface="Courier New" panose="02070309020205020404" pitchFamily="49" charset="0"/>
-                <a:ea typeface="Calibri" panose="020F0502020204030204" pitchFamily="34" charset="0"/>
-                <a:cs typeface="Courier New" panose="02070309020205020404" pitchFamily="49" charset="0"/>
-              </a:rPr>
-              <a:t>identityref</a:t>
-            </a:r>
-            <a:endParaRPr lang="en-US" sz="850" dirty="0">
-              <a:effectLst/>
-              <a:highlight>
-                <a:srgbClr val="FFFF00"/>
-              </a:highlight>
-              <a:latin typeface="Courier New" panose="02070309020205020404" pitchFamily="49" charset="0"/>
-              <a:ea typeface="Calibri" panose="020F0502020204030204" pitchFamily="34" charset="0"/>
-              <a:cs typeface="Courier New" panose="02070309020205020404" pitchFamily="49" charset="0"/>
-            </a:endParaRPr>
-          </a:p>
-          <a:p>
-            <a:pPr marL="0" marR="0">
-              <a:lnSpc>
-                <a:spcPct val="107000"/>
-              </a:lnSpc>
-              <a:spcBef>
-                <a:spcPts val="0"/>
-              </a:spcBef>
-              <a:spcAft>
-                <a:spcPts val="0"/>
-              </a:spcAft>
-            </a:pPr>
-            <a:r>
-              <a:rPr lang="en-US" sz="850" dirty="0">
-                <a:effectLst/>
-                <a:highlight>
-                  <a:srgbClr val="FFFF00"/>
-                </a:highlight>
-                <a:latin typeface="Courier New" panose="02070309020205020404" pitchFamily="49" charset="0"/>
-                <a:ea typeface="Calibri" panose="020F0502020204030204" pitchFamily="34" charset="0"/>
-                <a:cs typeface="Courier New" panose="02070309020205020404" pitchFamily="49" charset="0"/>
-              </a:rPr>
-              <a:t>          +--</a:t>
-            </a:r>
-            <a:r>
-              <a:rPr lang="en-US" sz="850" dirty="0" err="1">
-                <a:effectLst/>
-                <a:highlight>
-                  <a:srgbClr val="FFFF00"/>
-                </a:highlight>
-                <a:latin typeface="Courier New" panose="02070309020205020404" pitchFamily="49" charset="0"/>
-                <a:ea typeface="Calibri" panose="020F0502020204030204" pitchFamily="34" charset="0"/>
-                <a:cs typeface="Courier New" panose="02070309020205020404" pitchFamily="49" charset="0"/>
-              </a:rPr>
-              <a:t>ro</a:t>
-            </a:r>
-            <a:r>
-              <a:rPr lang="en-US" sz="850" dirty="0">
-                <a:effectLst/>
-                <a:highlight>
-                  <a:srgbClr val="FFFF00"/>
-                </a:highlight>
-                <a:latin typeface="Courier New" panose="02070309020205020404" pitchFamily="49" charset="0"/>
-                <a:ea typeface="Calibri" panose="020F0502020204030204" pitchFamily="34" charset="0"/>
-                <a:cs typeface="Courier New" panose="02070309020205020404" pitchFamily="49" charset="0"/>
-              </a:rPr>
-              <a:t> security-protocol?    </a:t>
-            </a:r>
-            <a:r>
-              <a:rPr lang="en-US" sz="850" dirty="0" err="1">
-                <a:effectLst/>
-                <a:highlight>
-                  <a:srgbClr val="FFFF00"/>
-                </a:highlight>
-                <a:latin typeface="Courier New" panose="02070309020205020404" pitchFamily="49" charset="0"/>
-                <a:ea typeface="Calibri" panose="020F0502020204030204" pitchFamily="34" charset="0"/>
-                <a:cs typeface="Courier New" panose="02070309020205020404" pitchFamily="49" charset="0"/>
-              </a:rPr>
-              <a:t>identityref</a:t>
-            </a:r>
-            <a:endParaRPr lang="en-US" sz="850" dirty="0">
-              <a:effectLst/>
-              <a:highlight>
-                <a:srgbClr val="FFFF00"/>
-              </a:highlight>
-              <a:latin typeface="Courier New" panose="02070309020205020404" pitchFamily="49" charset="0"/>
-              <a:ea typeface="Calibri" panose="020F0502020204030204" pitchFamily="34" charset="0"/>
-              <a:cs typeface="Courier New" panose="02070309020205020404" pitchFamily="49" charset="0"/>
-            </a:endParaRPr>
-          </a:p>
-          <a:p>
-            <a:pPr marL="0" marR="0">
-              <a:lnSpc>
-                <a:spcPct val="107000"/>
-              </a:lnSpc>
-              <a:spcBef>
-                <a:spcPts val="0"/>
-              </a:spcBef>
-              <a:spcAft>
-                <a:spcPts val="0"/>
-              </a:spcAft>
-            </a:pPr>
-            <a:r>
-              <a:rPr lang="en-US" sz="850" dirty="0">
-                <a:effectLst/>
-                <a:highlight>
-                  <a:srgbClr val="FFFF00"/>
-                </a:highlight>
-                <a:latin typeface="Courier New" panose="02070309020205020404" pitchFamily="49" charset="0"/>
-                <a:ea typeface="Calibri" panose="020F0502020204030204" pitchFamily="34" charset="0"/>
-                <a:cs typeface="Courier New" panose="02070309020205020404" pitchFamily="49" charset="0"/>
-              </a:rPr>
-              <a:t>          +--</a:t>
-            </a:r>
-            <a:r>
-              <a:rPr lang="en-US" sz="850" dirty="0" err="1">
-                <a:effectLst/>
-                <a:highlight>
-                  <a:srgbClr val="FFFF00"/>
-                </a:highlight>
-                <a:latin typeface="Courier New" panose="02070309020205020404" pitchFamily="49" charset="0"/>
-                <a:ea typeface="Calibri" panose="020F0502020204030204" pitchFamily="34" charset="0"/>
-                <a:cs typeface="Courier New" panose="02070309020205020404" pitchFamily="49" charset="0"/>
-              </a:rPr>
-              <a:t>ro</a:t>
-            </a:r>
-            <a:r>
-              <a:rPr lang="en-US" sz="850" dirty="0">
-                <a:effectLst/>
-                <a:highlight>
-                  <a:srgbClr val="FFFF00"/>
-                </a:highlight>
-                <a:latin typeface="Courier New" panose="02070309020205020404" pitchFamily="49" charset="0"/>
-                <a:ea typeface="Calibri" panose="020F0502020204030204" pitchFamily="34" charset="0"/>
-                <a:cs typeface="Courier New" panose="02070309020205020404" pitchFamily="49" charset="0"/>
-              </a:rPr>
-              <a:t> encoding-format*      </a:t>
-            </a:r>
-            <a:r>
-              <a:rPr lang="en-US" sz="850" dirty="0" err="1">
-                <a:effectLst/>
-                <a:highlight>
-                  <a:srgbClr val="FFFF00"/>
-                </a:highlight>
-                <a:latin typeface="Courier New" panose="02070309020205020404" pitchFamily="49" charset="0"/>
-                <a:ea typeface="Calibri" panose="020F0502020204030204" pitchFamily="34" charset="0"/>
-                <a:cs typeface="Courier New" panose="02070309020205020404" pitchFamily="49" charset="0"/>
-              </a:rPr>
-              <a:t>identityref</a:t>
-            </a:r>
-            <a:endParaRPr lang="en-US" sz="850" dirty="0">
-              <a:effectLst/>
-              <a:highlight>
-                <a:srgbClr val="FFFF00"/>
-              </a:highlight>
-              <a:latin typeface="Courier New" panose="02070309020205020404" pitchFamily="49" charset="0"/>
-              <a:ea typeface="Calibri" panose="020F0502020204030204" pitchFamily="34" charset="0"/>
-              <a:cs typeface="Courier New" panose="02070309020205020404" pitchFamily="49" charset="0"/>
-            </a:endParaRPr>
-          </a:p>
-          <a:p>
-            <a:pPr marL="0" marR="0">
-              <a:lnSpc>
-                <a:spcPct val="107000"/>
-              </a:lnSpc>
-              <a:spcBef>
-                <a:spcPts val="0"/>
-              </a:spcBef>
-              <a:spcAft>
-                <a:spcPts val="0"/>
-              </a:spcAft>
-            </a:pPr>
-            <a:endParaRPr lang="en-US" sz="850" dirty="0">
-              <a:highlight>
-                <a:srgbClr val="FFFF00"/>
-              </a:highlight>
-              <a:latin typeface="Courier New" panose="02070309020205020404" pitchFamily="49" charset="0"/>
-              <a:ea typeface="Calibri" panose="020F0502020204030204" pitchFamily="34" charset="0"/>
-              <a:cs typeface="Courier New" panose="02070309020205020404" pitchFamily="49" charset="0"/>
-            </a:endParaRPr>
-          </a:p>
-          <a:p>
-            <a:pPr marL="0" marR="0">
-              <a:lnSpc>
-                <a:spcPct val="107000"/>
-              </a:lnSpc>
-              <a:spcBef>
-                <a:spcPts val="0"/>
-              </a:spcBef>
-              <a:spcAft>
-                <a:spcPts val="0"/>
-              </a:spcAft>
-            </a:pPr>
-            <a:r>
-              <a:rPr lang="de-CH" sz="850" dirty="0" err="1">
-                <a:latin typeface="Courier New" panose="02070309020205020404" pitchFamily="49" charset="0"/>
-                <a:cs typeface="Courier New" panose="02070309020205020404" pitchFamily="49" charset="0"/>
-              </a:rPr>
-              <a:t>augment</a:t>
-            </a:r>
-            <a:r>
-              <a:rPr lang="de-CH" sz="850" dirty="0">
-                <a:latin typeface="Courier New" panose="02070309020205020404" pitchFamily="49" charset="0"/>
-                <a:cs typeface="Courier New" panose="02070309020205020404" pitchFamily="49" charset="0"/>
-              </a:rPr>
-              <a:t> "/</a:t>
-            </a:r>
-            <a:r>
-              <a:rPr lang="de-CH" sz="850" dirty="0" err="1">
-                <a:latin typeface="Courier New" panose="02070309020205020404" pitchFamily="49" charset="0"/>
-                <a:cs typeface="Courier New" panose="02070309020205020404" pitchFamily="49" charset="0"/>
-              </a:rPr>
-              <a:t>sysc:system-capabilities</a:t>
-            </a:r>
-            <a:r>
-              <a:rPr lang="de-CH" sz="850" dirty="0">
-                <a:latin typeface="Courier New" panose="02070309020205020404" pitchFamily="49" charset="0"/>
-                <a:cs typeface="Courier New" panose="02070309020205020404" pitchFamily="49" charset="0"/>
-              </a:rPr>
-              <a:t>/</a:t>
-            </a:r>
-            <a:r>
-              <a:rPr lang="de-CH" sz="850" dirty="0" err="1">
-                <a:latin typeface="Courier New" panose="02070309020205020404" pitchFamily="49" charset="0"/>
-                <a:cs typeface="Courier New" panose="02070309020205020404" pitchFamily="49" charset="0"/>
-              </a:rPr>
-              <a:t>notc:subscription-capabilities</a:t>
-            </a:r>
-            <a:r>
-              <a:rPr lang="de-CH" sz="850" dirty="0">
-                <a:latin typeface="Courier New" panose="02070309020205020404" pitchFamily="49" charset="0"/>
-                <a:cs typeface="Courier New" panose="02070309020205020404" pitchFamily="49" charset="0"/>
-              </a:rPr>
-              <a:t>" {</a:t>
-            </a:r>
-          </a:p>
-          <a:p>
-            <a:pPr marL="0" marR="0">
-              <a:lnSpc>
-                <a:spcPct val="107000"/>
-              </a:lnSpc>
-              <a:spcBef>
-                <a:spcPts val="0"/>
-              </a:spcBef>
-              <a:spcAft>
-                <a:spcPts val="0"/>
-              </a:spcAft>
-            </a:pPr>
-            <a:r>
-              <a:rPr lang="de-CH" sz="850" dirty="0">
-                <a:latin typeface="Courier New" panose="02070309020205020404" pitchFamily="49" charset="0"/>
-                <a:cs typeface="Courier New" panose="02070309020205020404" pitchFamily="49" charset="0"/>
-              </a:rPr>
-              <a:t>    </a:t>
-            </a:r>
-            <a:r>
-              <a:rPr lang="de-CH" sz="850" dirty="0" err="1">
-                <a:latin typeface="Courier New" panose="02070309020205020404" pitchFamily="49" charset="0"/>
-                <a:cs typeface="Courier New" panose="02070309020205020404" pitchFamily="49" charset="0"/>
-              </a:rPr>
-              <a:t>description</a:t>
-            </a:r>
-            <a:r>
-              <a:rPr lang="de-CH" sz="850" dirty="0">
-                <a:latin typeface="Courier New" panose="02070309020205020404" pitchFamily="49" charset="0"/>
-                <a:cs typeface="Courier New" panose="02070309020205020404" pitchFamily="49" charset="0"/>
-              </a:rPr>
-              <a:t> "Add </a:t>
-            </a:r>
-            <a:r>
-              <a:rPr lang="de-CH" sz="850" dirty="0" err="1">
-                <a:latin typeface="Courier New" panose="02070309020205020404" pitchFamily="49" charset="0"/>
-                <a:cs typeface="Courier New" panose="02070309020205020404" pitchFamily="49" charset="0"/>
-              </a:rPr>
-              <a:t>system</a:t>
-            </a:r>
-            <a:r>
-              <a:rPr lang="de-CH" sz="850" dirty="0">
-                <a:latin typeface="Courier New" panose="02070309020205020404" pitchFamily="49" charset="0"/>
-                <a:cs typeface="Courier New" panose="02070309020205020404" pitchFamily="49" charset="0"/>
-              </a:rPr>
-              <a:t> </a:t>
-            </a:r>
-            <a:r>
-              <a:rPr lang="de-CH" sz="850" dirty="0" err="1">
-                <a:latin typeface="Courier New" panose="02070309020205020404" pitchFamily="49" charset="0"/>
-                <a:cs typeface="Courier New" panose="02070309020205020404" pitchFamily="49" charset="0"/>
-              </a:rPr>
-              <a:t>level</a:t>
-            </a:r>
-            <a:r>
-              <a:rPr lang="de-CH" sz="850" dirty="0">
-                <a:latin typeface="Courier New" panose="02070309020205020404" pitchFamily="49" charset="0"/>
-                <a:cs typeface="Courier New" panose="02070309020205020404" pitchFamily="49" charset="0"/>
-              </a:rPr>
-              <a:t> </a:t>
-            </a:r>
-            <a:r>
-              <a:rPr lang="de-CH" sz="850" dirty="0" err="1">
-                <a:latin typeface="Courier New" panose="02070309020205020404" pitchFamily="49" charset="0"/>
-                <a:cs typeface="Courier New" panose="02070309020205020404" pitchFamily="49" charset="0"/>
-              </a:rPr>
-              <a:t>capability</a:t>
-            </a:r>
-            <a:r>
-              <a:rPr lang="de-CH" sz="850" dirty="0">
-                <a:latin typeface="Courier New" panose="02070309020205020404" pitchFamily="49" charset="0"/>
-                <a:cs typeface="Courier New" panose="02070309020205020404" pitchFamily="49" charset="0"/>
-              </a:rPr>
-              <a:t>.";</a:t>
-            </a:r>
-          </a:p>
-          <a:p>
-            <a:pPr marL="0" marR="0">
-              <a:lnSpc>
-                <a:spcPct val="107000"/>
-              </a:lnSpc>
-              <a:spcBef>
-                <a:spcPts val="0"/>
-              </a:spcBef>
-              <a:spcAft>
-                <a:spcPts val="0"/>
-              </a:spcAft>
-            </a:pPr>
-            <a:r>
-              <a:rPr lang="de-CH" sz="850" dirty="0">
-                <a:latin typeface="Courier New" panose="02070309020205020404" pitchFamily="49" charset="0"/>
-                <a:cs typeface="Courier New" panose="02070309020205020404" pitchFamily="49" charset="0"/>
-              </a:rPr>
-              <a:t>    </a:t>
-            </a:r>
-            <a:r>
-              <a:rPr lang="de-CH" sz="850" dirty="0" err="1">
-                <a:latin typeface="Courier New" panose="02070309020205020404" pitchFamily="49" charset="0"/>
-                <a:cs typeface="Courier New" panose="02070309020205020404" pitchFamily="49" charset="0"/>
-              </a:rPr>
-              <a:t>container</a:t>
-            </a:r>
-            <a:r>
-              <a:rPr lang="de-CH" sz="850" dirty="0">
-                <a:latin typeface="Courier New" panose="02070309020205020404" pitchFamily="49" charset="0"/>
-                <a:cs typeface="Courier New" panose="02070309020205020404" pitchFamily="49" charset="0"/>
-              </a:rPr>
-              <a:t> transport-</a:t>
-            </a:r>
-            <a:r>
-              <a:rPr lang="de-CH" sz="850" dirty="0" err="1">
-                <a:latin typeface="Courier New" panose="02070309020205020404" pitchFamily="49" charset="0"/>
-                <a:cs typeface="Courier New" panose="02070309020205020404" pitchFamily="49" charset="0"/>
-              </a:rPr>
-              <a:t>capabilities</a:t>
-            </a:r>
-            <a:r>
-              <a:rPr lang="de-CH" sz="850" dirty="0">
-                <a:latin typeface="Courier New" panose="02070309020205020404" pitchFamily="49" charset="0"/>
-                <a:cs typeface="Courier New" panose="02070309020205020404" pitchFamily="49" charset="0"/>
-              </a:rPr>
-              <a:t> {</a:t>
-            </a:r>
-          </a:p>
-          <a:p>
-            <a:pPr marL="0" marR="0">
-              <a:lnSpc>
-                <a:spcPct val="107000"/>
-              </a:lnSpc>
-              <a:spcBef>
-                <a:spcPts val="0"/>
-              </a:spcBef>
-              <a:spcAft>
-                <a:spcPts val="0"/>
-              </a:spcAft>
-            </a:pPr>
-            <a:r>
-              <a:rPr lang="de-CH" sz="850" dirty="0">
-                <a:latin typeface="Courier New" panose="02070309020205020404" pitchFamily="49" charset="0"/>
-                <a:cs typeface="Courier New" panose="02070309020205020404" pitchFamily="49" charset="0"/>
-              </a:rPr>
-              <a:t>      </a:t>
-            </a:r>
-            <a:r>
-              <a:rPr lang="de-CH" sz="850" dirty="0" err="1">
-                <a:latin typeface="Courier New" panose="02070309020205020404" pitchFamily="49" charset="0"/>
-                <a:cs typeface="Courier New" panose="02070309020205020404" pitchFamily="49" charset="0"/>
-              </a:rPr>
-              <a:t>description</a:t>
-            </a:r>
-            <a:r>
-              <a:rPr lang="de-CH" sz="850" dirty="0">
-                <a:latin typeface="Courier New" panose="02070309020205020404" pitchFamily="49" charset="0"/>
-                <a:cs typeface="Courier New" panose="02070309020205020404" pitchFamily="49" charset="0"/>
-              </a:rPr>
-              <a:t> "</a:t>
-            </a:r>
-            <a:r>
-              <a:rPr lang="de-CH" sz="850" dirty="0" err="1">
-                <a:latin typeface="Courier New" panose="02070309020205020404" pitchFamily="49" charset="0"/>
-                <a:cs typeface="Courier New" panose="02070309020205020404" pitchFamily="49" charset="0"/>
-              </a:rPr>
-              <a:t>Capabilities</a:t>
-            </a:r>
-            <a:r>
-              <a:rPr lang="de-CH" sz="850" dirty="0">
-                <a:latin typeface="Courier New" panose="02070309020205020404" pitchFamily="49" charset="0"/>
-                <a:cs typeface="Courier New" panose="02070309020205020404" pitchFamily="49" charset="0"/>
-              </a:rPr>
-              <a:t> </a:t>
-            </a:r>
-            <a:r>
-              <a:rPr lang="de-CH" sz="850" dirty="0" err="1">
-                <a:latin typeface="Courier New" panose="02070309020205020404" pitchFamily="49" charset="0"/>
-                <a:cs typeface="Courier New" panose="02070309020205020404" pitchFamily="49" charset="0"/>
-              </a:rPr>
-              <a:t>related</a:t>
-            </a:r>
-            <a:r>
-              <a:rPr lang="de-CH" sz="850" dirty="0">
-                <a:latin typeface="Courier New" panose="02070309020205020404" pitchFamily="49" charset="0"/>
-                <a:cs typeface="Courier New" panose="02070309020205020404" pitchFamily="49" charset="0"/>
-              </a:rPr>
-              <a:t> </a:t>
-            </a:r>
-            <a:r>
-              <a:rPr lang="de-CH" sz="850" dirty="0" err="1">
-                <a:latin typeface="Courier New" panose="02070309020205020404" pitchFamily="49" charset="0"/>
-                <a:cs typeface="Courier New" panose="02070309020205020404" pitchFamily="49" charset="0"/>
-              </a:rPr>
-              <a:t>to</a:t>
-            </a:r>
-            <a:r>
-              <a:rPr lang="de-CH" sz="850" dirty="0">
-                <a:latin typeface="Courier New" panose="02070309020205020404" pitchFamily="49" charset="0"/>
-                <a:cs typeface="Courier New" panose="02070309020205020404" pitchFamily="49" charset="0"/>
-              </a:rPr>
-              <a:t> YANG-Push </a:t>
-            </a:r>
-            <a:r>
-              <a:rPr lang="de-CH" sz="850" dirty="0" err="1">
-                <a:latin typeface="Courier New" panose="02070309020205020404" pitchFamily="49" charset="0"/>
-                <a:cs typeface="Courier New" panose="02070309020205020404" pitchFamily="49" charset="0"/>
-              </a:rPr>
-              <a:t>transports</a:t>
-            </a:r>
-            <a:r>
-              <a:rPr lang="de-CH" sz="850" dirty="0">
-                <a:latin typeface="Courier New" panose="02070309020205020404" pitchFamily="49" charset="0"/>
-                <a:cs typeface="Courier New" panose="02070309020205020404" pitchFamily="49" charset="0"/>
-              </a:rPr>
-              <a:t>.";</a:t>
-            </a:r>
-          </a:p>
-          <a:p>
-            <a:pPr marL="0" marR="0">
-              <a:lnSpc>
-                <a:spcPct val="107000"/>
-              </a:lnSpc>
-              <a:spcBef>
-                <a:spcPts val="0"/>
-              </a:spcBef>
-              <a:spcAft>
-                <a:spcPts val="0"/>
-              </a:spcAft>
-            </a:pPr>
-            <a:r>
-              <a:rPr lang="de-CH" sz="850" dirty="0">
-                <a:latin typeface="Courier New" panose="02070309020205020404" pitchFamily="49" charset="0"/>
-                <a:cs typeface="Courier New" panose="02070309020205020404" pitchFamily="49" charset="0"/>
-              </a:rPr>
-              <a:t>      list transport-</a:t>
-            </a:r>
-            <a:r>
-              <a:rPr lang="de-CH" sz="850" dirty="0" err="1">
-                <a:latin typeface="Courier New" panose="02070309020205020404" pitchFamily="49" charset="0"/>
-                <a:cs typeface="Courier New" panose="02070309020205020404" pitchFamily="49" charset="0"/>
-              </a:rPr>
-              <a:t>capability</a:t>
-            </a:r>
-            <a:r>
-              <a:rPr lang="de-CH" sz="850" dirty="0">
-                <a:latin typeface="Courier New" panose="02070309020205020404" pitchFamily="49" charset="0"/>
-                <a:cs typeface="Courier New" panose="02070309020205020404" pitchFamily="49" charset="0"/>
-              </a:rPr>
-              <a:t> {</a:t>
-            </a:r>
-          </a:p>
-          <a:p>
-            <a:pPr marL="0" marR="0">
-              <a:lnSpc>
-                <a:spcPct val="107000"/>
-              </a:lnSpc>
-              <a:spcBef>
-                <a:spcPts val="0"/>
-              </a:spcBef>
-              <a:spcAft>
-                <a:spcPts val="0"/>
-              </a:spcAft>
-            </a:pPr>
-            <a:r>
-              <a:rPr lang="de-CH" sz="850" dirty="0">
-                <a:latin typeface="Courier New" panose="02070309020205020404" pitchFamily="49" charset="0"/>
-                <a:cs typeface="Courier New" panose="02070309020205020404" pitchFamily="49" charset="0"/>
-              </a:rPr>
-              <a:t>        </a:t>
-            </a:r>
-            <a:r>
-              <a:rPr lang="de-CH" sz="850" dirty="0" err="1">
-                <a:latin typeface="Courier New" panose="02070309020205020404" pitchFamily="49" charset="0"/>
-                <a:cs typeface="Courier New" panose="02070309020205020404" pitchFamily="49" charset="0"/>
-              </a:rPr>
-              <a:t>key</a:t>
-            </a:r>
-            <a:r>
-              <a:rPr lang="de-CH" sz="850" dirty="0">
-                <a:latin typeface="Courier New" panose="02070309020205020404" pitchFamily="49" charset="0"/>
-                <a:cs typeface="Courier New" panose="02070309020205020404" pitchFamily="49" charset="0"/>
-              </a:rPr>
-              <a:t> "transport-</a:t>
-            </a:r>
-            <a:r>
-              <a:rPr lang="de-CH" sz="850" dirty="0" err="1">
-                <a:latin typeface="Courier New" panose="02070309020205020404" pitchFamily="49" charset="0"/>
-                <a:cs typeface="Courier New" panose="02070309020205020404" pitchFamily="49" charset="0"/>
-              </a:rPr>
-              <a:t>protocol</a:t>
-            </a:r>
-            <a:r>
-              <a:rPr lang="de-CH" sz="850" dirty="0">
-                <a:latin typeface="Courier New" panose="02070309020205020404" pitchFamily="49" charset="0"/>
-                <a:cs typeface="Courier New" panose="02070309020205020404" pitchFamily="49" charset="0"/>
-              </a:rPr>
-              <a:t>";</a:t>
-            </a:r>
-          </a:p>
-          <a:p>
-            <a:pPr marL="0" marR="0">
-              <a:lnSpc>
-                <a:spcPct val="107000"/>
-              </a:lnSpc>
-              <a:spcBef>
-                <a:spcPts val="0"/>
-              </a:spcBef>
-              <a:spcAft>
-                <a:spcPts val="0"/>
-              </a:spcAft>
-            </a:pPr>
-            <a:r>
-              <a:rPr lang="de-CH" sz="850" dirty="0">
-                <a:latin typeface="Courier New" panose="02070309020205020404" pitchFamily="49" charset="0"/>
-                <a:cs typeface="Courier New" panose="02070309020205020404" pitchFamily="49" charset="0"/>
-              </a:rPr>
-              <a:t>        </a:t>
-            </a:r>
-            <a:r>
-              <a:rPr lang="de-CH" sz="850" dirty="0" err="1">
-                <a:latin typeface="Courier New" panose="02070309020205020404" pitchFamily="49" charset="0"/>
-                <a:cs typeface="Courier New" panose="02070309020205020404" pitchFamily="49" charset="0"/>
-              </a:rPr>
-              <a:t>description</a:t>
-            </a:r>
-            <a:r>
-              <a:rPr lang="de-CH" sz="850" dirty="0">
-                <a:latin typeface="Courier New" panose="02070309020205020404" pitchFamily="49" charset="0"/>
-                <a:cs typeface="Courier New" panose="02070309020205020404" pitchFamily="49" charset="0"/>
-              </a:rPr>
-              <a:t> "</a:t>
-            </a:r>
-            <a:r>
-              <a:rPr lang="de-CH" sz="850" dirty="0" err="1">
-                <a:latin typeface="Courier New" panose="02070309020205020404" pitchFamily="49" charset="0"/>
-                <a:cs typeface="Courier New" panose="02070309020205020404" pitchFamily="49" charset="0"/>
-              </a:rPr>
-              <a:t>Capability</a:t>
-            </a:r>
-            <a:r>
-              <a:rPr lang="de-CH" sz="850" dirty="0">
-                <a:latin typeface="Courier New" panose="02070309020205020404" pitchFamily="49" charset="0"/>
-                <a:cs typeface="Courier New" panose="02070309020205020404" pitchFamily="49" charset="0"/>
-              </a:rPr>
-              <a:t> list </a:t>
-            </a:r>
-            <a:r>
-              <a:rPr lang="de-CH" sz="850" dirty="0" err="1">
-                <a:latin typeface="Courier New" panose="02070309020205020404" pitchFamily="49" charset="0"/>
-                <a:cs typeface="Courier New" panose="02070309020205020404" pitchFamily="49" charset="0"/>
-              </a:rPr>
-              <a:t>related</a:t>
-            </a:r>
-            <a:r>
-              <a:rPr lang="de-CH" sz="850" dirty="0">
-                <a:latin typeface="Courier New" panose="02070309020205020404" pitchFamily="49" charset="0"/>
-                <a:cs typeface="Courier New" panose="02070309020205020404" pitchFamily="49" charset="0"/>
-              </a:rPr>
-              <a:t> </a:t>
-            </a:r>
-            <a:r>
-              <a:rPr lang="de-CH" sz="850" dirty="0" err="1">
-                <a:latin typeface="Courier New" panose="02070309020205020404" pitchFamily="49" charset="0"/>
-                <a:cs typeface="Courier New" panose="02070309020205020404" pitchFamily="49" charset="0"/>
-              </a:rPr>
-              <a:t>to</a:t>
-            </a:r>
-            <a:r>
-              <a:rPr lang="de-CH" sz="850" dirty="0">
-                <a:latin typeface="Courier New" panose="02070309020205020404" pitchFamily="49" charset="0"/>
-                <a:cs typeface="Courier New" panose="02070309020205020404" pitchFamily="49" charset="0"/>
-              </a:rPr>
-              <a:t> </a:t>
-            </a:r>
-            <a:r>
-              <a:rPr lang="de-CH" sz="850" dirty="0" err="1">
-                <a:latin typeface="Courier New" panose="02070309020205020404" pitchFamily="49" charset="0"/>
-                <a:cs typeface="Courier New" panose="02070309020205020404" pitchFamily="49" charset="0"/>
-              </a:rPr>
-              <a:t>notification</a:t>
-            </a:r>
-            <a:r>
-              <a:rPr lang="de-CH" sz="850" dirty="0">
-                <a:latin typeface="Courier New" panose="02070309020205020404" pitchFamily="49" charset="0"/>
-                <a:cs typeface="Courier New" panose="02070309020205020404" pitchFamily="49" charset="0"/>
-              </a:rPr>
-              <a:t> </a:t>
-            </a:r>
-            <a:r>
-              <a:rPr lang="de-CH" sz="850" dirty="0" err="1">
-                <a:latin typeface="Courier New" panose="02070309020205020404" pitchFamily="49" charset="0"/>
-                <a:cs typeface="Courier New" panose="02070309020205020404" pitchFamily="49" charset="0"/>
-              </a:rPr>
-              <a:t>transport</a:t>
-            </a:r>
-            <a:r>
-              <a:rPr lang="de-CH" sz="850" dirty="0">
-                <a:latin typeface="Courier New" panose="02070309020205020404" pitchFamily="49" charset="0"/>
-                <a:cs typeface="Courier New" panose="02070309020205020404" pitchFamily="49" charset="0"/>
-              </a:rPr>
-              <a:t> </a:t>
-            </a:r>
-            <a:r>
-              <a:rPr lang="de-CH" sz="850" dirty="0" err="1">
-                <a:latin typeface="Courier New" panose="02070309020205020404" pitchFamily="49" charset="0"/>
-                <a:cs typeface="Courier New" panose="02070309020205020404" pitchFamily="49" charset="0"/>
-              </a:rPr>
-              <a:t>capabilities</a:t>
-            </a:r>
-            <a:r>
-              <a:rPr lang="de-CH" sz="850" dirty="0">
-                <a:latin typeface="Courier New" panose="02070309020205020404" pitchFamily="49" charset="0"/>
-                <a:cs typeface="Courier New" panose="02070309020205020404" pitchFamily="49" charset="0"/>
-              </a:rPr>
-              <a:t>.";</a:t>
-            </a:r>
-          </a:p>
-          <a:p>
-            <a:pPr marL="0" marR="0">
-              <a:lnSpc>
-                <a:spcPct val="107000"/>
-              </a:lnSpc>
-              <a:spcBef>
-                <a:spcPts val="0"/>
-              </a:spcBef>
-              <a:spcAft>
-                <a:spcPts val="0"/>
-              </a:spcAft>
-            </a:pPr>
-            <a:r>
-              <a:rPr lang="de-CH" sz="850" dirty="0">
-                <a:latin typeface="Courier New" panose="02070309020205020404" pitchFamily="49" charset="0"/>
-                <a:cs typeface="Courier New" panose="02070309020205020404" pitchFamily="49" charset="0"/>
-              </a:rPr>
-              <a:t>        </a:t>
-            </a:r>
-            <a:r>
-              <a:rPr lang="de-CH" sz="850" dirty="0" err="1">
-                <a:latin typeface="Courier New" panose="02070309020205020404" pitchFamily="49" charset="0"/>
-                <a:cs typeface="Courier New" panose="02070309020205020404" pitchFamily="49" charset="0"/>
-              </a:rPr>
-              <a:t>leaf</a:t>
-            </a:r>
-            <a:r>
-              <a:rPr lang="de-CH" sz="850" dirty="0">
-                <a:latin typeface="Courier New" panose="02070309020205020404" pitchFamily="49" charset="0"/>
-                <a:cs typeface="Courier New" panose="02070309020205020404" pitchFamily="49" charset="0"/>
-              </a:rPr>
-              <a:t> transport-</a:t>
-            </a:r>
-            <a:r>
-              <a:rPr lang="de-CH" sz="850" dirty="0" err="1">
-                <a:latin typeface="Courier New" panose="02070309020205020404" pitchFamily="49" charset="0"/>
-                <a:cs typeface="Courier New" panose="02070309020205020404" pitchFamily="49" charset="0"/>
-              </a:rPr>
-              <a:t>protocol</a:t>
-            </a:r>
-            <a:r>
-              <a:rPr lang="de-CH" sz="850" dirty="0">
-                <a:latin typeface="Courier New" panose="02070309020205020404" pitchFamily="49" charset="0"/>
-                <a:cs typeface="Courier New" panose="02070309020205020404" pitchFamily="49" charset="0"/>
-              </a:rPr>
-              <a:t> {</a:t>
-            </a:r>
-          </a:p>
-          <a:p>
-            <a:pPr marL="0" marR="0">
-              <a:lnSpc>
-                <a:spcPct val="107000"/>
-              </a:lnSpc>
-              <a:spcBef>
-                <a:spcPts val="0"/>
-              </a:spcBef>
-              <a:spcAft>
-                <a:spcPts val="0"/>
-              </a:spcAft>
-            </a:pPr>
-            <a:r>
-              <a:rPr lang="de-CH" sz="850" dirty="0">
-                <a:latin typeface="Courier New" panose="02070309020205020404" pitchFamily="49" charset="0"/>
-                <a:cs typeface="Courier New" panose="02070309020205020404" pitchFamily="49" charset="0"/>
-              </a:rPr>
-              <a:t>          type </a:t>
-            </a:r>
-            <a:r>
-              <a:rPr lang="de-CH" sz="850" dirty="0" err="1">
-                <a:latin typeface="Courier New" panose="02070309020205020404" pitchFamily="49" charset="0"/>
-                <a:cs typeface="Courier New" panose="02070309020205020404" pitchFamily="49" charset="0"/>
-              </a:rPr>
-              <a:t>identityref</a:t>
-            </a:r>
-            <a:r>
-              <a:rPr lang="de-CH" sz="850" dirty="0">
-                <a:latin typeface="Courier New" panose="02070309020205020404" pitchFamily="49" charset="0"/>
-                <a:cs typeface="Courier New" panose="02070309020205020404" pitchFamily="49" charset="0"/>
-              </a:rPr>
-              <a:t> {</a:t>
-            </a:r>
-          </a:p>
-          <a:p>
-            <a:pPr marL="0" marR="0">
-              <a:lnSpc>
-                <a:spcPct val="107000"/>
-              </a:lnSpc>
-              <a:spcBef>
-                <a:spcPts val="0"/>
-              </a:spcBef>
-              <a:spcAft>
-                <a:spcPts val="0"/>
-              </a:spcAft>
-            </a:pPr>
-            <a:r>
-              <a:rPr lang="de-CH" sz="850" dirty="0">
-                <a:latin typeface="Courier New" panose="02070309020205020404" pitchFamily="49" charset="0"/>
-                <a:cs typeface="Courier New" panose="02070309020205020404" pitchFamily="49" charset="0"/>
-              </a:rPr>
-              <a:t>            </a:t>
-            </a:r>
-            <a:r>
-              <a:rPr lang="de-CH" sz="850" dirty="0" err="1">
-                <a:latin typeface="Courier New" panose="02070309020205020404" pitchFamily="49" charset="0"/>
-                <a:cs typeface="Courier New" panose="02070309020205020404" pitchFamily="49" charset="0"/>
-              </a:rPr>
-              <a:t>base</a:t>
-            </a:r>
-            <a:r>
-              <a:rPr lang="de-CH" sz="850" dirty="0">
-                <a:latin typeface="Courier New" panose="02070309020205020404" pitchFamily="49" charset="0"/>
-                <a:cs typeface="Courier New" panose="02070309020205020404" pitchFamily="49" charset="0"/>
-              </a:rPr>
-              <a:t> </a:t>
-            </a:r>
-            <a:r>
-              <a:rPr lang="de-CH" sz="850" dirty="0" err="1">
-                <a:latin typeface="Courier New" panose="02070309020205020404" pitchFamily="49" charset="0"/>
-                <a:cs typeface="Courier New" panose="02070309020205020404" pitchFamily="49" charset="0"/>
-              </a:rPr>
-              <a:t>sn:transport</a:t>
-            </a:r>
-            <a:r>
-              <a:rPr lang="de-CH" sz="850" dirty="0">
-                <a:latin typeface="Courier New" panose="02070309020205020404" pitchFamily="49" charset="0"/>
-                <a:cs typeface="Courier New" panose="02070309020205020404" pitchFamily="49" charset="0"/>
-              </a:rPr>
-              <a:t>;</a:t>
-            </a:r>
-          </a:p>
-          <a:p>
-            <a:pPr marL="0" marR="0">
-              <a:lnSpc>
-                <a:spcPct val="107000"/>
-              </a:lnSpc>
-              <a:spcBef>
-                <a:spcPts val="0"/>
-              </a:spcBef>
-              <a:spcAft>
-                <a:spcPts val="0"/>
-              </a:spcAft>
-            </a:pPr>
-            <a:r>
-              <a:rPr lang="de-CH" sz="850" dirty="0">
-                <a:latin typeface="Courier New" panose="02070309020205020404" pitchFamily="49" charset="0"/>
-                <a:cs typeface="Courier New" panose="02070309020205020404" pitchFamily="49" charset="0"/>
-              </a:rPr>
-              <a:t>          }</a:t>
-            </a:r>
-          </a:p>
-          <a:p>
-            <a:pPr marL="0" marR="0">
-              <a:lnSpc>
-                <a:spcPct val="107000"/>
-              </a:lnSpc>
-              <a:spcBef>
-                <a:spcPts val="0"/>
-              </a:spcBef>
-              <a:spcAft>
-                <a:spcPts val="0"/>
-              </a:spcAft>
-            </a:pPr>
-            <a:r>
-              <a:rPr lang="de-CH" sz="850" dirty="0">
-                <a:latin typeface="Courier New" panose="02070309020205020404" pitchFamily="49" charset="0"/>
-                <a:cs typeface="Courier New" panose="02070309020205020404" pitchFamily="49" charset="0"/>
-              </a:rPr>
-              <a:t>          </a:t>
-            </a:r>
-            <a:r>
-              <a:rPr lang="de-CH" sz="850" dirty="0" err="1">
-                <a:latin typeface="Courier New" panose="02070309020205020404" pitchFamily="49" charset="0"/>
-                <a:cs typeface="Courier New" panose="02070309020205020404" pitchFamily="49" charset="0"/>
-              </a:rPr>
-              <a:t>description</a:t>
-            </a:r>
-            <a:r>
-              <a:rPr lang="de-CH" sz="850" dirty="0">
-                <a:latin typeface="Courier New" panose="02070309020205020404" pitchFamily="49" charset="0"/>
-                <a:cs typeface="Courier New" panose="02070309020205020404" pitchFamily="49" charset="0"/>
-              </a:rPr>
-              <a:t> "</a:t>
-            </a:r>
-            <a:r>
-              <a:rPr lang="de-CH" sz="850" dirty="0" err="1">
-                <a:latin typeface="Courier New" panose="02070309020205020404" pitchFamily="49" charset="0"/>
-                <a:cs typeface="Courier New" panose="02070309020205020404" pitchFamily="49" charset="0"/>
-              </a:rPr>
-              <a:t>Supported</a:t>
-            </a:r>
-            <a:r>
-              <a:rPr lang="de-CH" sz="850" dirty="0">
-                <a:latin typeface="Courier New" panose="02070309020205020404" pitchFamily="49" charset="0"/>
-                <a:cs typeface="Courier New" panose="02070309020205020404" pitchFamily="49" charset="0"/>
-              </a:rPr>
-              <a:t> </a:t>
-            </a:r>
-            <a:r>
-              <a:rPr lang="de-CH" sz="850" dirty="0" err="1">
-                <a:latin typeface="Courier New" panose="02070309020205020404" pitchFamily="49" charset="0"/>
-                <a:cs typeface="Courier New" panose="02070309020205020404" pitchFamily="49" charset="0"/>
-              </a:rPr>
-              <a:t>transport</a:t>
-            </a:r>
-            <a:r>
-              <a:rPr lang="de-CH" sz="850" dirty="0">
-                <a:latin typeface="Courier New" panose="02070309020205020404" pitchFamily="49" charset="0"/>
-                <a:cs typeface="Courier New" panose="02070309020205020404" pitchFamily="49" charset="0"/>
-              </a:rPr>
-              <a:t> </a:t>
-            </a:r>
-            <a:r>
-              <a:rPr lang="de-CH" sz="850" dirty="0" err="1">
-                <a:latin typeface="Courier New" panose="02070309020205020404" pitchFamily="49" charset="0"/>
-                <a:cs typeface="Courier New" panose="02070309020205020404" pitchFamily="49" charset="0"/>
-              </a:rPr>
-              <a:t>protocol</a:t>
-            </a:r>
-            <a:r>
-              <a:rPr lang="de-CH" sz="850" dirty="0">
-                <a:latin typeface="Courier New" panose="02070309020205020404" pitchFamily="49" charset="0"/>
-                <a:cs typeface="Courier New" panose="02070309020205020404" pitchFamily="49" charset="0"/>
-              </a:rPr>
-              <a:t> </a:t>
-            </a:r>
-            <a:r>
-              <a:rPr lang="de-CH" sz="850" dirty="0" err="1">
-                <a:latin typeface="Courier New" panose="02070309020205020404" pitchFamily="49" charset="0"/>
-                <a:cs typeface="Courier New" panose="02070309020205020404" pitchFamily="49" charset="0"/>
-              </a:rPr>
-              <a:t>for</a:t>
-            </a:r>
-            <a:r>
-              <a:rPr lang="de-CH" sz="850" dirty="0">
-                <a:latin typeface="Courier New" panose="02070309020205020404" pitchFamily="49" charset="0"/>
-                <a:cs typeface="Courier New" panose="02070309020205020404" pitchFamily="49" charset="0"/>
-              </a:rPr>
-              <a:t> YANG-Push.";</a:t>
-            </a:r>
-          </a:p>
-          <a:p>
-            <a:pPr marL="0" marR="0">
-              <a:lnSpc>
-                <a:spcPct val="107000"/>
-              </a:lnSpc>
-              <a:spcBef>
-                <a:spcPts val="0"/>
-              </a:spcBef>
-              <a:spcAft>
-                <a:spcPts val="0"/>
-              </a:spcAft>
-            </a:pPr>
-            <a:r>
-              <a:rPr lang="de-CH" sz="850" dirty="0">
-                <a:latin typeface="Courier New" panose="02070309020205020404" pitchFamily="49" charset="0"/>
-                <a:cs typeface="Courier New" panose="02070309020205020404" pitchFamily="49" charset="0"/>
-              </a:rPr>
-              <a:t>        }</a:t>
-            </a:r>
-          </a:p>
-          <a:p>
-            <a:pPr marL="0" marR="0">
-              <a:lnSpc>
-                <a:spcPct val="107000"/>
-              </a:lnSpc>
-              <a:spcBef>
-                <a:spcPts val="0"/>
-              </a:spcBef>
-              <a:spcAft>
-                <a:spcPts val="0"/>
-              </a:spcAft>
-            </a:pPr>
-            <a:r>
-              <a:rPr lang="de-CH" sz="850" dirty="0">
-                <a:latin typeface="Courier New" panose="02070309020205020404" pitchFamily="49" charset="0"/>
-                <a:cs typeface="Courier New" panose="02070309020205020404" pitchFamily="49" charset="0"/>
-              </a:rPr>
-              <a:t>        </a:t>
-            </a:r>
-            <a:r>
-              <a:rPr lang="de-CH" sz="850" dirty="0" err="1">
-                <a:latin typeface="Courier New" panose="02070309020205020404" pitchFamily="49" charset="0"/>
-                <a:cs typeface="Courier New" panose="02070309020205020404" pitchFamily="49" charset="0"/>
-              </a:rPr>
-              <a:t>leaf</a:t>
-            </a:r>
-            <a:r>
-              <a:rPr lang="de-CH" sz="850" dirty="0">
-                <a:latin typeface="Courier New" panose="02070309020205020404" pitchFamily="49" charset="0"/>
-                <a:cs typeface="Courier New" panose="02070309020205020404" pitchFamily="49" charset="0"/>
-              </a:rPr>
-              <a:t> </a:t>
-            </a:r>
-            <a:r>
-              <a:rPr lang="de-CH" sz="850" dirty="0" err="1">
-                <a:latin typeface="Courier New" panose="02070309020205020404" pitchFamily="49" charset="0"/>
-                <a:cs typeface="Courier New" panose="02070309020205020404" pitchFamily="49" charset="0"/>
-              </a:rPr>
-              <a:t>security-protocol</a:t>
-            </a:r>
-            <a:r>
-              <a:rPr lang="de-CH" sz="850" dirty="0">
-                <a:latin typeface="Courier New" panose="02070309020205020404" pitchFamily="49" charset="0"/>
-                <a:cs typeface="Courier New" panose="02070309020205020404" pitchFamily="49" charset="0"/>
-              </a:rPr>
-              <a:t> {</a:t>
-            </a:r>
-          </a:p>
-          <a:p>
-            <a:pPr marL="0" marR="0">
-              <a:lnSpc>
-                <a:spcPct val="107000"/>
-              </a:lnSpc>
-              <a:spcBef>
-                <a:spcPts val="0"/>
-              </a:spcBef>
-              <a:spcAft>
-                <a:spcPts val="0"/>
-              </a:spcAft>
-            </a:pPr>
-            <a:r>
-              <a:rPr lang="de-CH" sz="850" dirty="0">
-                <a:latin typeface="Courier New" panose="02070309020205020404" pitchFamily="49" charset="0"/>
-                <a:cs typeface="Courier New" panose="02070309020205020404" pitchFamily="49" charset="0"/>
-              </a:rPr>
-              <a:t>          type </a:t>
-            </a:r>
-            <a:r>
-              <a:rPr lang="de-CH" sz="850" dirty="0" err="1">
-                <a:latin typeface="Courier New" panose="02070309020205020404" pitchFamily="49" charset="0"/>
-                <a:cs typeface="Courier New" panose="02070309020205020404" pitchFamily="49" charset="0"/>
-              </a:rPr>
-              <a:t>identityref</a:t>
-            </a:r>
-            <a:r>
-              <a:rPr lang="de-CH" sz="850" dirty="0">
-                <a:latin typeface="Courier New" panose="02070309020205020404" pitchFamily="49" charset="0"/>
-                <a:cs typeface="Courier New" panose="02070309020205020404" pitchFamily="49" charset="0"/>
-              </a:rPr>
-              <a:t> {</a:t>
-            </a:r>
-          </a:p>
-          <a:p>
-            <a:pPr marL="0" marR="0">
-              <a:lnSpc>
-                <a:spcPct val="107000"/>
-              </a:lnSpc>
-              <a:spcBef>
-                <a:spcPts val="0"/>
-              </a:spcBef>
-              <a:spcAft>
-                <a:spcPts val="0"/>
-              </a:spcAft>
-            </a:pPr>
-            <a:r>
-              <a:rPr lang="de-CH" sz="850" dirty="0">
-                <a:latin typeface="Courier New" panose="02070309020205020404" pitchFamily="49" charset="0"/>
-                <a:cs typeface="Courier New" panose="02070309020205020404" pitchFamily="49" charset="0"/>
-              </a:rPr>
-              <a:t>            </a:t>
-            </a:r>
-            <a:r>
-              <a:rPr lang="de-CH" sz="850" dirty="0" err="1">
-                <a:latin typeface="Courier New" panose="02070309020205020404" pitchFamily="49" charset="0"/>
-                <a:cs typeface="Courier New" panose="02070309020205020404" pitchFamily="49" charset="0"/>
-              </a:rPr>
-              <a:t>base</a:t>
-            </a:r>
-            <a:r>
-              <a:rPr lang="de-CH" sz="850" dirty="0">
-                <a:latin typeface="Courier New" panose="02070309020205020404" pitchFamily="49" charset="0"/>
-                <a:cs typeface="Courier New" panose="02070309020205020404" pitchFamily="49" charset="0"/>
-              </a:rPr>
-              <a:t> </a:t>
-            </a:r>
-            <a:r>
-              <a:rPr lang="de-CH" sz="850" dirty="0" err="1">
-                <a:latin typeface="Courier New" panose="02070309020205020404" pitchFamily="49" charset="0"/>
-                <a:cs typeface="Courier New" panose="02070309020205020404" pitchFamily="49" charset="0"/>
-              </a:rPr>
-              <a:t>security-protocol</a:t>
-            </a:r>
-            <a:r>
-              <a:rPr lang="de-CH" sz="850" dirty="0">
-                <a:latin typeface="Courier New" panose="02070309020205020404" pitchFamily="49" charset="0"/>
-                <a:cs typeface="Courier New" panose="02070309020205020404" pitchFamily="49" charset="0"/>
-              </a:rPr>
-              <a:t>;</a:t>
-            </a:r>
-          </a:p>
-          <a:p>
-            <a:pPr marL="0" marR="0">
-              <a:lnSpc>
-                <a:spcPct val="107000"/>
-              </a:lnSpc>
-              <a:spcBef>
-                <a:spcPts val="0"/>
-              </a:spcBef>
-              <a:spcAft>
-                <a:spcPts val="0"/>
-              </a:spcAft>
-            </a:pPr>
-            <a:r>
-              <a:rPr lang="de-CH" sz="850" dirty="0">
-                <a:latin typeface="Courier New" panose="02070309020205020404" pitchFamily="49" charset="0"/>
-                <a:cs typeface="Courier New" panose="02070309020205020404" pitchFamily="49" charset="0"/>
-              </a:rPr>
-              <a:t>          }</a:t>
-            </a:r>
-          </a:p>
-          <a:p>
-            <a:pPr marL="0" marR="0">
-              <a:lnSpc>
-                <a:spcPct val="107000"/>
-              </a:lnSpc>
-              <a:spcBef>
-                <a:spcPts val="0"/>
-              </a:spcBef>
-              <a:spcAft>
-                <a:spcPts val="0"/>
-              </a:spcAft>
-            </a:pPr>
-            <a:r>
-              <a:rPr lang="de-CH" sz="850" dirty="0">
-                <a:latin typeface="Courier New" panose="02070309020205020404" pitchFamily="49" charset="0"/>
-                <a:cs typeface="Courier New" panose="02070309020205020404" pitchFamily="49" charset="0"/>
-              </a:rPr>
-              <a:t>          </a:t>
-            </a:r>
-            <a:r>
-              <a:rPr lang="de-CH" sz="850" dirty="0" err="1">
-                <a:latin typeface="Courier New" panose="02070309020205020404" pitchFamily="49" charset="0"/>
-                <a:cs typeface="Courier New" panose="02070309020205020404" pitchFamily="49" charset="0"/>
-              </a:rPr>
-              <a:t>description</a:t>
-            </a:r>
-            <a:r>
-              <a:rPr lang="de-CH" sz="850" dirty="0">
-                <a:latin typeface="Courier New" panose="02070309020205020404" pitchFamily="49" charset="0"/>
-                <a:cs typeface="Courier New" panose="02070309020205020404" pitchFamily="49" charset="0"/>
-              </a:rPr>
-              <a:t> "Type of </a:t>
-            </a:r>
-            <a:r>
-              <a:rPr lang="de-CH" sz="850" dirty="0" err="1">
-                <a:latin typeface="Courier New" panose="02070309020205020404" pitchFamily="49" charset="0"/>
-                <a:cs typeface="Courier New" panose="02070309020205020404" pitchFamily="49" charset="0"/>
-              </a:rPr>
-              <a:t>secure</a:t>
-            </a:r>
-            <a:r>
-              <a:rPr lang="de-CH" sz="850" dirty="0">
-                <a:latin typeface="Courier New" panose="02070309020205020404" pitchFamily="49" charset="0"/>
-                <a:cs typeface="Courier New" panose="02070309020205020404" pitchFamily="49" charset="0"/>
-              </a:rPr>
-              <a:t> </a:t>
-            </a:r>
-            <a:r>
-              <a:rPr lang="de-CH" sz="850" dirty="0" err="1">
-                <a:latin typeface="Courier New" panose="02070309020205020404" pitchFamily="49" charset="0"/>
-                <a:cs typeface="Courier New" panose="02070309020205020404" pitchFamily="49" charset="0"/>
-              </a:rPr>
-              <a:t>transport</a:t>
-            </a:r>
-            <a:r>
-              <a:rPr lang="de-CH" sz="850" dirty="0">
-                <a:latin typeface="Courier New" panose="02070309020205020404" pitchFamily="49" charset="0"/>
-                <a:cs typeface="Courier New" panose="02070309020205020404" pitchFamily="49" charset="0"/>
-              </a:rPr>
-              <a:t>.";</a:t>
-            </a:r>
-          </a:p>
-          <a:p>
-            <a:pPr marL="0" marR="0">
-              <a:lnSpc>
-                <a:spcPct val="107000"/>
-              </a:lnSpc>
-              <a:spcBef>
-                <a:spcPts val="0"/>
-              </a:spcBef>
-              <a:spcAft>
-                <a:spcPts val="0"/>
-              </a:spcAft>
-            </a:pPr>
-            <a:r>
-              <a:rPr lang="de-CH" sz="850" dirty="0">
-                <a:latin typeface="Courier New" panose="02070309020205020404" pitchFamily="49" charset="0"/>
-                <a:cs typeface="Courier New" panose="02070309020205020404" pitchFamily="49" charset="0"/>
-              </a:rPr>
-              <a:t>        }</a:t>
-            </a:r>
-          </a:p>
-          <a:p>
-            <a:pPr marL="0" marR="0">
-              <a:lnSpc>
-                <a:spcPct val="107000"/>
-              </a:lnSpc>
-              <a:spcBef>
-                <a:spcPts val="0"/>
-              </a:spcBef>
-              <a:spcAft>
-                <a:spcPts val="0"/>
-              </a:spcAft>
-            </a:pPr>
-            <a:r>
-              <a:rPr lang="de-CH" sz="850" dirty="0">
-                <a:latin typeface="Courier New" panose="02070309020205020404" pitchFamily="49" charset="0"/>
-                <a:cs typeface="Courier New" panose="02070309020205020404" pitchFamily="49" charset="0"/>
-              </a:rPr>
-              <a:t>        </a:t>
-            </a:r>
-            <a:r>
-              <a:rPr lang="de-CH" sz="850" dirty="0" err="1">
-                <a:latin typeface="Courier New" panose="02070309020205020404" pitchFamily="49" charset="0"/>
-                <a:cs typeface="Courier New" panose="02070309020205020404" pitchFamily="49" charset="0"/>
-              </a:rPr>
-              <a:t>leaf</a:t>
-            </a:r>
-            <a:r>
-              <a:rPr lang="de-CH" sz="850" dirty="0">
-                <a:latin typeface="Courier New" panose="02070309020205020404" pitchFamily="49" charset="0"/>
-                <a:cs typeface="Courier New" panose="02070309020205020404" pitchFamily="49" charset="0"/>
-              </a:rPr>
-              <a:t>-list </a:t>
-            </a:r>
-            <a:r>
-              <a:rPr lang="de-CH" sz="850" dirty="0" err="1">
-                <a:latin typeface="Courier New" panose="02070309020205020404" pitchFamily="49" charset="0"/>
-                <a:cs typeface="Courier New" panose="02070309020205020404" pitchFamily="49" charset="0"/>
-              </a:rPr>
-              <a:t>encoding</a:t>
-            </a:r>
-            <a:r>
-              <a:rPr lang="de-CH" sz="850" dirty="0">
-                <a:latin typeface="Courier New" panose="02070309020205020404" pitchFamily="49" charset="0"/>
-                <a:cs typeface="Courier New" panose="02070309020205020404" pitchFamily="49" charset="0"/>
-              </a:rPr>
-              <a:t>-format {</a:t>
-            </a:r>
-          </a:p>
-          <a:p>
-            <a:pPr marL="0" marR="0">
-              <a:lnSpc>
-                <a:spcPct val="107000"/>
-              </a:lnSpc>
-              <a:spcBef>
-                <a:spcPts val="0"/>
-              </a:spcBef>
-              <a:spcAft>
-                <a:spcPts val="0"/>
-              </a:spcAft>
-            </a:pPr>
-            <a:r>
-              <a:rPr lang="de-CH" sz="850" dirty="0">
-                <a:latin typeface="Courier New" panose="02070309020205020404" pitchFamily="49" charset="0"/>
-                <a:cs typeface="Courier New" panose="02070309020205020404" pitchFamily="49" charset="0"/>
-              </a:rPr>
-              <a:t>          type </a:t>
-            </a:r>
-            <a:r>
-              <a:rPr lang="de-CH" sz="850" dirty="0" err="1">
-                <a:latin typeface="Courier New" panose="02070309020205020404" pitchFamily="49" charset="0"/>
-                <a:cs typeface="Courier New" panose="02070309020205020404" pitchFamily="49" charset="0"/>
-              </a:rPr>
-              <a:t>identityref</a:t>
-            </a:r>
-            <a:r>
-              <a:rPr lang="de-CH" sz="850" dirty="0">
-                <a:latin typeface="Courier New" panose="02070309020205020404" pitchFamily="49" charset="0"/>
-                <a:cs typeface="Courier New" panose="02070309020205020404" pitchFamily="49" charset="0"/>
-              </a:rPr>
-              <a:t> {</a:t>
-            </a:r>
-          </a:p>
-          <a:p>
-            <a:pPr marL="0" marR="0">
-              <a:lnSpc>
-                <a:spcPct val="107000"/>
-              </a:lnSpc>
-              <a:spcBef>
-                <a:spcPts val="0"/>
-              </a:spcBef>
-              <a:spcAft>
-                <a:spcPts val="0"/>
-              </a:spcAft>
-            </a:pPr>
-            <a:r>
-              <a:rPr lang="de-CH" sz="850" dirty="0">
-                <a:latin typeface="Courier New" panose="02070309020205020404" pitchFamily="49" charset="0"/>
-                <a:cs typeface="Courier New" panose="02070309020205020404" pitchFamily="49" charset="0"/>
-              </a:rPr>
-              <a:t>            </a:t>
-            </a:r>
-            <a:r>
-              <a:rPr lang="de-CH" sz="850" dirty="0" err="1">
-                <a:latin typeface="Courier New" panose="02070309020205020404" pitchFamily="49" charset="0"/>
-                <a:cs typeface="Courier New" panose="02070309020205020404" pitchFamily="49" charset="0"/>
-              </a:rPr>
-              <a:t>base</a:t>
-            </a:r>
-            <a:r>
-              <a:rPr lang="de-CH" sz="850" dirty="0">
-                <a:latin typeface="Courier New" panose="02070309020205020404" pitchFamily="49" charset="0"/>
-                <a:cs typeface="Courier New" panose="02070309020205020404" pitchFamily="49" charset="0"/>
-              </a:rPr>
-              <a:t> </a:t>
-            </a:r>
-            <a:r>
-              <a:rPr lang="de-CH" sz="850" dirty="0" err="1">
-                <a:latin typeface="Courier New" panose="02070309020205020404" pitchFamily="49" charset="0"/>
-                <a:cs typeface="Courier New" panose="02070309020205020404" pitchFamily="49" charset="0"/>
-              </a:rPr>
-              <a:t>sn:encoding</a:t>
-            </a:r>
-            <a:r>
-              <a:rPr lang="de-CH" sz="850" dirty="0">
-                <a:latin typeface="Courier New" panose="02070309020205020404" pitchFamily="49" charset="0"/>
-                <a:cs typeface="Courier New" panose="02070309020205020404" pitchFamily="49" charset="0"/>
-              </a:rPr>
-              <a:t>;</a:t>
-            </a:r>
-          </a:p>
-          <a:p>
-            <a:pPr marL="0" marR="0">
-              <a:lnSpc>
-                <a:spcPct val="107000"/>
-              </a:lnSpc>
-              <a:spcBef>
-                <a:spcPts val="0"/>
-              </a:spcBef>
-              <a:spcAft>
-                <a:spcPts val="0"/>
-              </a:spcAft>
-            </a:pPr>
-            <a:r>
-              <a:rPr lang="de-CH" sz="850" dirty="0">
-                <a:latin typeface="Courier New" panose="02070309020205020404" pitchFamily="49" charset="0"/>
-                <a:cs typeface="Courier New" panose="02070309020205020404" pitchFamily="49" charset="0"/>
-              </a:rPr>
-              <a:t>          }</a:t>
-            </a:r>
-          </a:p>
-          <a:p>
-            <a:pPr marL="0" marR="0">
-              <a:lnSpc>
-                <a:spcPct val="107000"/>
-              </a:lnSpc>
-              <a:spcBef>
-                <a:spcPts val="0"/>
-              </a:spcBef>
-              <a:spcAft>
-                <a:spcPts val="0"/>
-              </a:spcAft>
-            </a:pPr>
-            <a:r>
-              <a:rPr lang="de-CH" sz="850" dirty="0">
-                <a:latin typeface="Courier New" panose="02070309020205020404" pitchFamily="49" charset="0"/>
-                <a:cs typeface="Courier New" panose="02070309020205020404" pitchFamily="49" charset="0"/>
-              </a:rPr>
-              <a:t>          </a:t>
-            </a:r>
-            <a:r>
-              <a:rPr lang="de-CH" sz="850" dirty="0" err="1">
-                <a:latin typeface="Courier New" panose="02070309020205020404" pitchFamily="49" charset="0"/>
-                <a:cs typeface="Courier New" panose="02070309020205020404" pitchFamily="49" charset="0"/>
-              </a:rPr>
-              <a:t>description</a:t>
-            </a:r>
-            <a:r>
-              <a:rPr lang="de-CH" sz="850" dirty="0">
-                <a:latin typeface="Courier New" panose="02070309020205020404" pitchFamily="49" charset="0"/>
-                <a:cs typeface="Courier New" panose="02070309020205020404" pitchFamily="49" charset="0"/>
-              </a:rPr>
-              <a:t> "</a:t>
-            </a:r>
-            <a:r>
-              <a:rPr lang="de-CH" sz="850" dirty="0" err="1">
-                <a:latin typeface="Courier New" panose="02070309020205020404" pitchFamily="49" charset="0"/>
-                <a:cs typeface="Courier New" panose="02070309020205020404" pitchFamily="49" charset="0"/>
-              </a:rPr>
-              <a:t>Supported</a:t>
-            </a:r>
-            <a:r>
-              <a:rPr lang="de-CH" sz="850" dirty="0">
-                <a:latin typeface="Courier New" panose="02070309020205020404" pitchFamily="49" charset="0"/>
-                <a:cs typeface="Courier New" panose="02070309020205020404" pitchFamily="49" charset="0"/>
-              </a:rPr>
-              <a:t> </a:t>
-            </a:r>
-            <a:r>
-              <a:rPr lang="de-CH" sz="850" dirty="0" err="1">
-                <a:latin typeface="Courier New" panose="02070309020205020404" pitchFamily="49" charset="0"/>
-                <a:cs typeface="Courier New" panose="02070309020205020404" pitchFamily="49" charset="0"/>
-              </a:rPr>
-              <a:t>encoding</a:t>
-            </a:r>
-            <a:r>
-              <a:rPr lang="de-CH" sz="850" dirty="0">
-                <a:latin typeface="Courier New" panose="02070309020205020404" pitchFamily="49" charset="0"/>
-                <a:cs typeface="Courier New" panose="02070309020205020404" pitchFamily="49" charset="0"/>
-              </a:rPr>
-              <a:t> </a:t>
-            </a:r>
-            <a:r>
-              <a:rPr lang="de-CH" sz="850" dirty="0" err="1">
-                <a:latin typeface="Courier New" panose="02070309020205020404" pitchFamily="49" charset="0"/>
-                <a:cs typeface="Courier New" panose="02070309020205020404" pitchFamily="49" charset="0"/>
-              </a:rPr>
-              <a:t>formats</a:t>
-            </a:r>
-            <a:r>
-              <a:rPr lang="de-CH" sz="850" dirty="0">
-                <a:latin typeface="Courier New" panose="02070309020205020404" pitchFamily="49" charset="0"/>
-                <a:cs typeface="Courier New" panose="02070309020205020404" pitchFamily="49" charset="0"/>
-              </a:rPr>
-              <a:t>.";</a:t>
-            </a:r>
-          </a:p>
-          <a:p>
-            <a:pPr marL="0" marR="0">
-              <a:lnSpc>
-                <a:spcPct val="107000"/>
-              </a:lnSpc>
-              <a:spcBef>
-                <a:spcPts val="0"/>
-              </a:spcBef>
-              <a:spcAft>
-                <a:spcPts val="0"/>
-              </a:spcAft>
-            </a:pPr>
-            <a:r>
-              <a:rPr lang="de-CH" sz="850" dirty="0">
-                <a:latin typeface="Courier New" panose="02070309020205020404" pitchFamily="49" charset="0"/>
-                <a:cs typeface="Courier New" panose="02070309020205020404" pitchFamily="49" charset="0"/>
-              </a:rPr>
-              <a:t>        }</a:t>
-            </a:r>
-          </a:p>
-          <a:p>
-            <a:pPr marL="0" marR="0">
-              <a:lnSpc>
-                <a:spcPct val="107000"/>
-              </a:lnSpc>
-              <a:spcBef>
-                <a:spcPts val="0"/>
-              </a:spcBef>
-              <a:spcAft>
-                <a:spcPts val="0"/>
-              </a:spcAft>
-            </a:pPr>
-            <a:r>
-              <a:rPr lang="de-CH" sz="850" dirty="0">
-                <a:latin typeface="Courier New" panose="02070309020205020404" pitchFamily="49" charset="0"/>
-                <a:cs typeface="Courier New" panose="02070309020205020404" pitchFamily="49" charset="0"/>
-              </a:rPr>
-              <a:t>      }</a:t>
-            </a:r>
-          </a:p>
-          <a:p>
-            <a:pPr marL="0" marR="0">
-              <a:lnSpc>
-                <a:spcPct val="107000"/>
-              </a:lnSpc>
-              <a:spcBef>
-                <a:spcPts val="0"/>
-              </a:spcBef>
-              <a:spcAft>
-                <a:spcPts val="0"/>
-              </a:spcAft>
-            </a:pPr>
-            <a:r>
-              <a:rPr lang="de-CH" sz="850" dirty="0">
-                <a:latin typeface="Courier New" panose="02070309020205020404" pitchFamily="49" charset="0"/>
-                <a:cs typeface="Courier New" panose="02070309020205020404" pitchFamily="49" charset="0"/>
-              </a:rPr>
-              <a:t>    }</a:t>
-            </a:r>
-          </a:p>
-        </p:txBody>
-      </p:sp>
-    </p:spTree>
-    <p:extLst>
-      <p:ext uri="{BB962C8B-B14F-4D97-AF65-F5344CB8AC3E}">
-        <p14:creationId xmlns:p14="http://schemas.microsoft.com/office/powerpoint/2010/main" val="3562000331"/>
-      </p:ext>
-    </p:extLst>
-  </p:cSld>
-  <p:clrMapOvr>
-    <a:masterClrMapping/>
-  </p:clrMapOvr>
-</p:sld>
-</file>
-
-<file path=ppt/slides/slide4.xml><?xml version="1.0" encoding="utf-8"?>
-<p:sld xmlns:a="http://schemas.openxmlformats.org/drawingml/2006/main" xmlns:r="http://schemas.openxmlformats.org/officeDocument/2006/relationships" xmlns:p="http://schemas.openxmlformats.org/presentationml/2006/main">
-  <p:cSld>
-    <p:spTree>
-      <p:nvGrpSpPr>
-        <p:cNvPr id="1" name=""/>
-        <p:cNvGrpSpPr/>
-        <p:nvPr/>
-      </p:nvGrpSpPr>
-      <p:grpSpPr>
-        <a:xfrm>
-          <a:off x="0" y="0"/>
-          <a:ext cx="0" cy="0"/>
-          <a:chOff x="0" y="0"/>
-          <a:chExt cx="0" cy="0"/>
-        </a:xfrm>
-      </p:grpSpPr>
-      <p:sp>
-        <p:nvSpPr>
-          <p:cNvPr id="2" name="Title 1">
-            <a:extLst>
-              <a:ext uri="{FF2B5EF4-FFF2-40B4-BE49-F238E27FC236}">
-                <a16:creationId xmlns:a16="http://schemas.microsoft.com/office/drawing/2014/main" id="{FF20F271-6F0D-4AC0-BB1D-F5C338165C13}"/>
-              </a:ext>
-            </a:extLst>
-          </p:cNvPr>
-          <p:cNvSpPr>
-            <a:spLocks noGrp="1"/>
-          </p:cNvSpPr>
-          <p:nvPr>
-            <p:ph type="title"/>
-          </p:nvPr>
-        </p:nvSpPr>
-        <p:spPr/>
-        <p:txBody>
-          <a:bodyPr>
-            <a:normAutofit/>
-          </a:bodyPr>
-          <a:lstStyle/>
-          <a:p>
-            <a:r>
-              <a:rPr lang="en-US" sz="2800" b="1" dirty="0"/>
-              <a:t>YANG Notification </a:t>
-            </a:r>
-            <a:r>
-              <a:rPr lang="en-US" sz="2800" b="1" dirty="0">
-                <a:solidFill>
-                  <a:srgbClr val="FF0000"/>
-                </a:solidFill>
-              </a:rPr>
-              <a:t>Transport Capabilities</a:t>
-            </a:r>
-            <a:br>
-              <a:rPr lang="en-US" sz="2800" b="1" dirty="0"/>
-            </a:br>
-            <a:r>
               <a:rPr lang="en-US" sz="2400" b="1" dirty="0">
                 <a:solidFill>
                   <a:schemeClr val="bg2">
@@ -8004,7 +5583,7 @@
           <a:p>
             <a:fld id="{FC4AC485-25DE-431E-B345-9C0A15BB7F8A}" type="slidenum">
               <a:rPr lang="de-CH" sz="1400" smtClean="0"/>
-              <a:t>4</a:t>
+              <a:t>2</a:t>
             </a:fld>
             <a:endParaRPr lang="de-CH" sz="1400" dirty="0"/>
           </a:p>
@@ -8100,6 +5679,2427 @@
     <p:extLst>
       <p:ext uri="{BB962C8B-B14F-4D97-AF65-F5344CB8AC3E}">
         <p14:creationId xmlns:p14="http://schemas.microsoft.com/office/powerpoint/2010/main" val="2732367690"/>
+      </p:ext>
+    </p:extLst>
+  </p:cSld>
+  <p:clrMapOvr>
+    <a:masterClrMapping/>
+  </p:clrMapOvr>
+</p:sld>
+</file>
+
+<file path=ppt/slides/slide3.xml><?xml version="1.0" encoding="utf-8"?>
+<p:sld xmlns:a="http://schemas.openxmlformats.org/drawingml/2006/main" xmlns:r="http://schemas.openxmlformats.org/officeDocument/2006/relationships" xmlns:p="http://schemas.openxmlformats.org/presentationml/2006/main">
+  <p:cSld>
+    <p:spTree>
+      <p:nvGrpSpPr>
+        <p:cNvPr id="1" name=""/>
+        <p:cNvGrpSpPr/>
+        <p:nvPr/>
+      </p:nvGrpSpPr>
+      <p:grpSpPr>
+        <a:xfrm>
+          <a:off x="0" y="0"/>
+          <a:ext cx="0" cy="0"/>
+          <a:chOff x="0" y="0"/>
+          <a:chExt cx="0" cy="0"/>
+        </a:xfrm>
+      </p:grpSpPr>
+      <p:sp>
+        <p:nvSpPr>
+          <p:cNvPr id="2" name="Title 1">
+            <a:extLst>
+              <a:ext uri="{FF2B5EF4-FFF2-40B4-BE49-F238E27FC236}">
+                <a16:creationId xmlns:a16="http://schemas.microsoft.com/office/drawing/2014/main" id="{FF20F271-6F0D-4AC0-BB1D-F5C338165C13}"/>
+              </a:ext>
+            </a:extLst>
+          </p:cNvPr>
+          <p:cNvSpPr>
+            <a:spLocks noGrp="1"/>
+          </p:cNvSpPr>
+          <p:nvPr>
+            <p:ph type="title"/>
+          </p:nvPr>
+        </p:nvSpPr>
+        <p:spPr/>
+        <p:txBody>
+          <a:bodyPr>
+            <a:normAutofit/>
+          </a:bodyPr>
+          <a:lstStyle/>
+          <a:p>
+            <a:r>
+              <a:rPr lang="en-US" sz="2800" b="1" dirty="0"/>
+              <a:t>YANG Notification </a:t>
+            </a:r>
+            <a:r>
+              <a:rPr lang="en-US" sz="2800" b="1" dirty="0">
+                <a:solidFill>
+                  <a:srgbClr val="FF0000"/>
+                </a:solidFill>
+              </a:rPr>
+              <a:t>Transport Capabilities</a:t>
+            </a:r>
+            <a:br>
+              <a:rPr lang="en-US" sz="2800" b="1" dirty="0"/>
+            </a:br>
+            <a:r>
+              <a:rPr lang="en-US" sz="2400" b="1" dirty="0" err="1">
+                <a:solidFill>
+                  <a:schemeClr val="bg2">
+                    <a:lumMod val="75000"/>
+                  </a:schemeClr>
+                </a:solidFill>
+              </a:rPr>
+              <a:t>Capabilities</a:t>
+            </a:r>
+            <a:r>
+              <a:rPr lang="en-US" sz="2400" b="1" dirty="0">
+                <a:solidFill>
+                  <a:schemeClr val="bg2">
+                    <a:lumMod val="75000"/>
+                  </a:schemeClr>
+                </a:solidFill>
+              </a:rPr>
+              <a:t> for Systems and Datastore Update Notifications</a:t>
+            </a:r>
+            <a:br>
+              <a:rPr lang="en-US" sz="1050" b="1" dirty="0"/>
+            </a:br>
+            <a:endParaRPr lang="en-US" sz="2400" dirty="0">
+              <a:solidFill>
+                <a:schemeClr val="bg2">
+                  <a:lumMod val="75000"/>
+                </a:schemeClr>
+              </a:solidFill>
+            </a:endParaRPr>
+          </a:p>
+        </p:txBody>
+      </p:sp>
+      <p:sp>
+        <p:nvSpPr>
+          <p:cNvPr id="3" name="Content Placeholder 2">
+            <a:extLst>
+              <a:ext uri="{FF2B5EF4-FFF2-40B4-BE49-F238E27FC236}">
+                <a16:creationId xmlns:a16="http://schemas.microsoft.com/office/drawing/2014/main" id="{29C0DFD4-432D-4B0C-93DF-790441DCF5B9}"/>
+              </a:ext>
+            </a:extLst>
+          </p:cNvPr>
+          <p:cNvSpPr>
+            <a:spLocks noGrp="1"/>
+          </p:cNvSpPr>
+          <p:nvPr>
+            <p:ph idx="1"/>
+          </p:nvPr>
+        </p:nvSpPr>
+        <p:spPr>
+          <a:xfrm>
+            <a:off x="838201" y="1950098"/>
+            <a:ext cx="10846526" cy="4417453"/>
+          </a:xfrm>
+        </p:spPr>
+        <p:txBody>
+          <a:bodyPr>
+            <a:noAutofit/>
+          </a:bodyPr>
+          <a:lstStyle/>
+          <a:p>
+            <a:r>
+              <a:rPr lang="en-US" sz="1700" dirty="0">
+                <a:hlinkClick r:id="rId2"/>
+              </a:rPr>
+              <a:t>Section 7 of RFC 8639 </a:t>
+            </a:r>
+            <a:r>
+              <a:rPr lang="en-US" sz="1700" dirty="0"/>
+              <a:t>and </a:t>
+            </a:r>
+            <a:r>
+              <a:rPr lang="en-US" sz="1700" dirty="0">
+                <a:hlinkClick r:id="rId3"/>
+              </a:rPr>
+              <a:t>errata 6211 </a:t>
+            </a:r>
+            <a:r>
+              <a:rPr lang="en-US" sz="1700" dirty="0"/>
+              <a:t>describes that that supported YANG-Push transport encodings needs to be discoverable.</a:t>
+            </a:r>
+          </a:p>
+          <a:p>
+            <a:r>
+              <a:rPr lang="en-US" sz="1700" dirty="0">
+                <a:hlinkClick r:id="rId4"/>
+              </a:rPr>
+              <a:t>Section 2.5 of RFC 8639 </a:t>
+            </a:r>
+            <a:r>
+              <a:rPr lang="en-US" sz="1700" dirty="0"/>
+              <a:t>describes configured YANG-Push subscriptions. </a:t>
+            </a:r>
+            <a:r>
+              <a:rPr lang="en-US" sz="1700" dirty="0">
+                <a:hlinkClick r:id="rId5"/>
+              </a:rPr>
+              <a:t>draft-</a:t>
+            </a:r>
+            <a:r>
+              <a:rPr lang="en-US" sz="1700" dirty="0" err="1">
+                <a:hlinkClick r:id="rId5"/>
+              </a:rPr>
+              <a:t>ietf</a:t>
+            </a:r>
+            <a:r>
+              <a:rPr lang="en-US" sz="1700" dirty="0">
+                <a:hlinkClick r:id="rId5"/>
+              </a:rPr>
+              <a:t>-netconf-</a:t>
+            </a:r>
+            <a:r>
+              <a:rPr lang="en-US" sz="1700" dirty="0" err="1">
+                <a:hlinkClick r:id="rId5"/>
+              </a:rPr>
+              <a:t>udp</a:t>
+            </a:r>
+            <a:r>
+              <a:rPr lang="en-US" sz="1700" dirty="0">
+                <a:hlinkClick r:id="rId5"/>
+              </a:rPr>
+              <a:t>-</a:t>
+            </a:r>
+            <a:r>
+              <a:rPr lang="en-US" sz="1700" dirty="0" err="1">
+                <a:hlinkClick r:id="rId5"/>
+              </a:rPr>
+              <a:t>notif</a:t>
+            </a:r>
+            <a:r>
+              <a:rPr lang="en-US" sz="1700" dirty="0"/>
+              <a:t> and </a:t>
+            </a:r>
+            <a:r>
+              <a:rPr lang="en-US" sz="1700" dirty="0">
+                <a:hlinkClick r:id="rId6"/>
+              </a:rPr>
+              <a:t>draft-</a:t>
+            </a:r>
+            <a:r>
+              <a:rPr lang="en-US" sz="1700" dirty="0" err="1">
+                <a:hlinkClick r:id="rId6"/>
+              </a:rPr>
+              <a:t>ietf</a:t>
+            </a:r>
+            <a:r>
+              <a:rPr lang="en-US" sz="1700" dirty="0">
+                <a:hlinkClick r:id="rId6"/>
+              </a:rPr>
+              <a:t>-netconf-https-</a:t>
+            </a:r>
+            <a:r>
+              <a:rPr lang="en-US" sz="1700" dirty="0" err="1">
+                <a:hlinkClick r:id="rId6"/>
+              </a:rPr>
+              <a:t>notif</a:t>
+            </a:r>
+            <a:r>
+              <a:rPr lang="en-US" sz="1700" dirty="0"/>
+              <a:t> are two transport protocols for configured YANG-Push subscriptions.</a:t>
+            </a:r>
+          </a:p>
+          <a:p>
+            <a:r>
+              <a:rPr lang="en-US" sz="1700" dirty="0">
+                <a:hlinkClick r:id="rId7"/>
+              </a:rPr>
+              <a:t>RFC 9196 </a:t>
+            </a:r>
+            <a:r>
+              <a:rPr lang="en-US" sz="1700" dirty="0"/>
+              <a:t>defines two YANG modules, "</a:t>
+            </a:r>
+            <a:r>
+              <a:rPr lang="en-US" sz="1700" dirty="0" err="1"/>
+              <a:t>ietf</a:t>
+            </a:r>
+            <a:r>
+              <a:rPr lang="en-US" sz="1700" dirty="0"/>
+              <a:t>-system-capabilities" and "</a:t>
+            </a:r>
+            <a:r>
+              <a:rPr lang="en-US" sz="1700" dirty="0" err="1"/>
+              <a:t>ietf</a:t>
+            </a:r>
+            <a:r>
+              <a:rPr lang="en-US" sz="1700" dirty="0"/>
+              <a:t>-notification-capabilities". </a:t>
+            </a:r>
+          </a:p>
+          <a:p>
+            <a:r>
+              <a:rPr lang="en-US" sz="1700" dirty="0"/>
+              <a:t>The module "</a:t>
+            </a:r>
+            <a:r>
+              <a:rPr lang="en-US" sz="1700" dirty="0" err="1"/>
+              <a:t>ietf</a:t>
+            </a:r>
+            <a:r>
+              <a:rPr lang="en-US" sz="1700" dirty="0"/>
+              <a:t>-system-capabilities" provides a placeholder structure that can be used to discover YANG-related system capabilities for servers. </a:t>
+            </a:r>
+          </a:p>
+          <a:p>
+            <a:r>
+              <a:rPr lang="en-US" sz="1700" dirty="0"/>
+              <a:t>The module "</a:t>
+            </a:r>
+            <a:r>
+              <a:rPr lang="en-US" sz="1700" dirty="0" err="1"/>
+              <a:t>ietf</a:t>
+            </a:r>
+            <a:r>
+              <a:rPr lang="en-US" sz="1700" dirty="0"/>
+              <a:t>-notification-capabilities" augments "</a:t>
+            </a:r>
+            <a:r>
+              <a:rPr lang="en-US" sz="1700" dirty="0" err="1"/>
+              <a:t>ietf</a:t>
+            </a:r>
+            <a:r>
+              <a:rPr lang="en-US" sz="1700" dirty="0"/>
+              <a:t>-system-capabilities" to specify notification capabilities related to </a:t>
+            </a:r>
+            <a:r>
+              <a:rPr lang="en-US" sz="1700" dirty="0">
+                <a:hlinkClick r:id="rId8"/>
+              </a:rPr>
+              <a:t>RFC 8641</a:t>
+            </a:r>
+            <a:r>
+              <a:rPr lang="en-US" sz="1700" dirty="0"/>
+              <a:t>.</a:t>
+            </a:r>
+          </a:p>
+          <a:p>
+            <a:r>
+              <a:rPr lang="en-US" sz="1700" dirty="0">
+                <a:hlinkClick r:id="rId9"/>
+              </a:rPr>
+              <a:t>Section 3 of RFC 9196 </a:t>
+            </a:r>
+            <a:r>
+              <a:rPr lang="en-US" sz="1700" dirty="0"/>
+              <a:t>defines the following transport agnostic notification capabilities</a:t>
+            </a:r>
+          </a:p>
+          <a:p>
+            <a:pPr lvl="1"/>
+            <a:r>
+              <a:rPr lang="en-US" sz="1700" dirty="0"/>
+              <a:t>supported (reporting) periods for "periodic" subscriptions.</a:t>
+            </a:r>
+          </a:p>
+          <a:p>
+            <a:pPr lvl="1"/>
+            <a:r>
+              <a:rPr lang="en-US" sz="1700" dirty="0"/>
+              <a:t>the maximum number of objects that can be sent in an update.</a:t>
+            </a:r>
+          </a:p>
+          <a:p>
+            <a:pPr lvl="1"/>
+            <a:r>
+              <a:rPr lang="en-US" sz="1700" dirty="0"/>
+              <a:t>the set of datastores or data nodes for which "periodic" notification is supported.</a:t>
+            </a:r>
+          </a:p>
+          <a:p>
+            <a:pPr lvl="1"/>
+            <a:r>
+              <a:rPr lang="en-US" sz="1700" dirty="0"/>
+              <a:t>supported dampening periods for "on-change" subscriptions.</a:t>
+            </a:r>
+          </a:p>
+          <a:p>
+            <a:pPr lvl="1"/>
+            <a:r>
+              <a:rPr lang="en-US" sz="1700" dirty="0"/>
+              <a:t>the set of datastores or data nodes for which "on-change" notification is supported.</a:t>
+            </a:r>
+          </a:p>
+        </p:txBody>
+      </p:sp>
+      <p:sp>
+        <p:nvSpPr>
+          <p:cNvPr id="7" name="Slide Number Placeholder 1">
+            <a:extLst>
+              <a:ext uri="{FF2B5EF4-FFF2-40B4-BE49-F238E27FC236}">
+                <a16:creationId xmlns:a16="http://schemas.microsoft.com/office/drawing/2014/main" id="{7735C87E-721C-4A3D-8B4A-DFBB832FF94D}"/>
+              </a:ext>
+            </a:extLst>
+          </p:cNvPr>
+          <p:cNvSpPr>
+            <a:spLocks noGrp="1"/>
+          </p:cNvSpPr>
+          <p:nvPr>
+            <p:ph type="sldNum" sz="quarter" idx="12"/>
+          </p:nvPr>
+        </p:nvSpPr>
+        <p:spPr>
+          <a:xfrm>
+            <a:off x="11587892" y="6361637"/>
+            <a:ext cx="414251" cy="365125"/>
+          </a:xfrm>
+        </p:spPr>
+        <p:txBody>
+          <a:bodyPr/>
+          <a:lstStyle/>
+          <a:p>
+            <a:fld id="{FC4AC485-25DE-431E-B345-9C0A15BB7F8A}" type="slidenum">
+              <a:rPr lang="de-CH" sz="1400" smtClean="0"/>
+              <a:t>3</a:t>
+            </a:fld>
+            <a:endParaRPr lang="de-CH" sz="1400" dirty="0"/>
+          </a:p>
+        </p:txBody>
+      </p:sp>
+    </p:spTree>
+    <p:extLst>
+      <p:ext uri="{BB962C8B-B14F-4D97-AF65-F5344CB8AC3E}">
+        <p14:creationId xmlns:p14="http://schemas.microsoft.com/office/powerpoint/2010/main" val="2701002203"/>
+      </p:ext>
+    </p:extLst>
+  </p:cSld>
+  <p:clrMapOvr>
+    <a:masterClrMapping/>
+  </p:clrMapOvr>
+</p:sld>
+</file>
+
+<file path=ppt/slides/slide4.xml><?xml version="1.0" encoding="utf-8"?>
+<p:sld xmlns:a="http://schemas.openxmlformats.org/drawingml/2006/main" xmlns:r="http://schemas.openxmlformats.org/officeDocument/2006/relationships" xmlns:p="http://schemas.openxmlformats.org/presentationml/2006/main">
+  <p:cSld>
+    <p:spTree>
+      <p:nvGrpSpPr>
+        <p:cNvPr id="1" name=""/>
+        <p:cNvGrpSpPr/>
+        <p:nvPr/>
+      </p:nvGrpSpPr>
+      <p:grpSpPr>
+        <a:xfrm>
+          <a:off x="0" y="0"/>
+          <a:ext cx="0" cy="0"/>
+          <a:chOff x="0" y="0"/>
+          <a:chExt cx="0" cy="0"/>
+        </a:xfrm>
+      </p:grpSpPr>
+      <p:sp>
+        <p:nvSpPr>
+          <p:cNvPr id="2" name="Title 1">
+            <a:extLst>
+              <a:ext uri="{FF2B5EF4-FFF2-40B4-BE49-F238E27FC236}">
+                <a16:creationId xmlns:a16="http://schemas.microsoft.com/office/drawing/2014/main" id="{FF20F271-6F0D-4AC0-BB1D-F5C338165C13}"/>
+              </a:ext>
+            </a:extLst>
+          </p:cNvPr>
+          <p:cNvSpPr>
+            <a:spLocks noGrp="1"/>
+          </p:cNvSpPr>
+          <p:nvPr>
+            <p:ph type="title"/>
+          </p:nvPr>
+        </p:nvSpPr>
+        <p:spPr/>
+        <p:txBody>
+          <a:bodyPr>
+            <a:normAutofit/>
+          </a:bodyPr>
+          <a:lstStyle/>
+          <a:p>
+            <a:r>
+              <a:rPr lang="en-US" sz="2800" b="1" dirty="0"/>
+              <a:t>YANG Notification </a:t>
+            </a:r>
+            <a:r>
+              <a:rPr lang="en-US" sz="2800" b="1" dirty="0">
+                <a:solidFill>
+                  <a:srgbClr val="FF0000"/>
+                </a:solidFill>
+              </a:rPr>
+              <a:t>Transport Capabilities</a:t>
+            </a:r>
+            <a:br>
+              <a:rPr lang="en-US" sz="2800" b="1" dirty="0"/>
+            </a:br>
+            <a:r>
+              <a:rPr lang="en-US" sz="2400" b="1" dirty="0">
+                <a:solidFill>
+                  <a:schemeClr val="bg2">
+                    <a:lumMod val="75000"/>
+                  </a:schemeClr>
+                </a:solidFill>
+              </a:rPr>
+              <a:t>Extending System Capabilities for YANG-Push Configured Subscription Transport</a:t>
+            </a:r>
+            <a:endParaRPr lang="en-US" sz="2400" dirty="0">
+              <a:solidFill>
+                <a:schemeClr val="bg2">
+                  <a:lumMod val="75000"/>
+                </a:schemeClr>
+              </a:solidFill>
+            </a:endParaRPr>
+          </a:p>
+        </p:txBody>
+      </p:sp>
+      <p:sp>
+        <p:nvSpPr>
+          <p:cNvPr id="3" name="Content Placeholder 2">
+            <a:extLst>
+              <a:ext uri="{FF2B5EF4-FFF2-40B4-BE49-F238E27FC236}">
+                <a16:creationId xmlns:a16="http://schemas.microsoft.com/office/drawing/2014/main" id="{29C0DFD4-432D-4B0C-93DF-790441DCF5B9}"/>
+              </a:ext>
+            </a:extLst>
+          </p:cNvPr>
+          <p:cNvSpPr>
+            <a:spLocks noGrp="1"/>
+          </p:cNvSpPr>
+          <p:nvPr>
+            <p:ph idx="1"/>
+          </p:nvPr>
+        </p:nvSpPr>
+        <p:spPr>
+          <a:xfrm>
+            <a:off x="6711821" y="1950098"/>
+            <a:ext cx="4892040" cy="4417453"/>
+          </a:xfrm>
+        </p:spPr>
+        <p:txBody>
+          <a:bodyPr>
+            <a:noAutofit/>
+          </a:bodyPr>
+          <a:lstStyle/>
+          <a:p>
+            <a:r>
+              <a:rPr lang="en-US" sz="1700" dirty="0">
+                <a:hlinkClick r:id="rId2"/>
+              </a:rPr>
+              <a:t>draft-</a:t>
+            </a:r>
+            <a:r>
+              <a:rPr lang="en-US" sz="1700" dirty="0" err="1">
+                <a:hlinkClick r:id="rId2"/>
+              </a:rPr>
+              <a:t>netana</a:t>
+            </a:r>
+            <a:r>
+              <a:rPr lang="en-US" sz="1700" dirty="0">
+                <a:hlinkClick r:id="rId2"/>
+              </a:rPr>
+              <a:t>-netconf-</a:t>
+            </a:r>
+            <a:r>
+              <a:rPr lang="en-US" sz="1700" dirty="0" err="1">
+                <a:hlinkClick r:id="rId2"/>
+              </a:rPr>
+              <a:t>yp</a:t>
+            </a:r>
+            <a:r>
+              <a:rPr lang="en-US" sz="1700" dirty="0">
+                <a:hlinkClick r:id="rId2"/>
+              </a:rPr>
+              <a:t>-transport-capabilities</a:t>
+            </a:r>
+            <a:r>
+              <a:rPr lang="en-US" sz="1700" dirty="0"/>
+              <a:t> augments System Capabilities model and provides additional transport related attributes associated with system capabilities:</a:t>
+            </a:r>
+            <a:br>
+              <a:rPr lang="en-US" sz="1700" dirty="0"/>
+            </a:br>
+            <a:endParaRPr lang="en-US" sz="1700" dirty="0"/>
+          </a:p>
+          <a:p>
+            <a:pPr lvl="1"/>
+            <a:r>
+              <a:rPr lang="en-US" sz="1700" dirty="0"/>
+              <a:t>Specification of transport protocols the client can request to establish a </a:t>
+            </a:r>
+            <a:r>
+              <a:rPr lang="en-US" sz="1700" dirty="0">
+                <a:hlinkClick r:id="rId3"/>
+              </a:rPr>
+              <a:t>draft-</a:t>
+            </a:r>
+            <a:r>
+              <a:rPr lang="en-US" sz="1700" dirty="0" err="1">
+                <a:hlinkClick r:id="rId3"/>
+              </a:rPr>
+              <a:t>ietf</a:t>
+            </a:r>
+            <a:r>
+              <a:rPr lang="en-US" sz="1700" dirty="0">
+                <a:hlinkClick r:id="rId3"/>
+              </a:rPr>
+              <a:t>-netconf-</a:t>
+            </a:r>
+            <a:r>
+              <a:rPr lang="en-US" sz="1700" dirty="0" err="1">
+                <a:hlinkClick r:id="rId3"/>
+              </a:rPr>
+              <a:t>udp</a:t>
+            </a:r>
+            <a:r>
+              <a:rPr lang="en-US" sz="1700" dirty="0">
+                <a:hlinkClick r:id="rId3"/>
+              </a:rPr>
+              <a:t>-</a:t>
+            </a:r>
+            <a:r>
+              <a:rPr lang="en-US" sz="1700" dirty="0" err="1">
+                <a:hlinkClick r:id="rId3"/>
+              </a:rPr>
+              <a:t>notif</a:t>
+            </a:r>
+            <a:r>
+              <a:rPr lang="en-US" sz="1700" dirty="0"/>
+              <a:t> or </a:t>
+            </a:r>
+            <a:r>
+              <a:rPr lang="en-US" sz="1700" dirty="0">
+                <a:hlinkClick r:id="rId4"/>
+              </a:rPr>
+              <a:t>draft-</a:t>
+            </a:r>
+            <a:r>
+              <a:rPr lang="en-US" sz="1700" dirty="0" err="1">
+                <a:hlinkClick r:id="rId4"/>
+              </a:rPr>
+              <a:t>ietf</a:t>
+            </a:r>
+            <a:r>
+              <a:rPr lang="en-US" sz="1700" dirty="0">
+                <a:hlinkClick r:id="rId4"/>
+              </a:rPr>
+              <a:t>-netconf-https-</a:t>
+            </a:r>
+            <a:r>
+              <a:rPr lang="en-US" sz="1700" dirty="0" err="1">
+                <a:hlinkClick r:id="rId4"/>
+              </a:rPr>
+              <a:t>notif</a:t>
+            </a:r>
+            <a:r>
+              <a:rPr lang="en-US" sz="1700" dirty="0"/>
+              <a:t> configured transport connection;</a:t>
+            </a:r>
+          </a:p>
+          <a:p>
+            <a:pPr lvl="1"/>
+            <a:r>
+              <a:rPr lang="en-US" sz="1700" dirty="0"/>
+              <a:t>Specification of transport encoding, such as JSON or XML as defined in </a:t>
+            </a:r>
+            <a:r>
+              <a:rPr lang="en-US" sz="1700" dirty="0">
+                <a:hlinkClick r:id="rId5"/>
+              </a:rPr>
+              <a:t>RFC 8040 </a:t>
+            </a:r>
+            <a:r>
+              <a:rPr lang="en-US" sz="1700" dirty="0"/>
+              <a:t>or CBOR as defined in </a:t>
+            </a:r>
+            <a:r>
+              <a:rPr lang="en-US" sz="1700" dirty="0">
+                <a:hlinkClick r:id="rId6"/>
+              </a:rPr>
+              <a:t>RFC 9254 </a:t>
+            </a:r>
+            <a:r>
+              <a:rPr lang="en-US" sz="1700" dirty="0"/>
+              <a:t>the client can request to encode YANG notifications;</a:t>
+            </a:r>
+          </a:p>
+          <a:p>
+            <a:pPr lvl="1"/>
+            <a:r>
+              <a:rPr lang="en-US" sz="1700" dirty="0"/>
+              <a:t>Specification of secure transport mechanisms that are needed by the client to communicate with the server such as DTLS as defined in </a:t>
+            </a:r>
+            <a:r>
+              <a:rPr lang="en-US" sz="1700" dirty="0">
+                <a:hlinkClick r:id="rId7"/>
+              </a:rPr>
+              <a:t>RFC 9147 </a:t>
+            </a:r>
+            <a:r>
+              <a:rPr lang="en-US" sz="1700" dirty="0"/>
+              <a:t>TLS as defined in </a:t>
+            </a:r>
+            <a:r>
+              <a:rPr lang="en-US" sz="1700" dirty="0">
+                <a:hlinkClick r:id="rId8"/>
+              </a:rPr>
+              <a:t>RFC 8446 </a:t>
+            </a:r>
+            <a:r>
+              <a:rPr lang="en-US" sz="1700" dirty="0"/>
+              <a:t>or SSH as defined in </a:t>
+            </a:r>
+            <a:r>
+              <a:rPr lang="en-US" sz="1700" dirty="0">
+                <a:hlinkClick r:id="rId9"/>
+              </a:rPr>
+              <a:t>RFC 4254</a:t>
+            </a:r>
+            <a:r>
+              <a:rPr lang="en-US" sz="1700" dirty="0"/>
+              <a:t>;</a:t>
+            </a:r>
+          </a:p>
+        </p:txBody>
+      </p:sp>
+      <p:sp>
+        <p:nvSpPr>
+          <p:cNvPr id="7" name="Slide Number Placeholder 1">
+            <a:extLst>
+              <a:ext uri="{FF2B5EF4-FFF2-40B4-BE49-F238E27FC236}">
+                <a16:creationId xmlns:a16="http://schemas.microsoft.com/office/drawing/2014/main" id="{7735C87E-721C-4A3D-8B4A-DFBB832FF94D}"/>
+              </a:ext>
+            </a:extLst>
+          </p:cNvPr>
+          <p:cNvSpPr>
+            <a:spLocks noGrp="1"/>
+          </p:cNvSpPr>
+          <p:nvPr>
+            <p:ph type="sldNum" sz="quarter" idx="12"/>
+          </p:nvPr>
+        </p:nvSpPr>
+        <p:spPr>
+          <a:xfrm>
+            <a:off x="11587892" y="6361637"/>
+            <a:ext cx="414251" cy="365125"/>
+          </a:xfrm>
+        </p:spPr>
+        <p:txBody>
+          <a:bodyPr/>
+          <a:lstStyle/>
+          <a:p>
+            <a:fld id="{FC4AC485-25DE-431E-B345-9C0A15BB7F8A}" type="slidenum">
+              <a:rPr lang="de-CH" sz="1400" smtClean="0"/>
+              <a:t>4</a:t>
+            </a:fld>
+            <a:endParaRPr lang="de-CH" sz="1400" dirty="0"/>
+          </a:p>
+        </p:txBody>
+      </p:sp>
+      <p:sp>
+        <p:nvSpPr>
+          <p:cNvPr id="5" name="TextBox 4">
+            <a:extLst>
+              <a:ext uri="{FF2B5EF4-FFF2-40B4-BE49-F238E27FC236}">
+                <a16:creationId xmlns:a16="http://schemas.microsoft.com/office/drawing/2014/main" id="{3862CE99-40A4-2D41-AF3F-FC31FC0B2BDD}"/>
+              </a:ext>
+            </a:extLst>
+          </p:cNvPr>
+          <p:cNvSpPr txBox="1"/>
+          <p:nvPr/>
+        </p:nvSpPr>
+        <p:spPr>
+          <a:xfrm>
+            <a:off x="838200" y="1690688"/>
+            <a:ext cx="5873621" cy="5129161"/>
+          </a:xfrm>
+          <a:prstGeom prst="rect">
+            <a:avLst/>
+          </a:prstGeom>
+          <a:noFill/>
+        </p:spPr>
+        <p:txBody>
+          <a:bodyPr wrap="square">
+            <a:spAutoFit/>
+          </a:bodyPr>
+          <a:lstStyle/>
+          <a:p>
+            <a:pPr marL="0" marR="0">
+              <a:lnSpc>
+                <a:spcPct val="107000"/>
+              </a:lnSpc>
+              <a:spcBef>
+                <a:spcPts val="0"/>
+              </a:spcBef>
+              <a:spcAft>
+                <a:spcPts val="0"/>
+              </a:spcAft>
+            </a:pPr>
+            <a:r>
+              <a:rPr lang="en-US" sz="850" dirty="0">
+                <a:effectLst/>
+                <a:latin typeface="Courier New" panose="02070309020205020404" pitchFamily="49" charset="0"/>
+                <a:ea typeface="Calibri" panose="020F0502020204030204" pitchFamily="34" charset="0"/>
+                <a:cs typeface="Courier New" panose="02070309020205020404" pitchFamily="49" charset="0"/>
+              </a:rPr>
+              <a:t>module: </a:t>
+            </a:r>
+            <a:r>
+              <a:rPr lang="en-US" sz="850" dirty="0" err="1">
+                <a:effectLst/>
+                <a:latin typeface="Courier New" panose="02070309020205020404" pitchFamily="49" charset="0"/>
+                <a:ea typeface="Calibri" panose="020F0502020204030204" pitchFamily="34" charset="0"/>
+                <a:cs typeface="Courier New" panose="02070309020205020404" pitchFamily="49" charset="0"/>
+              </a:rPr>
+              <a:t>ietf</a:t>
+            </a:r>
+            <a:r>
+              <a:rPr lang="en-US" sz="850" dirty="0">
+                <a:effectLst/>
+                <a:latin typeface="Courier New" panose="02070309020205020404" pitchFamily="49" charset="0"/>
+                <a:ea typeface="Calibri" panose="020F0502020204030204" pitchFamily="34" charset="0"/>
+                <a:cs typeface="Courier New" panose="02070309020205020404" pitchFamily="49" charset="0"/>
+              </a:rPr>
+              <a:t>-notification-transport-capabilities</a:t>
+            </a:r>
+          </a:p>
+          <a:p>
+            <a:pPr marL="0" marR="0">
+              <a:lnSpc>
+                <a:spcPct val="107000"/>
+              </a:lnSpc>
+              <a:spcBef>
+                <a:spcPts val="0"/>
+              </a:spcBef>
+              <a:spcAft>
+                <a:spcPts val="0"/>
+              </a:spcAft>
+            </a:pPr>
+            <a:endParaRPr lang="en-US" sz="850" dirty="0">
+              <a:effectLst/>
+              <a:latin typeface="Courier New" panose="02070309020205020404" pitchFamily="49" charset="0"/>
+              <a:ea typeface="Calibri" panose="020F0502020204030204" pitchFamily="34" charset="0"/>
+              <a:cs typeface="Courier New" panose="02070309020205020404" pitchFamily="49" charset="0"/>
+            </a:endParaRPr>
+          </a:p>
+          <a:p>
+            <a:pPr marL="0" marR="0">
+              <a:lnSpc>
+                <a:spcPct val="107000"/>
+              </a:lnSpc>
+              <a:spcBef>
+                <a:spcPts val="0"/>
+              </a:spcBef>
+              <a:spcAft>
+                <a:spcPts val="0"/>
+              </a:spcAft>
+            </a:pPr>
+            <a:r>
+              <a:rPr lang="en-US" sz="850" dirty="0">
+                <a:effectLst/>
+                <a:latin typeface="Courier New" panose="02070309020205020404" pitchFamily="49" charset="0"/>
+                <a:ea typeface="Calibri" panose="020F0502020204030204" pitchFamily="34" charset="0"/>
+                <a:cs typeface="Courier New" panose="02070309020205020404" pitchFamily="49" charset="0"/>
+              </a:rPr>
+              <a:t>  augment /</a:t>
+            </a:r>
+            <a:r>
+              <a:rPr lang="en-US" sz="850" dirty="0" err="1">
+                <a:effectLst/>
+                <a:latin typeface="Courier New" panose="02070309020205020404" pitchFamily="49" charset="0"/>
+                <a:ea typeface="Calibri" panose="020F0502020204030204" pitchFamily="34" charset="0"/>
+                <a:cs typeface="Courier New" panose="02070309020205020404" pitchFamily="49" charset="0"/>
+              </a:rPr>
+              <a:t>sysc:system-capabilities</a:t>
+            </a:r>
+            <a:r>
+              <a:rPr lang="en-US" sz="850" dirty="0">
+                <a:effectLst/>
+                <a:latin typeface="Courier New" panose="02070309020205020404" pitchFamily="49" charset="0"/>
+                <a:ea typeface="Calibri" panose="020F0502020204030204" pitchFamily="34" charset="0"/>
+                <a:cs typeface="Courier New" panose="02070309020205020404" pitchFamily="49" charset="0"/>
+              </a:rPr>
+              <a:t>/</a:t>
+            </a:r>
+            <a:r>
+              <a:rPr lang="en-US" sz="850" dirty="0" err="1">
+                <a:effectLst/>
+                <a:latin typeface="Courier New" panose="02070309020205020404" pitchFamily="49" charset="0"/>
+                <a:ea typeface="Calibri" panose="020F0502020204030204" pitchFamily="34" charset="0"/>
+                <a:cs typeface="Courier New" panose="02070309020205020404" pitchFamily="49" charset="0"/>
+              </a:rPr>
+              <a:t>notc:subscription-capabilities</a:t>
+            </a:r>
+            <a:r>
+              <a:rPr lang="en-US" sz="850" dirty="0">
+                <a:effectLst/>
+                <a:latin typeface="Courier New" panose="02070309020205020404" pitchFamily="49" charset="0"/>
+                <a:ea typeface="Calibri" panose="020F0502020204030204" pitchFamily="34" charset="0"/>
+                <a:cs typeface="Courier New" panose="02070309020205020404" pitchFamily="49" charset="0"/>
+              </a:rPr>
+              <a:t>:</a:t>
+            </a:r>
+          </a:p>
+          <a:p>
+            <a:pPr marL="0" marR="0">
+              <a:lnSpc>
+                <a:spcPct val="107000"/>
+              </a:lnSpc>
+              <a:spcBef>
+                <a:spcPts val="0"/>
+              </a:spcBef>
+              <a:spcAft>
+                <a:spcPts val="0"/>
+              </a:spcAft>
+            </a:pPr>
+            <a:r>
+              <a:rPr lang="en-US" sz="850" dirty="0">
+                <a:effectLst/>
+                <a:latin typeface="Courier New" panose="02070309020205020404" pitchFamily="49" charset="0"/>
+                <a:ea typeface="Calibri" panose="020F0502020204030204" pitchFamily="34" charset="0"/>
+                <a:cs typeface="Courier New" panose="02070309020205020404" pitchFamily="49" charset="0"/>
+              </a:rPr>
+              <a:t>    +--</a:t>
+            </a:r>
+            <a:r>
+              <a:rPr lang="en-US" sz="850" dirty="0" err="1">
+                <a:effectLst/>
+                <a:latin typeface="Courier New" panose="02070309020205020404" pitchFamily="49" charset="0"/>
+                <a:ea typeface="Calibri" panose="020F0502020204030204" pitchFamily="34" charset="0"/>
+                <a:cs typeface="Courier New" panose="02070309020205020404" pitchFamily="49" charset="0"/>
+              </a:rPr>
+              <a:t>ro</a:t>
+            </a:r>
+            <a:r>
+              <a:rPr lang="en-US" sz="850" dirty="0">
+                <a:effectLst/>
+                <a:latin typeface="Courier New" panose="02070309020205020404" pitchFamily="49" charset="0"/>
+                <a:ea typeface="Calibri" panose="020F0502020204030204" pitchFamily="34" charset="0"/>
+                <a:cs typeface="Courier New" panose="02070309020205020404" pitchFamily="49" charset="0"/>
+              </a:rPr>
+              <a:t> transport-capabilities</a:t>
+            </a:r>
+          </a:p>
+          <a:p>
+            <a:pPr marL="0" marR="0">
+              <a:lnSpc>
+                <a:spcPct val="107000"/>
+              </a:lnSpc>
+              <a:spcBef>
+                <a:spcPts val="0"/>
+              </a:spcBef>
+              <a:spcAft>
+                <a:spcPts val="0"/>
+              </a:spcAft>
+            </a:pPr>
+            <a:r>
+              <a:rPr lang="en-US" sz="850" dirty="0">
+                <a:effectLst/>
+                <a:latin typeface="Courier New" panose="02070309020205020404" pitchFamily="49" charset="0"/>
+                <a:ea typeface="Calibri" panose="020F0502020204030204" pitchFamily="34" charset="0"/>
+                <a:cs typeface="Courier New" panose="02070309020205020404" pitchFamily="49" charset="0"/>
+              </a:rPr>
+              <a:t>       +--</a:t>
+            </a:r>
+            <a:r>
+              <a:rPr lang="en-US" sz="850" dirty="0" err="1">
+                <a:effectLst/>
+                <a:latin typeface="Courier New" panose="02070309020205020404" pitchFamily="49" charset="0"/>
+                <a:ea typeface="Calibri" panose="020F0502020204030204" pitchFamily="34" charset="0"/>
+                <a:cs typeface="Courier New" panose="02070309020205020404" pitchFamily="49" charset="0"/>
+              </a:rPr>
+              <a:t>ro</a:t>
+            </a:r>
+            <a:r>
+              <a:rPr lang="en-US" sz="850" dirty="0">
+                <a:effectLst/>
+                <a:latin typeface="Courier New" panose="02070309020205020404" pitchFamily="49" charset="0"/>
+                <a:ea typeface="Calibri" panose="020F0502020204030204" pitchFamily="34" charset="0"/>
+                <a:cs typeface="Courier New" panose="02070309020205020404" pitchFamily="49" charset="0"/>
+              </a:rPr>
+              <a:t> transport-capability* [transport-protocol]</a:t>
+            </a:r>
+          </a:p>
+          <a:p>
+            <a:pPr marL="0" marR="0">
+              <a:lnSpc>
+                <a:spcPct val="107000"/>
+              </a:lnSpc>
+              <a:spcBef>
+                <a:spcPts val="0"/>
+              </a:spcBef>
+              <a:spcAft>
+                <a:spcPts val="0"/>
+              </a:spcAft>
+            </a:pPr>
+            <a:r>
+              <a:rPr lang="en-US" sz="850" dirty="0">
+                <a:effectLst/>
+                <a:highlight>
+                  <a:srgbClr val="FFFF00"/>
+                </a:highlight>
+                <a:latin typeface="Courier New" panose="02070309020205020404" pitchFamily="49" charset="0"/>
+                <a:ea typeface="Calibri" panose="020F0502020204030204" pitchFamily="34" charset="0"/>
+                <a:cs typeface="Courier New" panose="02070309020205020404" pitchFamily="49" charset="0"/>
+              </a:rPr>
+              <a:t>          +--</a:t>
+            </a:r>
+            <a:r>
+              <a:rPr lang="en-US" sz="850" dirty="0" err="1">
+                <a:effectLst/>
+                <a:highlight>
+                  <a:srgbClr val="FFFF00"/>
+                </a:highlight>
+                <a:latin typeface="Courier New" panose="02070309020205020404" pitchFamily="49" charset="0"/>
+                <a:ea typeface="Calibri" panose="020F0502020204030204" pitchFamily="34" charset="0"/>
+                <a:cs typeface="Courier New" panose="02070309020205020404" pitchFamily="49" charset="0"/>
+              </a:rPr>
+              <a:t>ro</a:t>
+            </a:r>
+            <a:r>
+              <a:rPr lang="en-US" sz="850" dirty="0">
+                <a:effectLst/>
+                <a:highlight>
+                  <a:srgbClr val="FFFF00"/>
+                </a:highlight>
+                <a:latin typeface="Courier New" panose="02070309020205020404" pitchFamily="49" charset="0"/>
+                <a:ea typeface="Calibri" panose="020F0502020204030204" pitchFamily="34" charset="0"/>
+                <a:cs typeface="Courier New" panose="02070309020205020404" pitchFamily="49" charset="0"/>
+              </a:rPr>
+              <a:t> transport-protocol    </a:t>
+            </a:r>
+            <a:r>
+              <a:rPr lang="en-US" sz="850" dirty="0" err="1">
+                <a:effectLst/>
+                <a:highlight>
+                  <a:srgbClr val="FFFF00"/>
+                </a:highlight>
+                <a:latin typeface="Courier New" panose="02070309020205020404" pitchFamily="49" charset="0"/>
+                <a:ea typeface="Calibri" panose="020F0502020204030204" pitchFamily="34" charset="0"/>
+                <a:cs typeface="Courier New" panose="02070309020205020404" pitchFamily="49" charset="0"/>
+              </a:rPr>
+              <a:t>identityref</a:t>
+            </a:r>
+            <a:endParaRPr lang="en-US" sz="850" dirty="0">
+              <a:effectLst/>
+              <a:highlight>
+                <a:srgbClr val="FFFF00"/>
+              </a:highlight>
+              <a:latin typeface="Courier New" panose="02070309020205020404" pitchFamily="49" charset="0"/>
+              <a:ea typeface="Calibri" panose="020F0502020204030204" pitchFamily="34" charset="0"/>
+              <a:cs typeface="Courier New" panose="02070309020205020404" pitchFamily="49" charset="0"/>
+            </a:endParaRPr>
+          </a:p>
+          <a:p>
+            <a:pPr marL="0" marR="0">
+              <a:lnSpc>
+                <a:spcPct val="107000"/>
+              </a:lnSpc>
+              <a:spcBef>
+                <a:spcPts val="0"/>
+              </a:spcBef>
+              <a:spcAft>
+                <a:spcPts val="0"/>
+              </a:spcAft>
+            </a:pPr>
+            <a:r>
+              <a:rPr lang="en-US" sz="850" dirty="0">
+                <a:effectLst/>
+                <a:highlight>
+                  <a:srgbClr val="FFFF00"/>
+                </a:highlight>
+                <a:latin typeface="Courier New" panose="02070309020205020404" pitchFamily="49" charset="0"/>
+                <a:ea typeface="Calibri" panose="020F0502020204030204" pitchFamily="34" charset="0"/>
+                <a:cs typeface="Courier New" panose="02070309020205020404" pitchFamily="49" charset="0"/>
+              </a:rPr>
+              <a:t>          +--</a:t>
+            </a:r>
+            <a:r>
+              <a:rPr lang="en-US" sz="850" dirty="0" err="1">
+                <a:effectLst/>
+                <a:highlight>
+                  <a:srgbClr val="FFFF00"/>
+                </a:highlight>
+                <a:latin typeface="Courier New" panose="02070309020205020404" pitchFamily="49" charset="0"/>
+                <a:ea typeface="Calibri" panose="020F0502020204030204" pitchFamily="34" charset="0"/>
+                <a:cs typeface="Courier New" panose="02070309020205020404" pitchFamily="49" charset="0"/>
+              </a:rPr>
+              <a:t>ro</a:t>
+            </a:r>
+            <a:r>
+              <a:rPr lang="en-US" sz="850" dirty="0">
+                <a:effectLst/>
+                <a:highlight>
+                  <a:srgbClr val="FFFF00"/>
+                </a:highlight>
+                <a:latin typeface="Courier New" panose="02070309020205020404" pitchFamily="49" charset="0"/>
+                <a:ea typeface="Calibri" panose="020F0502020204030204" pitchFamily="34" charset="0"/>
+                <a:cs typeface="Courier New" panose="02070309020205020404" pitchFamily="49" charset="0"/>
+              </a:rPr>
+              <a:t> security-protocol?    </a:t>
+            </a:r>
+            <a:r>
+              <a:rPr lang="en-US" sz="850" dirty="0" err="1">
+                <a:effectLst/>
+                <a:highlight>
+                  <a:srgbClr val="FFFF00"/>
+                </a:highlight>
+                <a:latin typeface="Courier New" panose="02070309020205020404" pitchFamily="49" charset="0"/>
+                <a:ea typeface="Calibri" panose="020F0502020204030204" pitchFamily="34" charset="0"/>
+                <a:cs typeface="Courier New" panose="02070309020205020404" pitchFamily="49" charset="0"/>
+              </a:rPr>
+              <a:t>identityref</a:t>
+            </a:r>
+            <a:endParaRPr lang="en-US" sz="850" dirty="0">
+              <a:effectLst/>
+              <a:highlight>
+                <a:srgbClr val="FFFF00"/>
+              </a:highlight>
+              <a:latin typeface="Courier New" panose="02070309020205020404" pitchFamily="49" charset="0"/>
+              <a:ea typeface="Calibri" panose="020F0502020204030204" pitchFamily="34" charset="0"/>
+              <a:cs typeface="Courier New" panose="02070309020205020404" pitchFamily="49" charset="0"/>
+            </a:endParaRPr>
+          </a:p>
+          <a:p>
+            <a:pPr marL="0" marR="0">
+              <a:lnSpc>
+                <a:spcPct val="107000"/>
+              </a:lnSpc>
+              <a:spcBef>
+                <a:spcPts val="0"/>
+              </a:spcBef>
+              <a:spcAft>
+                <a:spcPts val="0"/>
+              </a:spcAft>
+            </a:pPr>
+            <a:r>
+              <a:rPr lang="en-US" sz="850" dirty="0">
+                <a:effectLst/>
+                <a:highlight>
+                  <a:srgbClr val="FFFF00"/>
+                </a:highlight>
+                <a:latin typeface="Courier New" panose="02070309020205020404" pitchFamily="49" charset="0"/>
+                <a:ea typeface="Calibri" panose="020F0502020204030204" pitchFamily="34" charset="0"/>
+                <a:cs typeface="Courier New" panose="02070309020205020404" pitchFamily="49" charset="0"/>
+              </a:rPr>
+              <a:t>          +--</a:t>
+            </a:r>
+            <a:r>
+              <a:rPr lang="en-US" sz="850" dirty="0" err="1">
+                <a:effectLst/>
+                <a:highlight>
+                  <a:srgbClr val="FFFF00"/>
+                </a:highlight>
+                <a:latin typeface="Courier New" panose="02070309020205020404" pitchFamily="49" charset="0"/>
+                <a:ea typeface="Calibri" panose="020F0502020204030204" pitchFamily="34" charset="0"/>
+                <a:cs typeface="Courier New" panose="02070309020205020404" pitchFamily="49" charset="0"/>
+              </a:rPr>
+              <a:t>ro</a:t>
+            </a:r>
+            <a:r>
+              <a:rPr lang="en-US" sz="850" dirty="0">
+                <a:effectLst/>
+                <a:highlight>
+                  <a:srgbClr val="FFFF00"/>
+                </a:highlight>
+                <a:latin typeface="Courier New" panose="02070309020205020404" pitchFamily="49" charset="0"/>
+                <a:ea typeface="Calibri" panose="020F0502020204030204" pitchFamily="34" charset="0"/>
+                <a:cs typeface="Courier New" panose="02070309020205020404" pitchFamily="49" charset="0"/>
+              </a:rPr>
+              <a:t> encoding-format*      </a:t>
+            </a:r>
+            <a:r>
+              <a:rPr lang="en-US" sz="850" dirty="0" err="1">
+                <a:effectLst/>
+                <a:highlight>
+                  <a:srgbClr val="FFFF00"/>
+                </a:highlight>
+                <a:latin typeface="Courier New" panose="02070309020205020404" pitchFamily="49" charset="0"/>
+                <a:ea typeface="Calibri" panose="020F0502020204030204" pitchFamily="34" charset="0"/>
+                <a:cs typeface="Courier New" panose="02070309020205020404" pitchFamily="49" charset="0"/>
+              </a:rPr>
+              <a:t>identityref</a:t>
+            </a:r>
+            <a:endParaRPr lang="en-US" sz="850" dirty="0">
+              <a:effectLst/>
+              <a:highlight>
+                <a:srgbClr val="FFFF00"/>
+              </a:highlight>
+              <a:latin typeface="Courier New" panose="02070309020205020404" pitchFamily="49" charset="0"/>
+              <a:ea typeface="Calibri" panose="020F0502020204030204" pitchFamily="34" charset="0"/>
+              <a:cs typeface="Courier New" panose="02070309020205020404" pitchFamily="49" charset="0"/>
+            </a:endParaRPr>
+          </a:p>
+          <a:p>
+            <a:pPr marL="0" marR="0">
+              <a:lnSpc>
+                <a:spcPct val="107000"/>
+              </a:lnSpc>
+              <a:spcBef>
+                <a:spcPts val="0"/>
+              </a:spcBef>
+              <a:spcAft>
+                <a:spcPts val="0"/>
+              </a:spcAft>
+            </a:pPr>
+            <a:endParaRPr lang="en-US" sz="850" dirty="0">
+              <a:highlight>
+                <a:srgbClr val="FFFF00"/>
+              </a:highlight>
+              <a:latin typeface="Courier New" panose="02070309020205020404" pitchFamily="49" charset="0"/>
+              <a:ea typeface="Calibri" panose="020F0502020204030204" pitchFamily="34" charset="0"/>
+              <a:cs typeface="Courier New" panose="02070309020205020404" pitchFamily="49" charset="0"/>
+            </a:endParaRPr>
+          </a:p>
+          <a:p>
+            <a:pPr marL="0" marR="0">
+              <a:lnSpc>
+                <a:spcPct val="107000"/>
+              </a:lnSpc>
+              <a:spcBef>
+                <a:spcPts val="0"/>
+              </a:spcBef>
+              <a:spcAft>
+                <a:spcPts val="0"/>
+              </a:spcAft>
+            </a:pPr>
+            <a:r>
+              <a:rPr lang="de-CH" sz="850" dirty="0" err="1">
+                <a:latin typeface="Courier New" panose="02070309020205020404" pitchFamily="49" charset="0"/>
+                <a:cs typeface="Courier New" panose="02070309020205020404" pitchFamily="49" charset="0"/>
+              </a:rPr>
+              <a:t>augment</a:t>
+            </a:r>
+            <a:r>
+              <a:rPr lang="de-CH" sz="850" dirty="0">
+                <a:latin typeface="Courier New" panose="02070309020205020404" pitchFamily="49" charset="0"/>
+                <a:cs typeface="Courier New" panose="02070309020205020404" pitchFamily="49" charset="0"/>
+              </a:rPr>
+              <a:t> "/</a:t>
+            </a:r>
+            <a:r>
+              <a:rPr lang="de-CH" sz="850" dirty="0" err="1">
+                <a:latin typeface="Courier New" panose="02070309020205020404" pitchFamily="49" charset="0"/>
+                <a:cs typeface="Courier New" panose="02070309020205020404" pitchFamily="49" charset="0"/>
+              </a:rPr>
+              <a:t>sysc:system-capabilities</a:t>
+            </a:r>
+            <a:r>
+              <a:rPr lang="de-CH" sz="850" dirty="0">
+                <a:latin typeface="Courier New" panose="02070309020205020404" pitchFamily="49" charset="0"/>
+                <a:cs typeface="Courier New" panose="02070309020205020404" pitchFamily="49" charset="0"/>
+              </a:rPr>
+              <a:t>/</a:t>
+            </a:r>
+            <a:r>
+              <a:rPr lang="de-CH" sz="850" dirty="0" err="1">
+                <a:latin typeface="Courier New" panose="02070309020205020404" pitchFamily="49" charset="0"/>
+                <a:cs typeface="Courier New" panose="02070309020205020404" pitchFamily="49" charset="0"/>
+              </a:rPr>
+              <a:t>notc:subscription-capabilities</a:t>
+            </a:r>
+            <a:r>
+              <a:rPr lang="de-CH" sz="850" dirty="0">
+                <a:latin typeface="Courier New" panose="02070309020205020404" pitchFamily="49" charset="0"/>
+                <a:cs typeface="Courier New" panose="02070309020205020404" pitchFamily="49" charset="0"/>
+              </a:rPr>
+              <a:t>" {</a:t>
+            </a:r>
+          </a:p>
+          <a:p>
+            <a:pPr marL="0" marR="0">
+              <a:lnSpc>
+                <a:spcPct val="107000"/>
+              </a:lnSpc>
+              <a:spcBef>
+                <a:spcPts val="0"/>
+              </a:spcBef>
+              <a:spcAft>
+                <a:spcPts val="0"/>
+              </a:spcAft>
+            </a:pPr>
+            <a:r>
+              <a:rPr lang="de-CH" sz="850" dirty="0">
+                <a:latin typeface="Courier New" panose="02070309020205020404" pitchFamily="49" charset="0"/>
+                <a:cs typeface="Courier New" panose="02070309020205020404" pitchFamily="49" charset="0"/>
+              </a:rPr>
+              <a:t>    </a:t>
+            </a:r>
+            <a:r>
+              <a:rPr lang="de-CH" sz="850" dirty="0" err="1">
+                <a:latin typeface="Courier New" panose="02070309020205020404" pitchFamily="49" charset="0"/>
+                <a:cs typeface="Courier New" panose="02070309020205020404" pitchFamily="49" charset="0"/>
+              </a:rPr>
+              <a:t>description</a:t>
+            </a:r>
+            <a:r>
+              <a:rPr lang="de-CH" sz="850" dirty="0">
+                <a:latin typeface="Courier New" panose="02070309020205020404" pitchFamily="49" charset="0"/>
+                <a:cs typeface="Courier New" panose="02070309020205020404" pitchFamily="49" charset="0"/>
+              </a:rPr>
+              <a:t> "Add </a:t>
+            </a:r>
+            <a:r>
+              <a:rPr lang="de-CH" sz="850" dirty="0" err="1">
+                <a:latin typeface="Courier New" panose="02070309020205020404" pitchFamily="49" charset="0"/>
+                <a:cs typeface="Courier New" panose="02070309020205020404" pitchFamily="49" charset="0"/>
+              </a:rPr>
+              <a:t>system</a:t>
+            </a:r>
+            <a:r>
+              <a:rPr lang="de-CH" sz="850" dirty="0">
+                <a:latin typeface="Courier New" panose="02070309020205020404" pitchFamily="49" charset="0"/>
+                <a:cs typeface="Courier New" panose="02070309020205020404" pitchFamily="49" charset="0"/>
+              </a:rPr>
+              <a:t> </a:t>
+            </a:r>
+            <a:r>
+              <a:rPr lang="de-CH" sz="850" dirty="0" err="1">
+                <a:latin typeface="Courier New" panose="02070309020205020404" pitchFamily="49" charset="0"/>
+                <a:cs typeface="Courier New" panose="02070309020205020404" pitchFamily="49" charset="0"/>
+              </a:rPr>
+              <a:t>level</a:t>
+            </a:r>
+            <a:r>
+              <a:rPr lang="de-CH" sz="850" dirty="0">
+                <a:latin typeface="Courier New" panose="02070309020205020404" pitchFamily="49" charset="0"/>
+                <a:cs typeface="Courier New" panose="02070309020205020404" pitchFamily="49" charset="0"/>
+              </a:rPr>
+              <a:t> </a:t>
+            </a:r>
+            <a:r>
+              <a:rPr lang="de-CH" sz="850" dirty="0" err="1">
+                <a:latin typeface="Courier New" panose="02070309020205020404" pitchFamily="49" charset="0"/>
+                <a:cs typeface="Courier New" panose="02070309020205020404" pitchFamily="49" charset="0"/>
+              </a:rPr>
+              <a:t>capability</a:t>
+            </a:r>
+            <a:r>
+              <a:rPr lang="de-CH" sz="850" dirty="0">
+                <a:latin typeface="Courier New" panose="02070309020205020404" pitchFamily="49" charset="0"/>
+                <a:cs typeface="Courier New" panose="02070309020205020404" pitchFamily="49" charset="0"/>
+              </a:rPr>
+              <a:t>.";</a:t>
+            </a:r>
+          </a:p>
+          <a:p>
+            <a:pPr marL="0" marR="0">
+              <a:lnSpc>
+                <a:spcPct val="107000"/>
+              </a:lnSpc>
+              <a:spcBef>
+                <a:spcPts val="0"/>
+              </a:spcBef>
+              <a:spcAft>
+                <a:spcPts val="0"/>
+              </a:spcAft>
+            </a:pPr>
+            <a:r>
+              <a:rPr lang="de-CH" sz="850" dirty="0">
+                <a:latin typeface="Courier New" panose="02070309020205020404" pitchFamily="49" charset="0"/>
+                <a:cs typeface="Courier New" panose="02070309020205020404" pitchFamily="49" charset="0"/>
+              </a:rPr>
+              <a:t>    </a:t>
+            </a:r>
+            <a:r>
+              <a:rPr lang="de-CH" sz="850" dirty="0" err="1">
+                <a:latin typeface="Courier New" panose="02070309020205020404" pitchFamily="49" charset="0"/>
+                <a:cs typeface="Courier New" panose="02070309020205020404" pitchFamily="49" charset="0"/>
+              </a:rPr>
+              <a:t>container</a:t>
+            </a:r>
+            <a:r>
+              <a:rPr lang="de-CH" sz="850" dirty="0">
+                <a:latin typeface="Courier New" panose="02070309020205020404" pitchFamily="49" charset="0"/>
+                <a:cs typeface="Courier New" panose="02070309020205020404" pitchFamily="49" charset="0"/>
+              </a:rPr>
+              <a:t> transport-</a:t>
+            </a:r>
+            <a:r>
+              <a:rPr lang="de-CH" sz="850" dirty="0" err="1">
+                <a:latin typeface="Courier New" panose="02070309020205020404" pitchFamily="49" charset="0"/>
+                <a:cs typeface="Courier New" panose="02070309020205020404" pitchFamily="49" charset="0"/>
+              </a:rPr>
+              <a:t>capabilities</a:t>
+            </a:r>
+            <a:r>
+              <a:rPr lang="de-CH" sz="850" dirty="0">
+                <a:latin typeface="Courier New" panose="02070309020205020404" pitchFamily="49" charset="0"/>
+                <a:cs typeface="Courier New" panose="02070309020205020404" pitchFamily="49" charset="0"/>
+              </a:rPr>
+              <a:t> {</a:t>
+            </a:r>
+          </a:p>
+          <a:p>
+            <a:pPr marL="0" marR="0">
+              <a:lnSpc>
+                <a:spcPct val="107000"/>
+              </a:lnSpc>
+              <a:spcBef>
+                <a:spcPts val="0"/>
+              </a:spcBef>
+              <a:spcAft>
+                <a:spcPts val="0"/>
+              </a:spcAft>
+            </a:pPr>
+            <a:r>
+              <a:rPr lang="de-CH" sz="850" dirty="0">
+                <a:latin typeface="Courier New" panose="02070309020205020404" pitchFamily="49" charset="0"/>
+                <a:cs typeface="Courier New" panose="02070309020205020404" pitchFamily="49" charset="0"/>
+              </a:rPr>
+              <a:t>      </a:t>
+            </a:r>
+            <a:r>
+              <a:rPr lang="de-CH" sz="850" dirty="0" err="1">
+                <a:latin typeface="Courier New" panose="02070309020205020404" pitchFamily="49" charset="0"/>
+                <a:cs typeface="Courier New" panose="02070309020205020404" pitchFamily="49" charset="0"/>
+              </a:rPr>
+              <a:t>description</a:t>
+            </a:r>
+            <a:r>
+              <a:rPr lang="de-CH" sz="850" dirty="0">
+                <a:latin typeface="Courier New" panose="02070309020205020404" pitchFamily="49" charset="0"/>
+                <a:cs typeface="Courier New" panose="02070309020205020404" pitchFamily="49" charset="0"/>
+              </a:rPr>
+              <a:t> "</a:t>
+            </a:r>
+            <a:r>
+              <a:rPr lang="de-CH" sz="850" dirty="0" err="1">
+                <a:latin typeface="Courier New" panose="02070309020205020404" pitchFamily="49" charset="0"/>
+                <a:cs typeface="Courier New" panose="02070309020205020404" pitchFamily="49" charset="0"/>
+              </a:rPr>
+              <a:t>Capabilities</a:t>
+            </a:r>
+            <a:r>
+              <a:rPr lang="de-CH" sz="850" dirty="0">
+                <a:latin typeface="Courier New" panose="02070309020205020404" pitchFamily="49" charset="0"/>
+                <a:cs typeface="Courier New" panose="02070309020205020404" pitchFamily="49" charset="0"/>
+              </a:rPr>
+              <a:t> </a:t>
+            </a:r>
+            <a:r>
+              <a:rPr lang="de-CH" sz="850" dirty="0" err="1">
+                <a:latin typeface="Courier New" panose="02070309020205020404" pitchFamily="49" charset="0"/>
+                <a:cs typeface="Courier New" panose="02070309020205020404" pitchFamily="49" charset="0"/>
+              </a:rPr>
+              <a:t>related</a:t>
+            </a:r>
+            <a:r>
+              <a:rPr lang="de-CH" sz="850" dirty="0">
+                <a:latin typeface="Courier New" panose="02070309020205020404" pitchFamily="49" charset="0"/>
+                <a:cs typeface="Courier New" panose="02070309020205020404" pitchFamily="49" charset="0"/>
+              </a:rPr>
+              <a:t> </a:t>
+            </a:r>
+            <a:r>
+              <a:rPr lang="de-CH" sz="850" dirty="0" err="1">
+                <a:latin typeface="Courier New" panose="02070309020205020404" pitchFamily="49" charset="0"/>
+                <a:cs typeface="Courier New" panose="02070309020205020404" pitchFamily="49" charset="0"/>
+              </a:rPr>
+              <a:t>to</a:t>
+            </a:r>
+            <a:r>
+              <a:rPr lang="de-CH" sz="850" dirty="0">
+                <a:latin typeface="Courier New" panose="02070309020205020404" pitchFamily="49" charset="0"/>
+                <a:cs typeface="Courier New" panose="02070309020205020404" pitchFamily="49" charset="0"/>
+              </a:rPr>
+              <a:t> YANG-Push </a:t>
+            </a:r>
+            <a:r>
+              <a:rPr lang="de-CH" sz="850" dirty="0" err="1">
+                <a:latin typeface="Courier New" panose="02070309020205020404" pitchFamily="49" charset="0"/>
+                <a:cs typeface="Courier New" panose="02070309020205020404" pitchFamily="49" charset="0"/>
+              </a:rPr>
+              <a:t>transports</a:t>
+            </a:r>
+            <a:r>
+              <a:rPr lang="de-CH" sz="850" dirty="0">
+                <a:latin typeface="Courier New" panose="02070309020205020404" pitchFamily="49" charset="0"/>
+                <a:cs typeface="Courier New" panose="02070309020205020404" pitchFamily="49" charset="0"/>
+              </a:rPr>
+              <a:t>.";</a:t>
+            </a:r>
+          </a:p>
+          <a:p>
+            <a:pPr marL="0" marR="0">
+              <a:lnSpc>
+                <a:spcPct val="107000"/>
+              </a:lnSpc>
+              <a:spcBef>
+                <a:spcPts val="0"/>
+              </a:spcBef>
+              <a:spcAft>
+                <a:spcPts val="0"/>
+              </a:spcAft>
+            </a:pPr>
+            <a:r>
+              <a:rPr lang="de-CH" sz="850" dirty="0">
+                <a:latin typeface="Courier New" panose="02070309020205020404" pitchFamily="49" charset="0"/>
+                <a:cs typeface="Courier New" panose="02070309020205020404" pitchFamily="49" charset="0"/>
+              </a:rPr>
+              <a:t>      list transport-</a:t>
+            </a:r>
+            <a:r>
+              <a:rPr lang="de-CH" sz="850" dirty="0" err="1">
+                <a:latin typeface="Courier New" panose="02070309020205020404" pitchFamily="49" charset="0"/>
+                <a:cs typeface="Courier New" panose="02070309020205020404" pitchFamily="49" charset="0"/>
+              </a:rPr>
+              <a:t>capability</a:t>
+            </a:r>
+            <a:r>
+              <a:rPr lang="de-CH" sz="850" dirty="0">
+                <a:latin typeface="Courier New" panose="02070309020205020404" pitchFamily="49" charset="0"/>
+                <a:cs typeface="Courier New" panose="02070309020205020404" pitchFamily="49" charset="0"/>
+              </a:rPr>
+              <a:t> {</a:t>
+            </a:r>
+          </a:p>
+          <a:p>
+            <a:pPr marL="0" marR="0">
+              <a:lnSpc>
+                <a:spcPct val="107000"/>
+              </a:lnSpc>
+              <a:spcBef>
+                <a:spcPts val="0"/>
+              </a:spcBef>
+              <a:spcAft>
+                <a:spcPts val="0"/>
+              </a:spcAft>
+            </a:pPr>
+            <a:r>
+              <a:rPr lang="de-CH" sz="850" dirty="0">
+                <a:latin typeface="Courier New" panose="02070309020205020404" pitchFamily="49" charset="0"/>
+                <a:cs typeface="Courier New" panose="02070309020205020404" pitchFamily="49" charset="0"/>
+              </a:rPr>
+              <a:t>        </a:t>
+            </a:r>
+            <a:r>
+              <a:rPr lang="de-CH" sz="850" dirty="0" err="1">
+                <a:latin typeface="Courier New" panose="02070309020205020404" pitchFamily="49" charset="0"/>
+                <a:cs typeface="Courier New" panose="02070309020205020404" pitchFamily="49" charset="0"/>
+              </a:rPr>
+              <a:t>key</a:t>
+            </a:r>
+            <a:r>
+              <a:rPr lang="de-CH" sz="850" dirty="0">
+                <a:latin typeface="Courier New" panose="02070309020205020404" pitchFamily="49" charset="0"/>
+                <a:cs typeface="Courier New" panose="02070309020205020404" pitchFamily="49" charset="0"/>
+              </a:rPr>
+              <a:t> "transport-</a:t>
+            </a:r>
+            <a:r>
+              <a:rPr lang="de-CH" sz="850" dirty="0" err="1">
+                <a:latin typeface="Courier New" panose="02070309020205020404" pitchFamily="49" charset="0"/>
+                <a:cs typeface="Courier New" panose="02070309020205020404" pitchFamily="49" charset="0"/>
+              </a:rPr>
+              <a:t>protocol</a:t>
+            </a:r>
+            <a:r>
+              <a:rPr lang="de-CH" sz="850" dirty="0">
+                <a:latin typeface="Courier New" panose="02070309020205020404" pitchFamily="49" charset="0"/>
+                <a:cs typeface="Courier New" panose="02070309020205020404" pitchFamily="49" charset="0"/>
+              </a:rPr>
+              <a:t>";</a:t>
+            </a:r>
+          </a:p>
+          <a:p>
+            <a:pPr marL="0" marR="0">
+              <a:lnSpc>
+                <a:spcPct val="107000"/>
+              </a:lnSpc>
+              <a:spcBef>
+                <a:spcPts val="0"/>
+              </a:spcBef>
+              <a:spcAft>
+                <a:spcPts val="0"/>
+              </a:spcAft>
+            </a:pPr>
+            <a:r>
+              <a:rPr lang="de-CH" sz="850" dirty="0">
+                <a:latin typeface="Courier New" panose="02070309020205020404" pitchFamily="49" charset="0"/>
+                <a:cs typeface="Courier New" panose="02070309020205020404" pitchFamily="49" charset="0"/>
+              </a:rPr>
+              <a:t>        </a:t>
+            </a:r>
+            <a:r>
+              <a:rPr lang="de-CH" sz="850" dirty="0" err="1">
+                <a:latin typeface="Courier New" panose="02070309020205020404" pitchFamily="49" charset="0"/>
+                <a:cs typeface="Courier New" panose="02070309020205020404" pitchFamily="49" charset="0"/>
+              </a:rPr>
+              <a:t>description</a:t>
+            </a:r>
+            <a:r>
+              <a:rPr lang="de-CH" sz="850" dirty="0">
+                <a:latin typeface="Courier New" panose="02070309020205020404" pitchFamily="49" charset="0"/>
+                <a:cs typeface="Courier New" panose="02070309020205020404" pitchFamily="49" charset="0"/>
+              </a:rPr>
+              <a:t> "</a:t>
+            </a:r>
+            <a:r>
+              <a:rPr lang="de-CH" sz="850" dirty="0" err="1">
+                <a:latin typeface="Courier New" panose="02070309020205020404" pitchFamily="49" charset="0"/>
+                <a:cs typeface="Courier New" panose="02070309020205020404" pitchFamily="49" charset="0"/>
+              </a:rPr>
+              <a:t>Capability</a:t>
+            </a:r>
+            <a:r>
+              <a:rPr lang="de-CH" sz="850" dirty="0">
+                <a:latin typeface="Courier New" panose="02070309020205020404" pitchFamily="49" charset="0"/>
+                <a:cs typeface="Courier New" panose="02070309020205020404" pitchFamily="49" charset="0"/>
+              </a:rPr>
+              <a:t> list </a:t>
+            </a:r>
+            <a:r>
+              <a:rPr lang="de-CH" sz="850" dirty="0" err="1">
+                <a:latin typeface="Courier New" panose="02070309020205020404" pitchFamily="49" charset="0"/>
+                <a:cs typeface="Courier New" panose="02070309020205020404" pitchFamily="49" charset="0"/>
+              </a:rPr>
+              <a:t>related</a:t>
+            </a:r>
+            <a:r>
+              <a:rPr lang="de-CH" sz="850" dirty="0">
+                <a:latin typeface="Courier New" panose="02070309020205020404" pitchFamily="49" charset="0"/>
+                <a:cs typeface="Courier New" panose="02070309020205020404" pitchFamily="49" charset="0"/>
+              </a:rPr>
+              <a:t> </a:t>
+            </a:r>
+            <a:r>
+              <a:rPr lang="de-CH" sz="850" dirty="0" err="1">
+                <a:latin typeface="Courier New" panose="02070309020205020404" pitchFamily="49" charset="0"/>
+                <a:cs typeface="Courier New" panose="02070309020205020404" pitchFamily="49" charset="0"/>
+              </a:rPr>
+              <a:t>to</a:t>
+            </a:r>
+            <a:r>
+              <a:rPr lang="de-CH" sz="850" dirty="0">
+                <a:latin typeface="Courier New" panose="02070309020205020404" pitchFamily="49" charset="0"/>
+                <a:cs typeface="Courier New" panose="02070309020205020404" pitchFamily="49" charset="0"/>
+              </a:rPr>
+              <a:t> </a:t>
+            </a:r>
+            <a:r>
+              <a:rPr lang="de-CH" sz="850" dirty="0" err="1">
+                <a:latin typeface="Courier New" panose="02070309020205020404" pitchFamily="49" charset="0"/>
+                <a:cs typeface="Courier New" panose="02070309020205020404" pitchFamily="49" charset="0"/>
+              </a:rPr>
+              <a:t>notification</a:t>
+            </a:r>
+            <a:r>
+              <a:rPr lang="de-CH" sz="850" dirty="0">
+                <a:latin typeface="Courier New" panose="02070309020205020404" pitchFamily="49" charset="0"/>
+                <a:cs typeface="Courier New" panose="02070309020205020404" pitchFamily="49" charset="0"/>
+              </a:rPr>
+              <a:t> </a:t>
+            </a:r>
+            <a:r>
+              <a:rPr lang="de-CH" sz="850" dirty="0" err="1">
+                <a:latin typeface="Courier New" panose="02070309020205020404" pitchFamily="49" charset="0"/>
+                <a:cs typeface="Courier New" panose="02070309020205020404" pitchFamily="49" charset="0"/>
+              </a:rPr>
+              <a:t>transport</a:t>
+            </a:r>
+            <a:r>
+              <a:rPr lang="de-CH" sz="850" dirty="0">
+                <a:latin typeface="Courier New" panose="02070309020205020404" pitchFamily="49" charset="0"/>
+                <a:cs typeface="Courier New" panose="02070309020205020404" pitchFamily="49" charset="0"/>
+              </a:rPr>
+              <a:t> </a:t>
+            </a:r>
+            <a:r>
+              <a:rPr lang="de-CH" sz="850" dirty="0" err="1">
+                <a:latin typeface="Courier New" panose="02070309020205020404" pitchFamily="49" charset="0"/>
+                <a:cs typeface="Courier New" panose="02070309020205020404" pitchFamily="49" charset="0"/>
+              </a:rPr>
+              <a:t>capabilities</a:t>
+            </a:r>
+            <a:r>
+              <a:rPr lang="de-CH" sz="850" dirty="0">
+                <a:latin typeface="Courier New" panose="02070309020205020404" pitchFamily="49" charset="0"/>
+                <a:cs typeface="Courier New" panose="02070309020205020404" pitchFamily="49" charset="0"/>
+              </a:rPr>
+              <a:t>.";</a:t>
+            </a:r>
+          </a:p>
+          <a:p>
+            <a:pPr marL="0" marR="0">
+              <a:lnSpc>
+                <a:spcPct val="107000"/>
+              </a:lnSpc>
+              <a:spcBef>
+                <a:spcPts val="0"/>
+              </a:spcBef>
+              <a:spcAft>
+                <a:spcPts val="0"/>
+              </a:spcAft>
+            </a:pPr>
+            <a:r>
+              <a:rPr lang="de-CH" sz="850" dirty="0">
+                <a:latin typeface="Courier New" panose="02070309020205020404" pitchFamily="49" charset="0"/>
+                <a:cs typeface="Courier New" panose="02070309020205020404" pitchFamily="49" charset="0"/>
+              </a:rPr>
+              <a:t>        </a:t>
+            </a:r>
+            <a:r>
+              <a:rPr lang="de-CH" sz="850" dirty="0" err="1">
+                <a:latin typeface="Courier New" panose="02070309020205020404" pitchFamily="49" charset="0"/>
+                <a:cs typeface="Courier New" panose="02070309020205020404" pitchFamily="49" charset="0"/>
+              </a:rPr>
+              <a:t>leaf</a:t>
+            </a:r>
+            <a:r>
+              <a:rPr lang="de-CH" sz="850" dirty="0">
+                <a:latin typeface="Courier New" panose="02070309020205020404" pitchFamily="49" charset="0"/>
+                <a:cs typeface="Courier New" panose="02070309020205020404" pitchFamily="49" charset="0"/>
+              </a:rPr>
+              <a:t> transport-</a:t>
+            </a:r>
+            <a:r>
+              <a:rPr lang="de-CH" sz="850" dirty="0" err="1">
+                <a:latin typeface="Courier New" panose="02070309020205020404" pitchFamily="49" charset="0"/>
+                <a:cs typeface="Courier New" panose="02070309020205020404" pitchFamily="49" charset="0"/>
+              </a:rPr>
+              <a:t>protocol</a:t>
+            </a:r>
+            <a:r>
+              <a:rPr lang="de-CH" sz="850" dirty="0">
+                <a:latin typeface="Courier New" panose="02070309020205020404" pitchFamily="49" charset="0"/>
+                <a:cs typeface="Courier New" panose="02070309020205020404" pitchFamily="49" charset="0"/>
+              </a:rPr>
+              <a:t> {</a:t>
+            </a:r>
+          </a:p>
+          <a:p>
+            <a:pPr marL="0" marR="0">
+              <a:lnSpc>
+                <a:spcPct val="107000"/>
+              </a:lnSpc>
+              <a:spcBef>
+                <a:spcPts val="0"/>
+              </a:spcBef>
+              <a:spcAft>
+                <a:spcPts val="0"/>
+              </a:spcAft>
+            </a:pPr>
+            <a:r>
+              <a:rPr lang="de-CH" sz="850" dirty="0">
+                <a:latin typeface="Courier New" panose="02070309020205020404" pitchFamily="49" charset="0"/>
+                <a:cs typeface="Courier New" panose="02070309020205020404" pitchFamily="49" charset="0"/>
+              </a:rPr>
+              <a:t>          type </a:t>
+            </a:r>
+            <a:r>
+              <a:rPr lang="de-CH" sz="850" dirty="0" err="1">
+                <a:latin typeface="Courier New" panose="02070309020205020404" pitchFamily="49" charset="0"/>
+                <a:cs typeface="Courier New" panose="02070309020205020404" pitchFamily="49" charset="0"/>
+              </a:rPr>
+              <a:t>identityref</a:t>
+            </a:r>
+            <a:r>
+              <a:rPr lang="de-CH" sz="850" dirty="0">
+                <a:latin typeface="Courier New" panose="02070309020205020404" pitchFamily="49" charset="0"/>
+                <a:cs typeface="Courier New" panose="02070309020205020404" pitchFamily="49" charset="0"/>
+              </a:rPr>
+              <a:t> {</a:t>
+            </a:r>
+          </a:p>
+          <a:p>
+            <a:pPr marL="0" marR="0">
+              <a:lnSpc>
+                <a:spcPct val="107000"/>
+              </a:lnSpc>
+              <a:spcBef>
+                <a:spcPts val="0"/>
+              </a:spcBef>
+              <a:spcAft>
+                <a:spcPts val="0"/>
+              </a:spcAft>
+            </a:pPr>
+            <a:r>
+              <a:rPr lang="de-CH" sz="850" dirty="0">
+                <a:latin typeface="Courier New" panose="02070309020205020404" pitchFamily="49" charset="0"/>
+                <a:cs typeface="Courier New" panose="02070309020205020404" pitchFamily="49" charset="0"/>
+              </a:rPr>
+              <a:t>            </a:t>
+            </a:r>
+            <a:r>
+              <a:rPr lang="de-CH" sz="850" dirty="0" err="1">
+                <a:latin typeface="Courier New" panose="02070309020205020404" pitchFamily="49" charset="0"/>
+                <a:cs typeface="Courier New" panose="02070309020205020404" pitchFamily="49" charset="0"/>
+              </a:rPr>
+              <a:t>base</a:t>
+            </a:r>
+            <a:r>
+              <a:rPr lang="de-CH" sz="850" dirty="0">
+                <a:latin typeface="Courier New" panose="02070309020205020404" pitchFamily="49" charset="0"/>
+                <a:cs typeface="Courier New" panose="02070309020205020404" pitchFamily="49" charset="0"/>
+              </a:rPr>
+              <a:t> </a:t>
+            </a:r>
+            <a:r>
+              <a:rPr lang="de-CH" sz="850" dirty="0" err="1">
+                <a:latin typeface="Courier New" panose="02070309020205020404" pitchFamily="49" charset="0"/>
+                <a:cs typeface="Courier New" panose="02070309020205020404" pitchFamily="49" charset="0"/>
+              </a:rPr>
+              <a:t>sn:transport</a:t>
+            </a:r>
+            <a:r>
+              <a:rPr lang="de-CH" sz="850" dirty="0">
+                <a:latin typeface="Courier New" panose="02070309020205020404" pitchFamily="49" charset="0"/>
+                <a:cs typeface="Courier New" panose="02070309020205020404" pitchFamily="49" charset="0"/>
+              </a:rPr>
+              <a:t>;</a:t>
+            </a:r>
+          </a:p>
+          <a:p>
+            <a:pPr marL="0" marR="0">
+              <a:lnSpc>
+                <a:spcPct val="107000"/>
+              </a:lnSpc>
+              <a:spcBef>
+                <a:spcPts val="0"/>
+              </a:spcBef>
+              <a:spcAft>
+                <a:spcPts val="0"/>
+              </a:spcAft>
+            </a:pPr>
+            <a:r>
+              <a:rPr lang="de-CH" sz="850" dirty="0">
+                <a:latin typeface="Courier New" panose="02070309020205020404" pitchFamily="49" charset="0"/>
+                <a:cs typeface="Courier New" panose="02070309020205020404" pitchFamily="49" charset="0"/>
+              </a:rPr>
+              <a:t>          }</a:t>
+            </a:r>
+          </a:p>
+          <a:p>
+            <a:pPr marL="0" marR="0">
+              <a:lnSpc>
+                <a:spcPct val="107000"/>
+              </a:lnSpc>
+              <a:spcBef>
+                <a:spcPts val="0"/>
+              </a:spcBef>
+              <a:spcAft>
+                <a:spcPts val="0"/>
+              </a:spcAft>
+            </a:pPr>
+            <a:r>
+              <a:rPr lang="de-CH" sz="850" dirty="0">
+                <a:latin typeface="Courier New" panose="02070309020205020404" pitchFamily="49" charset="0"/>
+                <a:cs typeface="Courier New" panose="02070309020205020404" pitchFamily="49" charset="0"/>
+              </a:rPr>
+              <a:t>          </a:t>
+            </a:r>
+            <a:r>
+              <a:rPr lang="de-CH" sz="850" dirty="0" err="1">
+                <a:latin typeface="Courier New" panose="02070309020205020404" pitchFamily="49" charset="0"/>
+                <a:cs typeface="Courier New" panose="02070309020205020404" pitchFamily="49" charset="0"/>
+              </a:rPr>
+              <a:t>description</a:t>
+            </a:r>
+            <a:r>
+              <a:rPr lang="de-CH" sz="850" dirty="0">
+                <a:latin typeface="Courier New" panose="02070309020205020404" pitchFamily="49" charset="0"/>
+                <a:cs typeface="Courier New" panose="02070309020205020404" pitchFamily="49" charset="0"/>
+              </a:rPr>
+              <a:t> "</a:t>
+            </a:r>
+            <a:r>
+              <a:rPr lang="de-CH" sz="850" dirty="0" err="1">
+                <a:latin typeface="Courier New" panose="02070309020205020404" pitchFamily="49" charset="0"/>
+                <a:cs typeface="Courier New" panose="02070309020205020404" pitchFamily="49" charset="0"/>
+              </a:rPr>
+              <a:t>Supported</a:t>
+            </a:r>
+            <a:r>
+              <a:rPr lang="de-CH" sz="850" dirty="0">
+                <a:latin typeface="Courier New" panose="02070309020205020404" pitchFamily="49" charset="0"/>
+                <a:cs typeface="Courier New" panose="02070309020205020404" pitchFamily="49" charset="0"/>
+              </a:rPr>
+              <a:t> </a:t>
+            </a:r>
+            <a:r>
+              <a:rPr lang="de-CH" sz="850" dirty="0" err="1">
+                <a:latin typeface="Courier New" panose="02070309020205020404" pitchFamily="49" charset="0"/>
+                <a:cs typeface="Courier New" panose="02070309020205020404" pitchFamily="49" charset="0"/>
+              </a:rPr>
+              <a:t>transport</a:t>
+            </a:r>
+            <a:r>
+              <a:rPr lang="de-CH" sz="850" dirty="0">
+                <a:latin typeface="Courier New" panose="02070309020205020404" pitchFamily="49" charset="0"/>
+                <a:cs typeface="Courier New" panose="02070309020205020404" pitchFamily="49" charset="0"/>
+              </a:rPr>
+              <a:t> </a:t>
+            </a:r>
+            <a:r>
+              <a:rPr lang="de-CH" sz="850" dirty="0" err="1">
+                <a:latin typeface="Courier New" panose="02070309020205020404" pitchFamily="49" charset="0"/>
+                <a:cs typeface="Courier New" panose="02070309020205020404" pitchFamily="49" charset="0"/>
+              </a:rPr>
+              <a:t>protocol</a:t>
+            </a:r>
+            <a:r>
+              <a:rPr lang="de-CH" sz="850" dirty="0">
+                <a:latin typeface="Courier New" panose="02070309020205020404" pitchFamily="49" charset="0"/>
+                <a:cs typeface="Courier New" panose="02070309020205020404" pitchFamily="49" charset="0"/>
+              </a:rPr>
+              <a:t> </a:t>
+            </a:r>
+            <a:r>
+              <a:rPr lang="de-CH" sz="850" dirty="0" err="1">
+                <a:latin typeface="Courier New" panose="02070309020205020404" pitchFamily="49" charset="0"/>
+                <a:cs typeface="Courier New" panose="02070309020205020404" pitchFamily="49" charset="0"/>
+              </a:rPr>
+              <a:t>for</a:t>
+            </a:r>
+            <a:r>
+              <a:rPr lang="de-CH" sz="850" dirty="0">
+                <a:latin typeface="Courier New" panose="02070309020205020404" pitchFamily="49" charset="0"/>
+                <a:cs typeface="Courier New" panose="02070309020205020404" pitchFamily="49" charset="0"/>
+              </a:rPr>
+              <a:t> YANG-Push.";</a:t>
+            </a:r>
+          </a:p>
+          <a:p>
+            <a:pPr marL="0" marR="0">
+              <a:lnSpc>
+                <a:spcPct val="107000"/>
+              </a:lnSpc>
+              <a:spcBef>
+                <a:spcPts val="0"/>
+              </a:spcBef>
+              <a:spcAft>
+                <a:spcPts val="0"/>
+              </a:spcAft>
+            </a:pPr>
+            <a:r>
+              <a:rPr lang="de-CH" sz="850" dirty="0">
+                <a:latin typeface="Courier New" panose="02070309020205020404" pitchFamily="49" charset="0"/>
+                <a:cs typeface="Courier New" panose="02070309020205020404" pitchFamily="49" charset="0"/>
+              </a:rPr>
+              <a:t>        }</a:t>
+            </a:r>
+          </a:p>
+          <a:p>
+            <a:pPr marL="0" marR="0">
+              <a:lnSpc>
+                <a:spcPct val="107000"/>
+              </a:lnSpc>
+              <a:spcBef>
+                <a:spcPts val="0"/>
+              </a:spcBef>
+              <a:spcAft>
+                <a:spcPts val="0"/>
+              </a:spcAft>
+            </a:pPr>
+            <a:r>
+              <a:rPr lang="de-CH" sz="850" dirty="0">
+                <a:latin typeface="Courier New" panose="02070309020205020404" pitchFamily="49" charset="0"/>
+                <a:cs typeface="Courier New" panose="02070309020205020404" pitchFamily="49" charset="0"/>
+              </a:rPr>
+              <a:t>        </a:t>
+            </a:r>
+            <a:r>
+              <a:rPr lang="de-CH" sz="850" dirty="0" err="1">
+                <a:latin typeface="Courier New" panose="02070309020205020404" pitchFamily="49" charset="0"/>
+                <a:cs typeface="Courier New" panose="02070309020205020404" pitchFamily="49" charset="0"/>
+              </a:rPr>
+              <a:t>leaf</a:t>
+            </a:r>
+            <a:r>
+              <a:rPr lang="de-CH" sz="850" dirty="0">
+                <a:latin typeface="Courier New" panose="02070309020205020404" pitchFamily="49" charset="0"/>
+                <a:cs typeface="Courier New" panose="02070309020205020404" pitchFamily="49" charset="0"/>
+              </a:rPr>
+              <a:t> </a:t>
+            </a:r>
+            <a:r>
+              <a:rPr lang="de-CH" sz="850" dirty="0" err="1">
+                <a:latin typeface="Courier New" panose="02070309020205020404" pitchFamily="49" charset="0"/>
+                <a:cs typeface="Courier New" panose="02070309020205020404" pitchFamily="49" charset="0"/>
+              </a:rPr>
+              <a:t>security-protocol</a:t>
+            </a:r>
+            <a:r>
+              <a:rPr lang="de-CH" sz="850" dirty="0">
+                <a:latin typeface="Courier New" panose="02070309020205020404" pitchFamily="49" charset="0"/>
+                <a:cs typeface="Courier New" panose="02070309020205020404" pitchFamily="49" charset="0"/>
+              </a:rPr>
+              <a:t> {</a:t>
+            </a:r>
+          </a:p>
+          <a:p>
+            <a:pPr marL="0" marR="0">
+              <a:lnSpc>
+                <a:spcPct val="107000"/>
+              </a:lnSpc>
+              <a:spcBef>
+                <a:spcPts val="0"/>
+              </a:spcBef>
+              <a:spcAft>
+                <a:spcPts val="0"/>
+              </a:spcAft>
+            </a:pPr>
+            <a:r>
+              <a:rPr lang="de-CH" sz="850" dirty="0">
+                <a:latin typeface="Courier New" panose="02070309020205020404" pitchFamily="49" charset="0"/>
+                <a:cs typeface="Courier New" panose="02070309020205020404" pitchFamily="49" charset="0"/>
+              </a:rPr>
+              <a:t>          type </a:t>
+            </a:r>
+            <a:r>
+              <a:rPr lang="de-CH" sz="850" dirty="0" err="1">
+                <a:latin typeface="Courier New" panose="02070309020205020404" pitchFamily="49" charset="0"/>
+                <a:cs typeface="Courier New" panose="02070309020205020404" pitchFamily="49" charset="0"/>
+              </a:rPr>
+              <a:t>identityref</a:t>
+            </a:r>
+            <a:r>
+              <a:rPr lang="de-CH" sz="850" dirty="0">
+                <a:latin typeface="Courier New" panose="02070309020205020404" pitchFamily="49" charset="0"/>
+                <a:cs typeface="Courier New" panose="02070309020205020404" pitchFamily="49" charset="0"/>
+              </a:rPr>
+              <a:t> {</a:t>
+            </a:r>
+          </a:p>
+          <a:p>
+            <a:pPr marL="0" marR="0">
+              <a:lnSpc>
+                <a:spcPct val="107000"/>
+              </a:lnSpc>
+              <a:spcBef>
+                <a:spcPts val="0"/>
+              </a:spcBef>
+              <a:spcAft>
+                <a:spcPts val="0"/>
+              </a:spcAft>
+            </a:pPr>
+            <a:r>
+              <a:rPr lang="de-CH" sz="850" dirty="0">
+                <a:latin typeface="Courier New" panose="02070309020205020404" pitchFamily="49" charset="0"/>
+                <a:cs typeface="Courier New" panose="02070309020205020404" pitchFamily="49" charset="0"/>
+              </a:rPr>
+              <a:t>            </a:t>
+            </a:r>
+            <a:r>
+              <a:rPr lang="de-CH" sz="850" dirty="0" err="1">
+                <a:latin typeface="Courier New" panose="02070309020205020404" pitchFamily="49" charset="0"/>
+                <a:cs typeface="Courier New" panose="02070309020205020404" pitchFamily="49" charset="0"/>
+              </a:rPr>
+              <a:t>base</a:t>
+            </a:r>
+            <a:r>
+              <a:rPr lang="de-CH" sz="850" dirty="0">
+                <a:latin typeface="Courier New" panose="02070309020205020404" pitchFamily="49" charset="0"/>
+                <a:cs typeface="Courier New" panose="02070309020205020404" pitchFamily="49" charset="0"/>
+              </a:rPr>
+              <a:t> </a:t>
+            </a:r>
+            <a:r>
+              <a:rPr lang="de-CH" sz="850" dirty="0" err="1">
+                <a:latin typeface="Courier New" panose="02070309020205020404" pitchFamily="49" charset="0"/>
+                <a:cs typeface="Courier New" panose="02070309020205020404" pitchFamily="49" charset="0"/>
+              </a:rPr>
+              <a:t>security-protocol</a:t>
+            </a:r>
+            <a:r>
+              <a:rPr lang="de-CH" sz="850" dirty="0">
+                <a:latin typeface="Courier New" panose="02070309020205020404" pitchFamily="49" charset="0"/>
+                <a:cs typeface="Courier New" panose="02070309020205020404" pitchFamily="49" charset="0"/>
+              </a:rPr>
+              <a:t>;</a:t>
+            </a:r>
+          </a:p>
+          <a:p>
+            <a:pPr marL="0" marR="0">
+              <a:lnSpc>
+                <a:spcPct val="107000"/>
+              </a:lnSpc>
+              <a:spcBef>
+                <a:spcPts val="0"/>
+              </a:spcBef>
+              <a:spcAft>
+                <a:spcPts val="0"/>
+              </a:spcAft>
+            </a:pPr>
+            <a:r>
+              <a:rPr lang="de-CH" sz="850" dirty="0">
+                <a:latin typeface="Courier New" panose="02070309020205020404" pitchFamily="49" charset="0"/>
+                <a:cs typeface="Courier New" panose="02070309020205020404" pitchFamily="49" charset="0"/>
+              </a:rPr>
+              <a:t>          }</a:t>
+            </a:r>
+          </a:p>
+          <a:p>
+            <a:pPr marL="0" marR="0">
+              <a:lnSpc>
+                <a:spcPct val="107000"/>
+              </a:lnSpc>
+              <a:spcBef>
+                <a:spcPts val="0"/>
+              </a:spcBef>
+              <a:spcAft>
+                <a:spcPts val="0"/>
+              </a:spcAft>
+            </a:pPr>
+            <a:r>
+              <a:rPr lang="de-CH" sz="850" dirty="0">
+                <a:latin typeface="Courier New" panose="02070309020205020404" pitchFamily="49" charset="0"/>
+                <a:cs typeface="Courier New" panose="02070309020205020404" pitchFamily="49" charset="0"/>
+              </a:rPr>
+              <a:t>          </a:t>
+            </a:r>
+            <a:r>
+              <a:rPr lang="de-CH" sz="850" dirty="0" err="1">
+                <a:latin typeface="Courier New" panose="02070309020205020404" pitchFamily="49" charset="0"/>
+                <a:cs typeface="Courier New" panose="02070309020205020404" pitchFamily="49" charset="0"/>
+              </a:rPr>
+              <a:t>description</a:t>
+            </a:r>
+            <a:r>
+              <a:rPr lang="de-CH" sz="850" dirty="0">
+                <a:latin typeface="Courier New" panose="02070309020205020404" pitchFamily="49" charset="0"/>
+                <a:cs typeface="Courier New" panose="02070309020205020404" pitchFamily="49" charset="0"/>
+              </a:rPr>
+              <a:t> "Type of </a:t>
+            </a:r>
+            <a:r>
+              <a:rPr lang="de-CH" sz="850" dirty="0" err="1">
+                <a:latin typeface="Courier New" panose="02070309020205020404" pitchFamily="49" charset="0"/>
+                <a:cs typeface="Courier New" panose="02070309020205020404" pitchFamily="49" charset="0"/>
+              </a:rPr>
+              <a:t>secure</a:t>
+            </a:r>
+            <a:r>
+              <a:rPr lang="de-CH" sz="850" dirty="0">
+                <a:latin typeface="Courier New" panose="02070309020205020404" pitchFamily="49" charset="0"/>
+                <a:cs typeface="Courier New" panose="02070309020205020404" pitchFamily="49" charset="0"/>
+              </a:rPr>
+              <a:t> </a:t>
+            </a:r>
+            <a:r>
+              <a:rPr lang="de-CH" sz="850" dirty="0" err="1">
+                <a:latin typeface="Courier New" panose="02070309020205020404" pitchFamily="49" charset="0"/>
+                <a:cs typeface="Courier New" panose="02070309020205020404" pitchFamily="49" charset="0"/>
+              </a:rPr>
+              <a:t>transport</a:t>
+            </a:r>
+            <a:r>
+              <a:rPr lang="de-CH" sz="850" dirty="0">
+                <a:latin typeface="Courier New" panose="02070309020205020404" pitchFamily="49" charset="0"/>
+                <a:cs typeface="Courier New" panose="02070309020205020404" pitchFamily="49" charset="0"/>
+              </a:rPr>
+              <a:t>.";</a:t>
+            </a:r>
+          </a:p>
+          <a:p>
+            <a:pPr marL="0" marR="0">
+              <a:lnSpc>
+                <a:spcPct val="107000"/>
+              </a:lnSpc>
+              <a:spcBef>
+                <a:spcPts val="0"/>
+              </a:spcBef>
+              <a:spcAft>
+                <a:spcPts val="0"/>
+              </a:spcAft>
+            </a:pPr>
+            <a:r>
+              <a:rPr lang="de-CH" sz="850" dirty="0">
+                <a:latin typeface="Courier New" panose="02070309020205020404" pitchFamily="49" charset="0"/>
+                <a:cs typeface="Courier New" panose="02070309020205020404" pitchFamily="49" charset="0"/>
+              </a:rPr>
+              <a:t>        }</a:t>
+            </a:r>
+          </a:p>
+          <a:p>
+            <a:pPr marL="0" marR="0">
+              <a:lnSpc>
+                <a:spcPct val="107000"/>
+              </a:lnSpc>
+              <a:spcBef>
+                <a:spcPts val="0"/>
+              </a:spcBef>
+              <a:spcAft>
+                <a:spcPts val="0"/>
+              </a:spcAft>
+            </a:pPr>
+            <a:r>
+              <a:rPr lang="de-CH" sz="850" dirty="0">
+                <a:latin typeface="Courier New" panose="02070309020205020404" pitchFamily="49" charset="0"/>
+                <a:cs typeface="Courier New" panose="02070309020205020404" pitchFamily="49" charset="0"/>
+              </a:rPr>
+              <a:t>        </a:t>
+            </a:r>
+            <a:r>
+              <a:rPr lang="de-CH" sz="850" dirty="0" err="1">
+                <a:latin typeface="Courier New" panose="02070309020205020404" pitchFamily="49" charset="0"/>
+                <a:cs typeface="Courier New" panose="02070309020205020404" pitchFamily="49" charset="0"/>
+              </a:rPr>
+              <a:t>leaf</a:t>
+            </a:r>
+            <a:r>
+              <a:rPr lang="de-CH" sz="850" dirty="0">
+                <a:latin typeface="Courier New" panose="02070309020205020404" pitchFamily="49" charset="0"/>
+                <a:cs typeface="Courier New" panose="02070309020205020404" pitchFamily="49" charset="0"/>
+              </a:rPr>
+              <a:t>-list </a:t>
+            </a:r>
+            <a:r>
+              <a:rPr lang="de-CH" sz="850" dirty="0" err="1">
+                <a:latin typeface="Courier New" panose="02070309020205020404" pitchFamily="49" charset="0"/>
+                <a:cs typeface="Courier New" panose="02070309020205020404" pitchFamily="49" charset="0"/>
+              </a:rPr>
+              <a:t>encoding</a:t>
+            </a:r>
+            <a:r>
+              <a:rPr lang="de-CH" sz="850" dirty="0">
+                <a:latin typeface="Courier New" panose="02070309020205020404" pitchFamily="49" charset="0"/>
+                <a:cs typeface="Courier New" panose="02070309020205020404" pitchFamily="49" charset="0"/>
+              </a:rPr>
+              <a:t>-format {</a:t>
+            </a:r>
+          </a:p>
+          <a:p>
+            <a:pPr marL="0" marR="0">
+              <a:lnSpc>
+                <a:spcPct val="107000"/>
+              </a:lnSpc>
+              <a:spcBef>
+                <a:spcPts val="0"/>
+              </a:spcBef>
+              <a:spcAft>
+                <a:spcPts val="0"/>
+              </a:spcAft>
+            </a:pPr>
+            <a:r>
+              <a:rPr lang="de-CH" sz="850" dirty="0">
+                <a:latin typeface="Courier New" panose="02070309020205020404" pitchFamily="49" charset="0"/>
+                <a:cs typeface="Courier New" panose="02070309020205020404" pitchFamily="49" charset="0"/>
+              </a:rPr>
+              <a:t>          type </a:t>
+            </a:r>
+            <a:r>
+              <a:rPr lang="de-CH" sz="850" dirty="0" err="1">
+                <a:latin typeface="Courier New" panose="02070309020205020404" pitchFamily="49" charset="0"/>
+                <a:cs typeface="Courier New" panose="02070309020205020404" pitchFamily="49" charset="0"/>
+              </a:rPr>
+              <a:t>identityref</a:t>
+            </a:r>
+            <a:r>
+              <a:rPr lang="de-CH" sz="850" dirty="0">
+                <a:latin typeface="Courier New" panose="02070309020205020404" pitchFamily="49" charset="0"/>
+                <a:cs typeface="Courier New" panose="02070309020205020404" pitchFamily="49" charset="0"/>
+              </a:rPr>
+              <a:t> {</a:t>
+            </a:r>
+          </a:p>
+          <a:p>
+            <a:pPr marL="0" marR="0">
+              <a:lnSpc>
+                <a:spcPct val="107000"/>
+              </a:lnSpc>
+              <a:spcBef>
+                <a:spcPts val="0"/>
+              </a:spcBef>
+              <a:spcAft>
+                <a:spcPts val="0"/>
+              </a:spcAft>
+            </a:pPr>
+            <a:r>
+              <a:rPr lang="de-CH" sz="850" dirty="0">
+                <a:latin typeface="Courier New" panose="02070309020205020404" pitchFamily="49" charset="0"/>
+                <a:cs typeface="Courier New" panose="02070309020205020404" pitchFamily="49" charset="0"/>
+              </a:rPr>
+              <a:t>            </a:t>
+            </a:r>
+            <a:r>
+              <a:rPr lang="de-CH" sz="850" dirty="0" err="1">
+                <a:latin typeface="Courier New" panose="02070309020205020404" pitchFamily="49" charset="0"/>
+                <a:cs typeface="Courier New" panose="02070309020205020404" pitchFamily="49" charset="0"/>
+              </a:rPr>
+              <a:t>base</a:t>
+            </a:r>
+            <a:r>
+              <a:rPr lang="de-CH" sz="850" dirty="0">
+                <a:latin typeface="Courier New" panose="02070309020205020404" pitchFamily="49" charset="0"/>
+                <a:cs typeface="Courier New" panose="02070309020205020404" pitchFamily="49" charset="0"/>
+              </a:rPr>
+              <a:t> </a:t>
+            </a:r>
+            <a:r>
+              <a:rPr lang="de-CH" sz="850" dirty="0" err="1">
+                <a:latin typeface="Courier New" panose="02070309020205020404" pitchFamily="49" charset="0"/>
+                <a:cs typeface="Courier New" panose="02070309020205020404" pitchFamily="49" charset="0"/>
+              </a:rPr>
+              <a:t>sn:encoding</a:t>
+            </a:r>
+            <a:r>
+              <a:rPr lang="de-CH" sz="850" dirty="0">
+                <a:latin typeface="Courier New" panose="02070309020205020404" pitchFamily="49" charset="0"/>
+                <a:cs typeface="Courier New" panose="02070309020205020404" pitchFamily="49" charset="0"/>
+              </a:rPr>
+              <a:t>;</a:t>
+            </a:r>
+          </a:p>
+          <a:p>
+            <a:pPr marL="0" marR="0">
+              <a:lnSpc>
+                <a:spcPct val="107000"/>
+              </a:lnSpc>
+              <a:spcBef>
+                <a:spcPts val="0"/>
+              </a:spcBef>
+              <a:spcAft>
+                <a:spcPts val="0"/>
+              </a:spcAft>
+            </a:pPr>
+            <a:r>
+              <a:rPr lang="de-CH" sz="850" dirty="0">
+                <a:latin typeface="Courier New" panose="02070309020205020404" pitchFamily="49" charset="0"/>
+                <a:cs typeface="Courier New" panose="02070309020205020404" pitchFamily="49" charset="0"/>
+              </a:rPr>
+              <a:t>          }</a:t>
+            </a:r>
+          </a:p>
+          <a:p>
+            <a:pPr marL="0" marR="0">
+              <a:lnSpc>
+                <a:spcPct val="107000"/>
+              </a:lnSpc>
+              <a:spcBef>
+                <a:spcPts val="0"/>
+              </a:spcBef>
+              <a:spcAft>
+                <a:spcPts val="0"/>
+              </a:spcAft>
+            </a:pPr>
+            <a:r>
+              <a:rPr lang="de-CH" sz="850" dirty="0">
+                <a:latin typeface="Courier New" panose="02070309020205020404" pitchFamily="49" charset="0"/>
+                <a:cs typeface="Courier New" panose="02070309020205020404" pitchFamily="49" charset="0"/>
+              </a:rPr>
+              <a:t>          </a:t>
+            </a:r>
+            <a:r>
+              <a:rPr lang="de-CH" sz="850" dirty="0" err="1">
+                <a:latin typeface="Courier New" panose="02070309020205020404" pitchFamily="49" charset="0"/>
+                <a:cs typeface="Courier New" panose="02070309020205020404" pitchFamily="49" charset="0"/>
+              </a:rPr>
+              <a:t>description</a:t>
+            </a:r>
+            <a:r>
+              <a:rPr lang="de-CH" sz="850" dirty="0">
+                <a:latin typeface="Courier New" panose="02070309020205020404" pitchFamily="49" charset="0"/>
+                <a:cs typeface="Courier New" panose="02070309020205020404" pitchFamily="49" charset="0"/>
+              </a:rPr>
+              <a:t> "</a:t>
+            </a:r>
+            <a:r>
+              <a:rPr lang="de-CH" sz="850" dirty="0" err="1">
+                <a:latin typeface="Courier New" panose="02070309020205020404" pitchFamily="49" charset="0"/>
+                <a:cs typeface="Courier New" panose="02070309020205020404" pitchFamily="49" charset="0"/>
+              </a:rPr>
+              <a:t>Supported</a:t>
+            </a:r>
+            <a:r>
+              <a:rPr lang="de-CH" sz="850" dirty="0">
+                <a:latin typeface="Courier New" panose="02070309020205020404" pitchFamily="49" charset="0"/>
+                <a:cs typeface="Courier New" panose="02070309020205020404" pitchFamily="49" charset="0"/>
+              </a:rPr>
+              <a:t> </a:t>
+            </a:r>
+            <a:r>
+              <a:rPr lang="de-CH" sz="850" dirty="0" err="1">
+                <a:latin typeface="Courier New" panose="02070309020205020404" pitchFamily="49" charset="0"/>
+                <a:cs typeface="Courier New" panose="02070309020205020404" pitchFamily="49" charset="0"/>
+              </a:rPr>
+              <a:t>encoding</a:t>
+            </a:r>
+            <a:r>
+              <a:rPr lang="de-CH" sz="850" dirty="0">
+                <a:latin typeface="Courier New" panose="02070309020205020404" pitchFamily="49" charset="0"/>
+                <a:cs typeface="Courier New" panose="02070309020205020404" pitchFamily="49" charset="0"/>
+              </a:rPr>
+              <a:t> </a:t>
+            </a:r>
+            <a:r>
+              <a:rPr lang="de-CH" sz="850" dirty="0" err="1">
+                <a:latin typeface="Courier New" panose="02070309020205020404" pitchFamily="49" charset="0"/>
+                <a:cs typeface="Courier New" panose="02070309020205020404" pitchFamily="49" charset="0"/>
+              </a:rPr>
+              <a:t>formats</a:t>
+            </a:r>
+            <a:r>
+              <a:rPr lang="de-CH" sz="850" dirty="0">
+                <a:latin typeface="Courier New" panose="02070309020205020404" pitchFamily="49" charset="0"/>
+                <a:cs typeface="Courier New" panose="02070309020205020404" pitchFamily="49" charset="0"/>
+              </a:rPr>
+              <a:t>.";</a:t>
+            </a:r>
+          </a:p>
+          <a:p>
+            <a:pPr marL="0" marR="0">
+              <a:lnSpc>
+                <a:spcPct val="107000"/>
+              </a:lnSpc>
+              <a:spcBef>
+                <a:spcPts val="0"/>
+              </a:spcBef>
+              <a:spcAft>
+                <a:spcPts val="0"/>
+              </a:spcAft>
+            </a:pPr>
+            <a:r>
+              <a:rPr lang="de-CH" sz="850" dirty="0">
+                <a:latin typeface="Courier New" panose="02070309020205020404" pitchFamily="49" charset="0"/>
+                <a:cs typeface="Courier New" panose="02070309020205020404" pitchFamily="49" charset="0"/>
+              </a:rPr>
+              <a:t>        }</a:t>
+            </a:r>
+          </a:p>
+          <a:p>
+            <a:pPr marL="0" marR="0">
+              <a:lnSpc>
+                <a:spcPct val="107000"/>
+              </a:lnSpc>
+              <a:spcBef>
+                <a:spcPts val="0"/>
+              </a:spcBef>
+              <a:spcAft>
+                <a:spcPts val="0"/>
+              </a:spcAft>
+            </a:pPr>
+            <a:r>
+              <a:rPr lang="de-CH" sz="850" dirty="0">
+                <a:latin typeface="Courier New" panose="02070309020205020404" pitchFamily="49" charset="0"/>
+                <a:cs typeface="Courier New" panose="02070309020205020404" pitchFamily="49" charset="0"/>
+              </a:rPr>
+              <a:t>      }</a:t>
+            </a:r>
+          </a:p>
+          <a:p>
+            <a:pPr marL="0" marR="0">
+              <a:lnSpc>
+                <a:spcPct val="107000"/>
+              </a:lnSpc>
+              <a:spcBef>
+                <a:spcPts val="0"/>
+              </a:spcBef>
+              <a:spcAft>
+                <a:spcPts val="0"/>
+              </a:spcAft>
+            </a:pPr>
+            <a:r>
+              <a:rPr lang="de-CH" sz="850" dirty="0">
+                <a:latin typeface="Courier New" panose="02070309020205020404" pitchFamily="49" charset="0"/>
+                <a:cs typeface="Courier New" panose="02070309020205020404" pitchFamily="49" charset="0"/>
+              </a:rPr>
+              <a:t>    }</a:t>
+            </a:r>
+          </a:p>
+        </p:txBody>
+      </p:sp>
+    </p:spTree>
+    <p:extLst>
+      <p:ext uri="{BB962C8B-B14F-4D97-AF65-F5344CB8AC3E}">
+        <p14:creationId xmlns:p14="http://schemas.microsoft.com/office/powerpoint/2010/main" val="3562000331"/>
       </p:ext>
     </p:extLst>
   </p:cSld>
@@ -8746,10 +8746,10 @@
               <a:buNone/>
             </a:pPr>
             <a:r>
-              <a:rPr lang="de-CH" sz="3800" dirty="0">
+              <a:rPr lang="de-CH" sz="3800">
                 <a:latin typeface="+mj-lt"/>
               </a:rPr>
-              <a:t>25. </a:t>
+              <a:t>29. </a:t>
             </a:r>
             <a:r>
               <a:rPr lang="de-CH" sz="3800" dirty="0" err="1">
